--- a/Bloque 1 - Introducción al desarrollo multiplataforma con .NET MAUI/Taller2 - Por qué .NET MAUI.pptx
+++ b/Bloque 1 - Introducción al desarrollo multiplataforma con .NET MAUI/Taller2 - Por qué .NET MAUI.pptx
@@ -6,11 +6,22 @@
     <p:sldMasterId id="2147483793" r:id="rId2"/>
   </p:sldMasterIdLst>
   <p:notesMasterIdLst>
-    <p:notesMasterId r:id="rId5"/>
+    <p:notesMasterId r:id="rId16"/>
   </p:notesMasterIdLst>
   <p:sldIdLst>
     <p:sldId id="291" r:id="rId3"/>
-    <p:sldId id="282" r:id="rId4"/>
+    <p:sldId id="285" r:id="rId4"/>
+    <p:sldId id="2147469518" r:id="rId5"/>
+    <p:sldId id="2147469514" r:id="rId6"/>
+    <p:sldId id="2147469522" r:id="rId7"/>
+    <p:sldId id="2076137303" r:id="rId8"/>
+    <p:sldId id="2147469519" r:id="rId9"/>
+    <p:sldId id="2147469517" r:id="rId10"/>
+    <p:sldId id="2147469520" r:id="rId11"/>
+    <p:sldId id="2147469521" r:id="rId12"/>
+    <p:sldId id="2147469523" r:id="rId13"/>
+    <p:sldId id="2147469524" r:id="rId14"/>
+    <p:sldId id="282" r:id="rId15"/>
   </p:sldIdLst>
   <p:sldSz cx="12192000" cy="6858000"/>
   <p:notesSz cx="6858000" cy="9144000"/>
@@ -3449,7 +3460,7 @@
           <a:p>
             <a:fld id="{A334C884-B1D7-A043-A4AA-521744755A4B}" type="datetimeFigureOut">
               <a:rPr lang="en-US" smtClean="0"/>
-              <a:t>4/2/2022</a:t>
+              <a:t>4/17/2022</a:t>
             </a:fld>
             <a:endParaRPr lang="en-US"/>
           </a:p>
@@ -3766,6 +3777,150 @@
       </p:sp>
       <p:sp>
         <p:nvSpPr>
+          <p:cNvPr id="4" name="Slide Number Placeholder 3"/>
+          <p:cNvSpPr>
+            <a:spLocks noGrp="1"/>
+          </p:cNvSpPr>
+          <p:nvPr>
+            <p:ph type="sldNum" sz="quarter" idx="5"/>
+          </p:nvPr>
+        </p:nvSpPr>
+        <p:spPr/>
+        <p:txBody>
+          <a:bodyPr/>
+          <a:lstStyle/>
+          <a:p>
+            <a:pPr marL="0" marR="0" lvl="0" indent="0" algn="r" defTabSz="914400" rtl="0" eaLnBrk="1" fontAlgn="auto" latinLnBrk="0" hangingPunct="1">
+              <a:lnSpc>
+                <a:spcPct val="100000"/>
+              </a:lnSpc>
+              <a:spcBef>
+                <a:spcPts val="0"/>
+              </a:spcBef>
+              <a:spcAft>
+                <a:spcPts val="0"/>
+              </a:spcAft>
+              <a:buClrTx/>
+              <a:buSzTx/>
+              <a:buFontTx/>
+              <a:buNone/>
+              <a:tabLst/>
+              <a:defRPr/>
+            </a:pPr>
+            <a:fld id="{045E74FF-B95A-3049-B6BA-741949CDE00C}" type="slidenum">
+              <a:rPr kumimoji="0" lang="en-US" sz="1200" b="0" i="0" u="none" strike="noStrike" kern="1200" cap="none" spc="0" normalizeH="0" baseline="0" noProof="0" smtClean="0">
+                <a:ln>
+                  <a:noFill/>
+                </a:ln>
+                <a:solidFill>
+                  <a:prstClr val="black"/>
+                </a:solidFill>
+                <a:effectLst/>
+                <a:uLnTx/>
+                <a:uFillTx/>
+                <a:latin typeface="Calibri" panose="020F0502020204030204"/>
+                <a:ea typeface="+mn-ea"/>
+                <a:cs typeface="+mn-cs"/>
+              </a:rPr>
+              <a:pPr marL="0" marR="0" lvl="0" indent="0" algn="r" defTabSz="914400" rtl="0" eaLnBrk="1" fontAlgn="auto" latinLnBrk="0" hangingPunct="1">
+                <a:lnSpc>
+                  <a:spcPct val="100000"/>
+                </a:lnSpc>
+                <a:spcBef>
+                  <a:spcPts val="0"/>
+                </a:spcBef>
+                <a:spcAft>
+                  <a:spcPts val="0"/>
+                </a:spcAft>
+                <a:buClrTx/>
+                <a:buSzTx/>
+                <a:buFontTx/>
+                <a:buNone/>
+                <a:tabLst/>
+                <a:defRPr/>
+              </a:pPr>
+              <a:t>6</a:t>
+            </a:fld>
+            <a:endParaRPr kumimoji="0" lang="en-US" sz="1200" b="0" i="0" u="none" strike="noStrike" kern="1200" cap="none" spc="0" normalizeH="0" baseline="0" noProof="0">
+              <a:ln>
+                <a:noFill/>
+              </a:ln>
+              <a:solidFill>
+                <a:prstClr val="black"/>
+              </a:solidFill>
+              <a:effectLst/>
+              <a:uLnTx/>
+              <a:uFillTx/>
+              <a:latin typeface="Calibri" panose="020F0502020204030204"/>
+              <a:ea typeface="+mn-ea"/>
+              <a:cs typeface="+mn-cs"/>
+            </a:endParaRPr>
+          </a:p>
+        </p:txBody>
+      </p:sp>
+    </p:spTree>
+    <p:extLst>
+      <p:ext uri="{BB962C8B-B14F-4D97-AF65-F5344CB8AC3E}">
+        <p14:creationId xmlns:p14="http://schemas.microsoft.com/office/powerpoint/2010/main" val="1511722806"/>
+      </p:ext>
+    </p:extLst>
+  </p:cSld>
+  <p:clrMapOvr>
+    <a:masterClrMapping/>
+  </p:clrMapOvr>
+</p:notes>
+</file>
+
+<file path=ppt/notesSlides/notesSlide2.xml><?xml version="1.0" encoding="utf-8"?>
+<p:notes xmlns:a="http://schemas.openxmlformats.org/drawingml/2006/main" xmlns:r="http://schemas.openxmlformats.org/officeDocument/2006/relationships" xmlns:p="http://schemas.openxmlformats.org/presentationml/2006/main">
+  <p:cSld>
+    <p:spTree>
+      <p:nvGrpSpPr>
+        <p:cNvPr id="1" name=""/>
+        <p:cNvGrpSpPr/>
+        <p:nvPr/>
+      </p:nvGrpSpPr>
+      <p:grpSpPr>
+        <a:xfrm>
+          <a:off x="0" y="0"/>
+          <a:ext cx="0" cy="0"/>
+          <a:chOff x="0" y="0"/>
+          <a:chExt cx="0" cy="0"/>
+        </a:xfrm>
+      </p:grpSpPr>
+      <p:sp>
+        <p:nvSpPr>
+          <p:cNvPr id="2" name="Slide Image Placeholder 1"/>
+          <p:cNvSpPr>
+            <a:spLocks noGrp="1" noRot="1" noChangeAspect="1"/>
+          </p:cNvSpPr>
+          <p:nvPr>
+            <p:ph type="sldImg"/>
+          </p:nvPr>
+        </p:nvSpPr>
+        <p:spPr/>
+      </p:sp>
+      <p:sp>
+        <p:nvSpPr>
+          <p:cNvPr id="3" name="Notes Placeholder 2"/>
+          <p:cNvSpPr>
+            <a:spLocks noGrp="1"/>
+          </p:cNvSpPr>
+          <p:nvPr>
+            <p:ph type="body" idx="1"/>
+          </p:nvPr>
+        </p:nvSpPr>
+        <p:spPr/>
+        <p:txBody>
+          <a:bodyPr/>
+          <a:lstStyle/>
+          <a:p>
+            <a:endParaRPr lang="en-US" dirty="0"/>
+          </a:p>
+        </p:txBody>
+      </p:sp>
+      <p:sp>
+        <p:nvSpPr>
           <p:cNvPr id="4" name="Footer Placeholder 3"/>
           <p:cNvSpPr>
             <a:spLocks noGrp="1"/>
@@ -3835,7 +3990,7 @@
           <a:p>
             <a:fld id="{E74353ED-ACB2-44BF-A903-985B0AF962B7}" type="datetime1">
               <a:rPr lang="en-US" smtClean="0"/>
-              <a:t>4/2/2022</a:t>
+              <a:t>4/17/2022</a:t>
             </a:fld>
             <a:endParaRPr lang="en-US" dirty="0"/>
           </a:p>
@@ -3859,7 +4014,7 @@
             <a:fld id="{B4008EB6-D09E-4580-8CD6-DDB14511944F}" type="slidenum">
               <a:rPr lang="en-US" smtClean="0"/>
               <a:pPr/>
-              <a:t>2</a:t>
+              <a:t>13</a:t>
             </a:fld>
             <a:endParaRPr lang="en-US" dirty="0"/>
           </a:p>
@@ -6411,6 +6566,569 @@
 </file>
 
 <file path=ppt/slideLayouts/slideLayout16.xml><?xml version="1.0" encoding="utf-8"?>
+<p:sldLayout xmlns:a="http://schemas.openxmlformats.org/drawingml/2006/main" xmlns:r="http://schemas.openxmlformats.org/officeDocument/2006/relationships" xmlns:p="http://schemas.openxmlformats.org/presentationml/2006/main" userDrawn="1">
+  <p:cSld name="Blank Layout">
+    <p:spTree>
+      <p:nvGrpSpPr>
+        <p:cNvPr id="1" name=""/>
+        <p:cNvGrpSpPr/>
+        <p:nvPr/>
+      </p:nvGrpSpPr>
+      <p:grpSpPr>
+        <a:xfrm>
+          <a:off x="0" y="0"/>
+          <a:ext cx="0" cy="0"/>
+          <a:chOff x="0" y="0"/>
+          <a:chExt cx="0" cy="0"/>
+        </a:xfrm>
+      </p:grpSpPr>
+    </p:spTree>
+    <p:extLst>
+      <p:ext uri="{BB962C8B-B14F-4D97-AF65-F5344CB8AC3E}">
+        <p14:creationId xmlns:p14="http://schemas.microsoft.com/office/powerpoint/2010/main" val="3344647272"/>
+      </p:ext>
+    </p:extLst>
+  </p:cSld>
+  <p:clrMapOvr>
+    <a:masterClrMapping/>
+  </p:clrMapOvr>
+</p:sldLayout>
+</file>
+
+<file path=ppt/slideLayouts/slideLayout17.xml><?xml version="1.0" encoding="utf-8"?>
+<p:sldLayout xmlns:a="http://schemas.openxmlformats.org/drawingml/2006/main" xmlns:r="http://schemas.openxmlformats.org/officeDocument/2006/relationships" xmlns:p="http://schemas.openxmlformats.org/presentationml/2006/main" type="obj">
+  <p:cSld name="1_Title and Content">
+    <p:spTree>
+      <p:nvGrpSpPr>
+        <p:cNvPr id="1" name=""/>
+        <p:cNvGrpSpPr/>
+        <p:nvPr/>
+      </p:nvGrpSpPr>
+      <p:grpSpPr>
+        <a:xfrm>
+          <a:off x="0" y="0"/>
+          <a:ext cx="0" cy="0"/>
+          <a:chOff x="0" y="0"/>
+          <a:chExt cx="0" cy="0"/>
+        </a:xfrm>
+      </p:grpSpPr>
+      <p:sp>
+        <p:nvSpPr>
+          <p:cNvPr id="2" name="Title 1">
+            <a:extLst>
+              <a:ext uri="{FF2B5EF4-FFF2-40B4-BE49-F238E27FC236}">
+                <a16:creationId xmlns:a16="http://schemas.microsoft.com/office/drawing/2014/main" id="{CB6399F2-9FD3-8B4E-8048-995480BDB88F}"/>
+              </a:ext>
+            </a:extLst>
+          </p:cNvPr>
+          <p:cNvSpPr>
+            <a:spLocks noGrp="1"/>
+          </p:cNvSpPr>
+          <p:nvPr>
+            <p:ph type="title"/>
+          </p:nvPr>
+        </p:nvSpPr>
+        <p:spPr/>
+        <p:txBody>
+          <a:bodyPr/>
+          <a:lstStyle/>
+          <a:p>
+            <a:r>
+              <a:rPr lang="en-US"/>
+              <a:t>Click to edit Master title style</a:t>
+            </a:r>
+          </a:p>
+        </p:txBody>
+      </p:sp>
+      <p:sp>
+        <p:nvSpPr>
+          <p:cNvPr id="3" name="Content Placeholder 2">
+            <a:extLst>
+              <a:ext uri="{FF2B5EF4-FFF2-40B4-BE49-F238E27FC236}">
+                <a16:creationId xmlns:a16="http://schemas.microsoft.com/office/drawing/2014/main" id="{AAB54250-677E-6B4A-9CDF-D7632551AA79}"/>
+              </a:ext>
+            </a:extLst>
+          </p:cNvPr>
+          <p:cNvSpPr>
+            <a:spLocks noGrp="1"/>
+          </p:cNvSpPr>
+          <p:nvPr>
+            <p:ph idx="1"/>
+          </p:nvPr>
+        </p:nvSpPr>
+        <p:spPr/>
+        <p:txBody>
+          <a:bodyPr/>
+          <a:lstStyle/>
+          <a:p>
+            <a:pPr lvl="0"/>
+            <a:r>
+              <a:rPr lang="en-US"/>
+              <a:t>Click to edit Master text styles</a:t>
+            </a:r>
+          </a:p>
+          <a:p>
+            <a:pPr lvl="1"/>
+            <a:r>
+              <a:rPr lang="en-US"/>
+              <a:t>Second level</a:t>
+            </a:r>
+          </a:p>
+          <a:p>
+            <a:pPr lvl="2"/>
+            <a:r>
+              <a:rPr lang="en-US"/>
+              <a:t>Third level</a:t>
+            </a:r>
+          </a:p>
+          <a:p>
+            <a:pPr lvl="3"/>
+            <a:r>
+              <a:rPr lang="en-US"/>
+              <a:t>Fourth level</a:t>
+            </a:r>
+          </a:p>
+          <a:p>
+            <a:pPr lvl="4"/>
+            <a:r>
+              <a:rPr lang="en-US"/>
+              <a:t>Fifth level</a:t>
+            </a:r>
+          </a:p>
+        </p:txBody>
+      </p:sp>
+      <p:sp>
+        <p:nvSpPr>
+          <p:cNvPr id="4" name="Date Placeholder 3">
+            <a:extLst>
+              <a:ext uri="{FF2B5EF4-FFF2-40B4-BE49-F238E27FC236}">
+                <a16:creationId xmlns:a16="http://schemas.microsoft.com/office/drawing/2014/main" id="{C99FCBBF-D6D0-BC4D-AB0A-B11358ED6DBC}"/>
+              </a:ext>
+            </a:extLst>
+          </p:cNvPr>
+          <p:cNvSpPr>
+            <a:spLocks noGrp="1"/>
+          </p:cNvSpPr>
+          <p:nvPr>
+            <p:ph type="dt" sz="half" idx="10"/>
+          </p:nvPr>
+        </p:nvSpPr>
+        <p:spPr/>
+        <p:txBody>
+          <a:bodyPr/>
+          <a:lstStyle/>
+          <a:p>
+            <a:fld id="{0A627400-D089-7447-864B-77479EBD4214}" type="datetimeFigureOut">
+              <a:rPr lang="en-US" smtClean="0"/>
+              <a:t>4/17/2022</a:t>
+            </a:fld>
+            <a:endParaRPr lang="en-US"/>
+          </a:p>
+        </p:txBody>
+      </p:sp>
+      <p:sp>
+        <p:nvSpPr>
+          <p:cNvPr id="5" name="Footer Placeholder 4">
+            <a:extLst>
+              <a:ext uri="{FF2B5EF4-FFF2-40B4-BE49-F238E27FC236}">
+                <a16:creationId xmlns:a16="http://schemas.microsoft.com/office/drawing/2014/main" id="{DE3FDE89-536E-3147-B351-C6AFED60EC04}"/>
+              </a:ext>
+            </a:extLst>
+          </p:cNvPr>
+          <p:cNvSpPr>
+            <a:spLocks noGrp="1"/>
+          </p:cNvSpPr>
+          <p:nvPr>
+            <p:ph type="ftr" sz="quarter" idx="11"/>
+          </p:nvPr>
+        </p:nvSpPr>
+        <p:spPr/>
+        <p:txBody>
+          <a:bodyPr/>
+          <a:lstStyle/>
+          <a:p>
+            <a:endParaRPr lang="en-US"/>
+          </a:p>
+        </p:txBody>
+      </p:sp>
+      <p:sp>
+        <p:nvSpPr>
+          <p:cNvPr id="6" name="Slide Number Placeholder 5">
+            <a:extLst>
+              <a:ext uri="{FF2B5EF4-FFF2-40B4-BE49-F238E27FC236}">
+                <a16:creationId xmlns:a16="http://schemas.microsoft.com/office/drawing/2014/main" id="{6D5BF063-6C5B-EA48-8839-3A445E637FA8}"/>
+              </a:ext>
+            </a:extLst>
+          </p:cNvPr>
+          <p:cNvSpPr>
+            <a:spLocks noGrp="1"/>
+          </p:cNvSpPr>
+          <p:nvPr>
+            <p:ph type="sldNum" sz="quarter" idx="12"/>
+          </p:nvPr>
+        </p:nvSpPr>
+        <p:spPr/>
+        <p:txBody>
+          <a:bodyPr/>
+          <a:lstStyle/>
+          <a:p>
+            <a:fld id="{CDACE531-2FE7-1449-9EEA-A972806695F4}" type="slidenum">
+              <a:rPr lang="en-US" smtClean="0"/>
+              <a:t>‹#›</a:t>
+            </a:fld>
+            <a:endParaRPr lang="en-US"/>
+          </a:p>
+        </p:txBody>
+      </p:sp>
+    </p:spTree>
+    <p:extLst>
+      <p:ext uri="{BB962C8B-B14F-4D97-AF65-F5344CB8AC3E}">
+        <p14:creationId xmlns:p14="http://schemas.microsoft.com/office/powerpoint/2010/main" val="4079433262"/>
+      </p:ext>
+    </p:extLst>
+  </p:cSld>
+  <p:clrMapOvr>
+    <a:masterClrMapping/>
+  </p:clrMapOvr>
+</p:sldLayout>
+</file>
+
+<file path=ppt/slideLayouts/slideLayout18.xml><?xml version="1.0" encoding="utf-8"?>
+<p:sldLayout xmlns:a="http://schemas.openxmlformats.org/drawingml/2006/main" xmlns:r="http://schemas.openxmlformats.org/officeDocument/2006/relationships" xmlns:p="http://schemas.openxmlformats.org/presentationml/2006/main" userDrawn="1">
+  <p:cSld name="Content - Triple Column">
+    <p:spTree>
+      <p:nvGrpSpPr>
+        <p:cNvPr id="1" name=""/>
+        <p:cNvGrpSpPr/>
+        <p:nvPr/>
+      </p:nvGrpSpPr>
+      <p:grpSpPr>
+        <a:xfrm>
+          <a:off x="0" y="0"/>
+          <a:ext cx="0" cy="0"/>
+          <a:chOff x="0" y="0"/>
+          <a:chExt cx="0" cy="0"/>
+        </a:xfrm>
+      </p:grpSpPr>
+      <p:sp>
+        <p:nvSpPr>
+          <p:cNvPr id="2" name="Title 1">
+            <a:extLst>
+              <a:ext uri="{FF2B5EF4-FFF2-40B4-BE49-F238E27FC236}">
+                <a16:creationId xmlns:a16="http://schemas.microsoft.com/office/drawing/2014/main" id="{FCE29D84-1874-0443-88E6-E38867CBD286}"/>
+              </a:ext>
+            </a:extLst>
+          </p:cNvPr>
+          <p:cNvSpPr>
+            <a:spLocks noGrp="1"/>
+          </p:cNvSpPr>
+          <p:nvPr>
+            <p:ph type="title"/>
+          </p:nvPr>
+        </p:nvSpPr>
+        <p:spPr/>
+        <p:txBody>
+          <a:bodyPr/>
+          <a:lstStyle/>
+          <a:p>
+            <a:r>
+              <a:rPr lang="en-US"/>
+              <a:t>Click to edit Master title style</a:t>
+            </a:r>
+          </a:p>
+        </p:txBody>
+      </p:sp>
+      <p:sp>
+        <p:nvSpPr>
+          <p:cNvPr id="3" name="Content Placeholder 2">
+            <a:extLst>
+              <a:ext uri="{FF2B5EF4-FFF2-40B4-BE49-F238E27FC236}">
+                <a16:creationId xmlns:a16="http://schemas.microsoft.com/office/drawing/2014/main" id="{AA1B0F32-91D5-FA4F-B634-F15D1C3D9546}"/>
+              </a:ext>
+            </a:extLst>
+          </p:cNvPr>
+          <p:cNvSpPr>
+            <a:spLocks noGrp="1"/>
+          </p:cNvSpPr>
+          <p:nvPr>
+            <p:ph sz="half" idx="1"/>
+          </p:nvPr>
+        </p:nvSpPr>
+        <p:spPr>
+          <a:xfrm>
+            <a:off x="457200" y="2142642"/>
+            <a:ext cx="3200400" cy="3761754"/>
+          </a:xfrm>
+        </p:spPr>
+        <p:txBody>
+          <a:bodyPr/>
+          <a:lstStyle>
+            <a:lvl1pPr marL="0" indent="0">
+              <a:buNone/>
+              <a:defRPr/>
+            </a:lvl1pPr>
+            <a:lvl2pPr marL="457200" indent="0">
+              <a:buNone/>
+              <a:defRPr/>
+            </a:lvl2pPr>
+            <a:lvl3pPr marL="914400" indent="0">
+              <a:buNone/>
+              <a:defRPr/>
+            </a:lvl3pPr>
+            <a:lvl4pPr marL="1371600" indent="0">
+              <a:buNone/>
+              <a:defRPr/>
+            </a:lvl4pPr>
+            <a:lvl5pPr marL="1828800" indent="0">
+              <a:buNone/>
+              <a:defRPr/>
+            </a:lvl5pPr>
+          </a:lstStyle>
+          <a:p>
+            <a:pPr lvl="0"/>
+            <a:r>
+              <a:rPr lang="en-US"/>
+              <a:t>Click to edit Master text styles</a:t>
+            </a:r>
+          </a:p>
+          <a:p>
+            <a:pPr lvl="1"/>
+            <a:r>
+              <a:rPr lang="en-US"/>
+              <a:t>Second level</a:t>
+            </a:r>
+          </a:p>
+          <a:p>
+            <a:pPr lvl="2"/>
+            <a:r>
+              <a:rPr lang="en-US"/>
+              <a:t>Third level</a:t>
+            </a:r>
+          </a:p>
+          <a:p>
+            <a:pPr lvl="3"/>
+            <a:r>
+              <a:rPr lang="en-US"/>
+              <a:t>Fourth level</a:t>
+            </a:r>
+          </a:p>
+          <a:p>
+            <a:pPr lvl="4"/>
+            <a:r>
+              <a:rPr lang="en-US"/>
+              <a:t>Fifth level</a:t>
+            </a:r>
+          </a:p>
+        </p:txBody>
+      </p:sp>
+      <p:sp>
+        <p:nvSpPr>
+          <p:cNvPr id="12" name="Content Placeholder 2">
+            <a:extLst>
+              <a:ext uri="{FF2B5EF4-FFF2-40B4-BE49-F238E27FC236}">
+                <a16:creationId xmlns:a16="http://schemas.microsoft.com/office/drawing/2014/main" id="{68C49CB2-E66C-694E-A6B7-C8FB71D4E452}"/>
+              </a:ext>
+            </a:extLst>
+          </p:cNvPr>
+          <p:cNvSpPr>
+            <a:spLocks noGrp="1"/>
+          </p:cNvSpPr>
+          <p:nvPr>
+            <p:ph sz="half" idx="11"/>
+          </p:nvPr>
+        </p:nvSpPr>
+        <p:spPr>
+          <a:xfrm>
+            <a:off x="4495800" y="2142642"/>
+            <a:ext cx="3200400" cy="3761754"/>
+          </a:xfrm>
+        </p:spPr>
+        <p:txBody>
+          <a:bodyPr/>
+          <a:lstStyle>
+            <a:lvl1pPr marL="0" indent="0">
+              <a:buNone/>
+              <a:defRPr/>
+            </a:lvl1pPr>
+            <a:lvl2pPr marL="457200" indent="0">
+              <a:buNone/>
+              <a:defRPr/>
+            </a:lvl2pPr>
+            <a:lvl3pPr marL="914400" indent="0">
+              <a:buNone/>
+              <a:defRPr/>
+            </a:lvl3pPr>
+            <a:lvl4pPr marL="1371600" indent="0">
+              <a:buNone/>
+              <a:defRPr/>
+            </a:lvl4pPr>
+            <a:lvl5pPr marL="1828800" indent="0">
+              <a:buNone/>
+              <a:defRPr/>
+            </a:lvl5pPr>
+          </a:lstStyle>
+          <a:p>
+            <a:pPr lvl="0"/>
+            <a:r>
+              <a:rPr lang="en-US"/>
+              <a:t>Click to edit Master text styles</a:t>
+            </a:r>
+          </a:p>
+          <a:p>
+            <a:pPr lvl="1"/>
+            <a:r>
+              <a:rPr lang="en-US"/>
+              <a:t>Second level</a:t>
+            </a:r>
+          </a:p>
+          <a:p>
+            <a:pPr lvl="2"/>
+            <a:r>
+              <a:rPr lang="en-US"/>
+              <a:t>Third level</a:t>
+            </a:r>
+          </a:p>
+          <a:p>
+            <a:pPr lvl="3"/>
+            <a:r>
+              <a:rPr lang="en-US"/>
+              <a:t>Fourth level</a:t>
+            </a:r>
+          </a:p>
+          <a:p>
+            <a:pPr lvl="4"/>
+            <a:r>
+              <a:rPr lang="en-US"/>
+              <a:t>Fifth level</a:t>
+            </a:r>
+          </a:p>
+        </p:txBody>
+      </p:sp>
+      <p:sp>
+        <p:nvSpPr>
+          <p:cNvPr id="13" name="Content Placeholder 2">
+            <a:extLst>
+              <a:ext uri="{FF2B5EF4-FFF2-40B4-BE49-F238E27FC236}">
+                <a16:creationId xmlns:a16="http://schemas.microsoft.com/office/drawing/2014/main" id="{84840B20-C12D-4341-8583-DDED29510512}"/>
+              </a:ext>
+            </a:extLst>
+          </p:cNvPr>
+          <p:cNvSpPr>
+            <a:spLocks noGrp="1"/>
+          </p:cNvSpPr>
+          <p:nvPr>
+            <p:ph sz="half" idx="12"/>
+          </p:nvPr>
+        </p:nvSpPr>
+        <p:spPr>
+          <a:xfrm>
+            <a:off x="8534400" y="2142642"/>
+            <a:ext cx="3200400" cy="3761754"/>
+          </a:xfrm>
+        </p:spPr>
+        <p:txBody>
+          <a:bodyPr/>
+          <a:lstStyle>
+            <a:lvl1pPr marL="0" indent="0">
+              <a:buNone/>
+              <a:defRPr/>
+            </a:lvl1pPr>
+            <a:lvl2pPr marL="457200" indent="0">
+              <a:buNone/>
+              <a:defRPr/>
+            </a:lvl2pPr>
+            <a:lvl3pPr marL="914400" indent="0">
+              <a:buNone/>
+              <a:defRPr/>
+            </a:lvl3pPr>
+            <a:lvl4pPr marL="1371600" indent="0">
+              <a:buNone/>
+              <a:defRPr/>
+            </a:lvl4pPr>
+            <a:lvl5pPr marL="1828800" indent="0">
+              <a:buNone/>
+              <a:defRPr/>
+            </a:lvl5pPr>
+          </a:lstStyle>
+          <a:p>
+            <a:pPr lvl="0"/>
+            <a:r>
+              <a:rPr lang="en-US"/>
+              <a:t>Click to edit Master text styles</a:t>
+            </a:r>
+          </a:p>
+          <a:p>
+            <a:pPr lvl="1"/>
+            <a:r>
+              <a:rPr lang="en-US"/>
+              <a:t>Second level</a:t>
+            </a:r>
+          </a:p>
+          <a:p>
+            <a:pPr lvl="2"/>
+            <a:r>
+              <a:rPr lang="en-US"/>
+              <a:t>Third level</a:t>
+            </a:r>
+          </a:p>
+          <a:p>
+            <a:pPr lvl="3"/>
+            <a:r>
+              <a:rPr lang="en-US"/>
+              <a:t>Fourth level</a:t>
+            </a:r>
+          </a:p>
+          <a:p>
+            <a:pPr lvl="4"/>
+            <a:r>
+              <a:rPr lang="en-US"/>
+              <a:t>Fifth level</a:t>
+            </a:r>
+          </a:p>
+        </p:txBody>
+      </p:sp>
+      <p:sp>
+        <p:nvSpPr>
+          <p:cNvPr id="10" name="Date Placeholder 9">
+            <a:extLst>
+              <a:ext uri="{FF2B5EF4-FFF2-40B4-BE49-F238E27FC236}">
+                <a16:creationId xmlns:a16="http://schemas.microsoft.com/office/drawing/2014/main" id="{30188C83-FADC-1A48-9D96-8C3E7D11257E}"/>
+              </a:ext>
+              <a:ext uri="{C183D7F6-B498-43B3-948B-1728B52AA6E4}">
+                <adec:decorative xmlns:adec="http://schemas.microsoft.com/office/drawing/2017/decorative" val="1"/>
+              </a:ext>
+            </a:extLst>
+          </p:cNvPr>
+          <p:cNvSpPr>
+            <a:spLocks noGrp="1"/>
+          </p:cNvSpPr>
+          <p:nvPr>
+            <p:ph type="dt" sz="half" idx="13"/>
+          </p:nvPr>
+        </p:nvSpPr>
+        <p:spPr/>
+        <p:txBody>
+          <a:bodyPr/>
+          <a:lstStyle/>
+          <a:p>
+            <a:endParaRPr lang="en-US" dirty="0"/>
+          </a:p>
+        </p:txBody>
+      </p:sp>
+    </p:spTree>
+    <p:extLst>
+      <p:ext uri="{BB962C8B-B14F-4D97-AF65-F5344CB8AC3E}">
+        <p14:creationId xmlns:p14="http://schemas.microsoft.com/office/powerpoint/2010/main" val="880907070"/>
+      </p:ext>
+    </p:extLst>
+  </p:cSld>
+  <p:clrMapOvr>
+    <a:masterClrMapping/>
+  </p:clrMapOvr>
+</p:sldLayout>
+</file>
+
+<file path=ppt/slideLayouts/slideLayout19.xml><?xml version="1.0" encoding="utf-8"?>
 <p:sldLayout xmlns:a="http://schemas.openxmlformats.org/drawingml/2006/main" xmlns:r="http://schemas.openxmlformats.org/officeDocument/2006/relationships" xmlns:p="http://schemas.openxmlformats.org/presentationml/2006/main" type="title" preserve="1">
   <p:cSld name="Title Slide">
     <p:spTree>
@@ -6557,7 +7275,7 @@
           <a:p>
             <a:fld id="{0A627400-D089-7447-864B-77479EBD4214}" type="datetimeFigureOut">
               <a:rPr lang="en-US" smtClean="0"/>
-              <a:t>4/2/2022</a:t>
+              <a:t>4/17/2022</a:t>
             </a:fld>
             <a:endParaRPr lang="en-US"/>
           </a:p>
@@ -6630,7 +7348,207 @@
 </p:sldLayout>
 </file>
 
-<file path=ppt/slideLayouts/slideLayout17.xml><?xml version="1.0" encoding="utf-8"?>
+<file path=ppt/slideLayouts/slideLayout2.xml><?xml version="1.0" encoding="utf-8"?>
+<p:sldLayout xmlns:a="http://schemas.openxmlformats.org/drawingml/2006/main" xmlns:r="http://schemas.openxmlformats.org/officeDocument/2006/relationships" xmlns:p="http://schemas.openxmlformats.org/presentationml/2006/main" preserve="1" userDrawn="1">
+  <p:cSld name="Title slide - 2">
+    <p:spTree>
+      <p:nvGrpSpPr>
+        <p:cNvPr id="1" name=""/>
+        <p:cNvGrpSpPr/>
+        <p:nvPr/>
+      </p:nvGrpSpPr>
+      <p:grpSpPr>
+        <a:xfrm>
+          <a:off x="0" y="0"/>
+          <a:ext cx="0" cy="0"/>
+          <a:chOff x="0" y="0"/>
+          <a:chExt cx="0" cy="0"/>
+        </a:xfrm>
+      </p:grpSpPr>
+      <p:sp>
+        <p:nvSpPr>
+          <p:cNvPr id="5" name="Text Placeholder 4"/>
+          <p:cNvSpPr>
+            <a:spLocks noGrp="1"/>
+          </p:cNvSpPr>
+          <p:nvPr>
+            <p:ph type="body" sz="quarter" idx="12" hasCustomPrompt="1"/>
+          </p:nvPr>
+        </p:nvSpPr>
+        <p:spPr>
+          <a:xfrm>
+            <a:off x="271104" y="5670380"/>
+            <a:ext cx="8962384" cy="884990"/>
+          </a:xfrm>
+          <a:noFill/>
+        </p:spPr>
+        <p:txBody>
+          <a:bodyPr lIns="146304" tIns="109728" rIns="146304" bIns="109728" anchor="b">
+            <a:noAutofit/>
+          </a:bodyPr>
+          <a:lstStyle>
+            <a:lvl1pPr marL="0" indent="0">
+              <a:spcBef>
+                <a:spcPts val="0"/>
+              </a:spcBef>
+              <a:buNone/>
+              <a:defRPr sz="1961" spc="0" baseline="0">
+                <a:gradFill>
+                  <a:gsLst>
+                    <a:gs pos="0">
+                      <a:schemeClr val="tx1"/>
+                    </a:gs>
+                    <a:gs pos="100000">
+                      <a:schemeClr val="tx1"/>
+                    </a:gs>
+                  </a:gsLst>
+                  <a:lin ang="5400000" scaled="0"/>
+                </a:gradFill>
+                <a:latin typeface="+mn-lt"/>
+              </a:defRPr>
+            </a:lvl1pPr>
+          </a:lstStyle>
+          <a:p>
+            <a:pPr lvl="0"/>
+            <a:r>
+              <a:rPr lang="en-US" dirty="0"/>
+              <a:t>Speaker Name</a:t>
+            </a:r>
+          </a:p>
+        </p:txBody>
+      </p:sp>
+      <p:sp>
+        <p:nvSpPr>
+          <p:cNvPr id="9" name="Title 1"/>
+          <p:cNvSpPr>
+            <a:spLocks noGrp="1"/>
+          </p:cNvSpPr>
+          <p:nvPr>
+            <p:ph type="title" hasCustomPrompt="1"/>
+          </p:nvPr>
+        </p:nvSpPr>
+        <p:spPr>
+          <a:xfrm>
+            <a:off x="269302" y="2075840"/>
+            <a:ext cx="11653459" cy="1801436"/>
+          </a:xfrm>
+          <a:noFill/>
+        </p:spPr>
+        <p:txBody>
+          <a:bodyPr lIns="146304" tIns="91440" rIns="146304" bIns="91440" anchor="t" anchorCtr="0"/>
+          <a:lstStyle>
+            <a:lvl1pPr>
+              <a:defRPr sz="5294" spc="-98" baseline="0">
+                <a:gradFill>
+                  <a:gsLst>
+                    <a:gs pos="3333">
+                      <a:schemeClr val="tx1"/>
+                    </a:gs>
+                    <a:gs pos="39000">
+                      <a:schemeClr val="tx1"/>
+                    </a:gs>
+                  </a:gsLst>
+                  <a:lin ang="5400000" scaled="0"/>
+                </a:gradFill>
+              </a:defRPr>
+            </a:lvl1pPr>
+          </a:lstStyle>
+          <a:p>
+            <a:r>
+              <a:rPr lang="en-US" dirty="0"/>
+              <a:t>Presentation title</a:t>
+            </a:r>
+          </a:p>
+        </p:txBody>
+      </p:sp>
+      <p:sp>
+        <p:nvSpPr>
+          <p:cNvPr id="6" name="Text Placeholder 2"/>
+          <p:cNvSpPr>
+            <a:spLocks noGrp="1"/>
+          </p:cNvSpPr>
+          <p:nvPr>
+            <p:ph type="body" sz="quarter" idx="13" hasCustomPrompt="1"/>
+          </p:nvPr>
+        </p:nvSpPr>
+        <p:spPr>
+          <a:xfrm>
+            <a:off x="269303" y="301617"/>
+            <a:ext cx="3584143" cy="567015"/>
+          </a:xfrm>
+        </p:spPr>
+        <p:txBody>
+          <a:bodyPr lIns="182880" tIns="146304" rIns="182880" bIns="146304"/>
+          <a:lstStyle>
+            <a:lvl1pPr marL="0" indent="0">
+              <a:buNone/>
+              <a:defRPr sz="1961">
+                <a:latin typeface="+mn-lt"/>
+              </a:defRPr>
+            </a:lvl1pPr>
+            <a:lvl2pPr marL="336145" indent="0">
+              <a:buNone/>
+              <a:defRPr sz="1961"/>
+            </a:lvl2pPr>
+            <a:lvl3pPr marL="560241" indent="0">
+              <a:buNone/>
+              <a:defRPr sz="1961"/>
+            </a:lvl3pPr>
+            <a:lvl4pPr marL="784338" indent="0">
+              <a:buNone/>
+              <a:defRPr sz="1961"/>
+            </a:lvl4pPr>
+            <a:lvl5pPr marL="1008435" indent="0">
+              <a:buNone/>
+              <a:defRPr sz="1961"/>
+            </a:lvl5pPr>
+          </a:lstStyle>
+          <a:p>
+            <a:pPr lvl="0"/>
+            <a:r>
+              <a:rPr lang="en-US" dirty="0"/>
+              <a:t>Session Code Here</a:t>
+            </a:r>
+          </a:p>
+        </p:txBody>
+      </p:sp>
+    </p:spTree>
+    <p:extLst>
+      <p:ext uri="{BB962C8B-B14F-4D97-AF65-F5344CB8AC3E}">
+        <p14:creationId xmlns:p14="http://schemas.microsoft.com/office/powerpoint/2010/main" val="112805732"/>
+      </p:ext>
+    </p:extLst>
+  </p:cSld>
+  <p:clrMapOvr>
+    <a:masterClrMapping/>
+  </p:clrMapOvr>
+  <mc:AlternateContent xmlns:mc="http://schemas.openxmlformats.org/markup-compatibility/2006" xmlns:p14="http://schemas.microsoft.com/office/powerpoint/2010/main">
+    <mc:Choice Requires="p14">
+      <p:transition spd="slow" p14:dur="3400">
+        <p14:reveal/>
+      </p:transition>
+    </mc:Choice>
+    <mc:Fallback xmlns="">
+      <p:transition spd="slow">
+        <p:fade/>
+      </p:transition>
+    </mc:Fallback>
+  </mc:AlternateContent>
+  <p:extLst>
+    <p:ext uri="{DCECCB84-F9BA-43D5-87BE-67443E8EF086}">
+      <p15:sldGuideLst xmlns:p15="http://schemas.microsoft.com/office/powerpoint/2012/main">
+        <p15:guide id="1" orient="horz" pos="4406">
+          <p15:clr>
+            <a:srgbClr val="C35EA4"/>
+          </p15:clr>
+        </p15:guide>
+      </p15:sldGuideLst>
+    </p:ext>
+  </p:extLst>
+</p:sldLayout>
+</file>
+
+<file path=ppt/slideLayouts/slideLayout20.xml><?xml version="1.0" encoding="utf-8"?>
 <p:sldLayout xmlns:a="http://schemas.openxmlformats.org/drawingml/2006/main" xmlns:r="http://schemas.openxmlformats.org/officeDocument/2006/relationships" xmlns:p="http://schemas.openxmlformats.org/presentationml/2006/main" type="obj" preserve="1">
   <p:cSld name="Title and Content">
     <p:spTree>
@@ -6755,7 +7673,7 @@
           <a:p>
             <a:fld id="{0A627400-D089-7447-864B-77479EBD4214}" type="datetimeFigureOut">
               <a:rPr lang="en-US" smtClean="0"/>
-              <a:t>4/2/2022</a:t>
+              <a:t>4/17/2022</a:t>
             </a:fld>
             <a:endParaRPr lang="en-US"/>
           </a:p>
@@ -6828,7 +7746,7 @@
 </p:sldLayout>
 </file>
 
-<file path=ppt/slideLayouts/slideLayout18.xml><?xml version="1.0" encoding="utf-8"?>
+<file path=ppt/slideLayouts/slideLayout21.xml><?xml version="1.0" encoding="utf-8"?>
 <p:sldLayout xmlns:a="http://schemas.openxmlformats.org/drawingml/2006/main" xmlns:r="http://schemas.openxmlformats.org/officeDocument/2006/relationships" xmlns:p="http://schemas.openxmlformats.org/presentationml/2006/main" type="secHead" preserve="1">
   <p:cSld name="Section Header">
     <p:spTree>
@@ -7030,7 +7948,7 @@
           <a:p>
             <a:fld id="{0A627400-D089-7447-864B-77479EBD4214}" type="datetimeFigureOut">
               <a:rPr lang="en-US" smtClean="0"/>
-              <a:t>4/2/2022</a:t>
+              <a:t>4/17/2022</a:t>
             </a:fld>
             <a:endParaRPr lang="en-US"/>
           </a:p>
@@ -7103,7 +8021,7 @@
 </p:sldLayout>
 </file>
 
-<file path=ppt/slideLayouts/slideLayout19.xml><?xml version="1.0" encoding="utf-8"?>
+<file path=ppt/slideLayouts/slideLayout22.xml><?xml version="1.0" encoding="utf-8"?>
 <p:sldLayout xmlns:a="http://schemas.openxmlformats.org/drawingml/2006/main" xmlns:r="http://schemas.openxmlformats.org/officeDocument/2006/relationships" xmlns:p="http://schemas.openxmlformats.org/presentationml/2006/main" type="twoObj" preserve="1">
   <p:cSld name="Two Content">
     <p:spTree>
@@ -7295,7 +8213,7 @@
           <a:p>
             <a:fld id="{0A627400-D089-7447-864B-77479EBD4214}" type="datetimeFigureOut">
               <a:rPr lang="en-US" smtClean="0"/>
-              <a:t>4/2/2022</a:t>
+              <a:t>4/17/2022</a:t>
             </a:fld>
             <a:endParaRPr lang="en-US"/>
           </a:p>
@@ -7368,207 +8286,7 @@
 </p:sldLayout>
 </file>
 
-<file path=ppt/slideLayouts/slideLayout2.xml><?xml version="1.0" encoding="utf-8"?>
-<p:sldLayout xmlns:a="http://schemas.openxmlformats.org/drawingml/2006/main" xmlns:r="http://schemas.openxmlformats.org/officeDocument/2006/relationships" xmlns:p="http://schemas.openxmlformats.org/presentationml/2006/main" preserve="1" userDrawn="1">
-  <p:cSld name="Title slide - 2">
-    <p:spTree>
-      <p:nvGrpSpPr>
-        <p:cNvPr id="1" name=""/>
-        <p:cNvGrpSpPr/>
-        <p:nvPr/>
-      </p:nvGrpSpPr>
-      <p:grpSpPr>
-        <a:xfrm>
-          <a:off x="0" y="0"/>
-          <a:ext cx="0" cy="0"/>
-          <a:chOff x="0" y="0"/>
-          <a:chExt cx="0" cy="0"/>
-        </a:xfrm>
-      </p:grpSpPr>
-      <p:sp>
-        <p:nvSpPr>
-          <p:cNvPr id="5" name="Text Placeholder 4"/>
-          <p:cNvSpPr>
-            <a:spLocks noGrp="1"/>
-          </p:cNvSpPr>
-          <p:nvPr>
-            <p:ph type="body" sz="quarter" idx="12" hasCustomPrompt="1"/>
-          </p:nvPr>
-        </p:nvSpPr>
-        <p:spPr>
-          <a:xfrm>
-            <a:off x="271104" y="5670380"/>
-            <a:ext cx="8962384" cy="884990"/>
-          </a:xfrm>
-          <a:noFill/>
-        </p:spPr>
-        <p:txBody>
-          <a:bodyPr lIns="146304" tIns="109728" rIns="146304" bIns="109728" anchor="b">
-            <a:noAutofit/>
-          </a:bodyPr>
-          <a:lstStyle>
-            <a:lvl1pPr marL="0" indent="0">
-              <a:spcBef>
-                <a:spcPts val="0"/>
-              </a:spcBef>
-              <a:buNone/>
-              <a:defRPr sz="1961" spc="0" baseline="0">
-                <a:gradFill>
-                  <a:gsLst>
-                    <a:gs pos="0">
-                      <a:schemeClr val="tx1"/>
-                    </a:gs>
-                    <a:gs pos="100000">
-                      <a:schemeClr val="tx1"/>
-                    </a:gs>
-                  </a:gsLst>
-                  <a:lin ang="5400000" scaled="0"/>
-                </a:gradFill>
-                <a:latin typeface="+mn-lt"/>
-              </a:defRPr>
-            </a:lvl1pPr>
-          </a:lstStyle>
-          <a:p>
-            <a:pPr lvl="0"/>
-            <a:r>
-              <a:rPr lang="en-US" dirty="0"/>
-              <a:t>Speaker Name</a:t>
-            </a:r>
-          </a:p>
-        </p:txBody>
-      </p:sp>
-      <p:sp>
-        <p:nvSpPr>
-          <p:cNvPr id="9" name="Title 1"/>
-          <p:cNvSpPr>
-            <a:spLocks noGrp="1"/>
-          </p:cNvSpPr>
-          <p:nvPr>
-            <p:ph type="title" hasCustomPrompt="1"/>
-          </p:nvPr>
-        </p:nvSpPr>
-        <p:spPr>
-          <a:xfrm>
-            <a:off x="269302" y="2075840"/>
-            <a:ext cx="11653459" cy="1801436"/>
-          </a:xfrm>
-          <a:noFill/>
-        </p:spPr>
-        <p:txBody>
-          <a:bodyPr lIns="146304" tIns="91440" rIns="146304" bIns="91440" anchor="t" anchorCtr="0"/>
-          <a:lstStyle>
-            <a:lvl1pPr>
-              <a:defRPr sz="5294" spc="-98" baseline="0">
-                <a:gradFill>
-                  <a:gsLst>
-                    <a:gs pos="3333">
-                      <a:schemeClr val="tx1"/>
-                    </a:gs>
-                    <a:gs pos="39000">
-                      <a:schemeClr val="tx1"/>
-                    </a:gs>
-                  </a:gsLst>
-                  <a:lin ang="5400000" scaled="0"/>
-                </a:gradFill>
-              </a:defRPr>
-            </a:lvl1pPr>
-          </a:lstStyle>
-          <a:p>
-            <a:r>
-              <a:rPr lang="en-US" dirty="0"/>
-              <a:t>Presentation title</a:t>
-            </a:r>
-          </a:p>
-        </p:txBody>
-      </p:sp>
-      <p:sp>
-        <p:nvSpPr>
-          <p:cNvPr id="6" name="Text Placeholder 2"/>
-          <p:cNvSpPr>
-            <a:spLocks noGrp="1"/>
-          </p:cNvSpPr>
-          <p:nvPr>
-            <p:ph type="body" sz="quarter" idx="13" hasCustomPrompt="1"/>
-          </p:nvPr>
-        </p:nvSpPr>
-        <p:spPr>
-          <a:xfrm>
-            <a:off x="269303" y="301617"/>
-            <a:ext cx="3584143" cy="567015"/>
-          </a:xfrm>
-        </p:spPr>
-        <p:txBody>
-          <a:bodyPr lIns="182880" tIns="146304" rIns="182880" bIns="146304"/>
-          <a:lstStyle>
-            <a:lvl1pPr marL="0" indent="0">
-              <a:buNone/>
-              <a:defRPr sz="1961">
-                <a:latin typeface="+mn-lt"/>
-              </a:defRPr>
-            </a:lvl1pPr>
-            <a:lvl2pPr marL="336145" indent="0">
-              <a:buNone/>
-              <a:defRPr sz="1961"/>
-            </a:lvl2pPr>
-            <a:lvl3pPr marL="560241" indent="0">
-              <a:buNone/>
-              <a:defRPr sz="1961"/>
-            </a:lvl3pPr>
-            <a:lvl4pPr marL="784338" indent="0">
-              <a:buNone/>
-              <a:defRPr sz="1961"/>
-            </a:lvl4pPr>
-            <a:lvl5pPr marL="1008435" indent="0">
-              <a:buNone/>
-              <a:defRPr sz="1961"/>
-            </a:lvl5pPr>
-          </a:lstStyle>
-          <a:p>
-            <a:pPr lvl="0"/>
-            <a:r>
-              <a:rPr lang="en-US" dirty="0"/>
-              <a:t>Session Code Here</a:t>
-            </a:r>
-          </a:p>
-        </p:txBody>
-      </p:sp>
-    </p:spTree>
-    <p:extLst>
-      <p:ext uri="{BB962C8B-B14F-4D97-AF65-F5344CB8AC3E}">
-        <p14:creationId xmlns:p14="http://schemas.microsoft.com/office/powerpoint/2010/main" val="112805732"/>
-      </p:ext>
-    </p:extLst>
-  </p:cSld>
-  <p:clrMapOvr>
-    <a:masterClrMapping/>
-  </p:clrMapOvr>
-  <mc:AlternateContent xmlns:mc="http://schemas.openxmlformats.org/markup-compatibility/2006" xmlns:p14="http://schemas.microsoft.com/office/powerpoint/2010/main">
-    <mc:Choice Requires="p14">
-      <p:transition spd="slow" p14:dur="3400">
-        <p14:reveal/>
-      </p:transition>
-    </mc:Choice>
-    <mc:Fallback xmlns="">
-      <p:transition spd="slow">
-        <p:fade/>
-      </p:transition>
-    </mc:Fallback>
-  </mc:AlternateContent>
-  <p:extLst>
-    <p:ext uri="{DCECCB84-F9BA-43D5-87BE-67443E8EF086}">
-      <p15:sldGuideLst xmlns:p15="http://schemas.microsoft.com/office/powerpoint/2012/main">
-        <p15:guide id="1" orient="horz" pos="4406">
-          <p15:clr>
-            <a:srgbClr val="C35EA4"/>
-          </p15:clr>
-        </p15:guide>
-      </p15:sldGuideLst>
-    </p:ext>
-  </p:extLst>
-</p:sldLayout>
-</file>
-
-<file path=ppt/slideLayouts/slideLayout20.xml><?xml version="1.0" encoding="utf-8"?>
+<file path=ppt/slideLayouts/slideLayout23.xml><?xml version="1.0" encoding="utf-8"?>
 <p:sldLayout xmlns:a="http://schemas.openxmlformats.org/drawingml/2006/main" xmlns:r="http://schemas.openxmlformats.org/officeDocument/2006/relationships" xmlns:p="http://schemas.openxmlformats.org/presentationml/2006/main" type="twoTxTwoObj" preserve="1">
   <p:cSld name="Comparison">
     <p:spTree>
@@ -7907,7 +8625,7 @@
           <a:p>
             <a:fld id="{0A627400-D089-7447-864B-77479EBD4214}" type="datetimeFigureOut">
               <a:rPr lang="en-US" smtClean="0"/>
-              <a:t>4/2/2022</a:t>
+              <a:t>4/17/2022</a:t>
             </a:fld>
             <a:endParaRPr lang="en-US"/>
           </a:p>
@@ -7980,7 +8698,7 @@
 </p:sldLayout>
 </file>
 
-<file path=ppt/slideLayouts/slideLayout21.xml><?xml version="1.0" encoding="utf-8"?>
+<file path=ppt/slideLayouts/slideLayout24.xml><?xml version="1.0" encoding="utf-8"?>
 <p:sldLayout xmlns:a="http://schemas.openxmlformats.org/drawingml/2006/main" xmlns:r="http://schemas.openxmlformats.org/officeDocument/2006/relationships" xmlns:p="http://schemas.openxmlformats.org/presentationml/2006/main" type="obj" preserve="1">
   <p:cSld name="Code Sample">
     <p:spTree>
@@ -8113,7 +8831,7 @@
           <a:p>
             <a:fld id="{0A627400-D089-7447-864B-77479EBD4214}" type="datetimeFigureOut">
               <a:rPr lang="en-US" smtClean="0"/>
-              <a:t>4/2/2022</a:t>
+              <a:t>4/17/2022</a:t>
             </a:fld>
             <a:endParaRPr lang="en-US"/>
           </a:p>
@@ -8186,7 +8904,7 @@
 </p:sldLayout>
 </file>
 
-<file path=ppt/slideLayouts/slideLayout22.xml><?xml version="1.0" encoding="utf-8"?>
+<file path=ppt/slideLayouts/slideLayout25.xml><?xml version="1.0" encoding="utf-8"?>
 <p:sldLayout xmlns:a="http://schemas.openxmlformats.org/drawingml/2006/main" xmlns:r="http://schemas.openxmlformats.org/officeDocument/2006/relationships" xmlns:p="http://schemas.openxmlformats.org/presentationml/2006/main" preserve="1" userDrawn="1">
   <p:cSld name="Progress">
     <p:spTree>
@@ -8255,7 +8973,7 @@
             <a:fld id="{0A627400-D089-7447-864B-77479EBD4214}" type="datetimeFigureOut">
               <a:rPr lang="en-US" smtClean="0"/>
               <a:pPr/>
-              <a:t>4/2/2022</a:t>
+              <a:t>4/17/2022</a:t>
             </a:fld>
             <a:endParaRPr lang="en-US"/>
           </a:p>
@@ -8351,7 +9069,7 @@
 </p:sldLayout>
 </file>
 
-<file path=ppt/slideLayouts/slideLayout23.xml><?xml version="1.0" encoding="utf-8"?>
+<file path=ppt/slideLayouts/slideLayout26.xml><?xml version="1.0" encoding="utf-8"?>
 <p:sldLayout xmlns:a="http://schemas.openxmlformats.org/drawingml/2006/main" xmlns:r="http://schemas.openxmlformats.org/officeDocument/2006/relationships" xmlns:p="http://schemas.openxmlformats.org/presentationml/2006/main" type="titleOnly" preserve="1">
   <p:cSld name="Title Only">
     <p:spTree>
@@ -8419,7 +9137,7 @@
           <a:p>
             <a:fld id="{0A627400-D089-7447-864B-77479EBD4214}" type="datetimeFigureOut">
               <a:rPr lang="en-US" smtClean="0"/>
-              <a:t>4/2/2022</a:t>
+              <a:t>4/17/2022</a:t>
             </a:fld>
             <a:endParaRPr lang="en-US"/>
           </a:p>
@@ -8492,7 +9210,7 @@
 </p:sldLayout>
 </file>
 
-<file path=ppt/slideLayouts/slideLayout24.xml><?xml version="1.0" encoding="utf-8"?>
+<file path=ppt/slideLayouts/slideLayout27.xml><?xml version="1.0" encoding="utf-8"?>
 <p:sldLayout xmlns:a="http://schemas.openxmlformats.org/drawingml/2006/main" xmlns:r="http://schemas.openxmlformats.org/officeDocument/2006/relationships" xmlns:p="http://schemas.openxmlformats.org/presentationml/2006/main" type="blank" preserve="1">
   <p:cSld name="Blank">
     <p:spTree>
@@ -8532,7 +9250,7 @@
           <a:p>
             <a:fld id="{0A627400-D089-7447-864B-77479EBD4214}" type="datetimeFigureOut">
               <a:rPr lang="en-US" smtClean="0"/>
-              <a:t>4/2/2022</a:t>
+              <a:t>4/17/2022</a:t>
             </a:fld>
             <a:endParaRPr lang="en-US"/>
           </a:p>
@@ -8605,7 +9323,7 @@
 </p:sldLayout>
 </file>
 
-<file path=ppt/slideLayouts/slideLayout25.xml><?xml version="1.0" encoding="utf-8"?>
+<file path=ppt/slideLayouts/slideLayout28.xml><?xml version="1.0" encoding="utf-8"?>
 <p:sldLayout xmlns:a="http://schemas.openxmlformats.org/drawingml/2006/main" xmlns:r="http://schemas.openxmlformats.org/officeDocument/2006/relationships" xmlns:p="http://schemas.openxmlformats.org/presentationml/2006/main" type="objTx" preserve="1">
   <p:cSld name="Content with Caption">
     <p:spTree>
@@ -8843,7 +9561,7 @@
           <a:p>
             <a:fld id="{0A627400-D089-7447-864B-77479EBD4214}" type="datetimeFigureOut">
               <a:rPr lang="en-US" smtClean="0"/>
-              <a:t>4/2/2022</a:t>
+              <a:t>4/17/2022</a:t>
             </a:fld>
             <a:endParaRPr lang="en-US"/>
           </a:p>
@@ -8916,7 +9634,7 @@
 </p:sldLayout>
 </file>
 
-<file path=ppt/slideLayouts/slideLayout26.xml><?xml version="1.0" encoding="utf-8"?>
+<file path=ppt/slideLayouts/slideLayout29.xml><?xml version="1.0" encoding="utf-8"?>
 <p:sldLayout xmlns:a="http://schemas.openxmlformats.org/drawingml/2006/main" xmlns:r="http://schemas.openxmlformats.org/officeDocument/2006/relationships" xmlns:p="http://schemas.openxmlformats.org/presentationml/2006/main" type="picTx" preserve="1">
   <p:cSld name="Picture with Caption">
     <p:spTree>
@@ -9131,7 +9849,7 @@
           <a:p>
             <a:fld id="{0A627400-D089-7447-864B-77479EBD4214}" type="datetimeFigureOut">
               <a:rPr lang="en-US" smtClean="0"/>
-              <a:t>4/2/2022</a:t>
+              <a:t>4/17/2022</a:t>
             </a:fld>
             <a:endParaRPr lang="en-US"/>
           </a:p>
@@ -9195,169 +9913,6 @@
     <p:extLst>
       <p:ext uri="{BB962C8B-B14F-4D97-AF65-F5344CB8AC3E}">
         <p14:creationId xmlns:p14="http://schemas.microsoft.com/office/powerpoint/2010/main" val="3653434912"/>
-      </p:ext>
-    </p:extLst>
-  </p:cSld>
-  <p:clrMapOvr>
-    <a:masterClrMapping/>
-  </p:clrMapOvr>
-</p:sldLayout>
-</file>
-
-<file path=ppt/slideLayouts/slideLayout27.xml><?xml version="1.0" encoding="utf-8"?>
-<p:sldLayout xmlns:a="http://schemas.openxmlformats.org/drawingml/2006/main" xmlns:r="http://schemas.openxmlformats.org/officeDocument/2006/relationships" xmlns:p="http://schemas.openxmlformats.org/presentationml/2006/main" userDrawn="1">
-  <p:cSld name="White Background">
-    <p:spTree>
-      <p:nvGrpSpPr>
-        <p:cNvPr id="1" name=""/>
-        <p:cNvGrpSpPr/>
-        <p:nvPr/>
-      </p:nvGrpSpPr>
-      <p:grpSpPr>
-        <a:xfrm>
-          <a:off x="0" y="0"/>
-          <a:ext cx="0" cy="0"/>
-          <a:chOff x="0" y="0"/>
-          <a:chExt cx="0" cy="0"/>
-        </a:xfrm>
-      </p:grpSpPr>
-      <p:sp>
-        <p:nvSpPr>
-          <p:cNvPr id="7" name="Title 2"/>
-          <p:cNvSpPr>
-            <a:spLocks noGrp="1"/>
-          </p:cNvSpPr>
-          <p:nvPr>
-            <p:ph type="title"/>
-          </p:nvPr>
-        </p:nvSpPr>
-        <p:spPr>
-          <a:xfrm>
-            <a:off x="538477" y="286382"/>
-            <a:ext cx="11653523" cy="927940"/>
-          </a:xfrm>
-          <a:prstGeom prst="rect">
-            <a:avLst/>
-          </a:prstGeom>
-        </p:spPr>
-        <p:txBody>
-          <a:bodyPr>
-            <a:normAutofit/>
-          </a:bodyPr>
-          <a:lstStyle>
-            <a:lvl1pPr algn="l">
-              <a:defRPr sz="4800" b="0">
-                <a:solidFill>
-                  <a:srgbClr val="505050"/>
-                </a:solidFill>
-                <a:latin typeface="Segoe UI Light" panose="020B0502040204020203" pitchFamily="34" charset="0"/>
-              </a:defRPr>
-            </a:lvl1pPr>
-          </a:lstStyle>
-          <a:p>
-            <a:r>
-              <a:rPr lang="en-US"/>
-              <a:t>Click to edit Master title style</a:t>
-            </a:r>
-          </a:p>
-        </p:txBody>
-      </p:sp>
-      <p:sp>
-        <p:nvSpPr>
-          <p:cNvPr id="4" name="Footer Placeholder 2"/>
-          <p:cNvSpPr>
-            <a:spLocks noGrp="1"/>
-          </p:cNvSpPr>
-          <p:nvPr>
-            <p:ph type="ftr" sz="quarter" idx="14"/>
-          </p:nvPr>
-        </p:nvSpPr>
-        <p:spPr/>
-        <p:txBody>
-          <a:bodyPr/>
-          <a:lstStyle>
-            <a:lvl1pPr fontAlgn="base">
-              <a:spcBef>
-                <a:spcPct val="0"/>
-              </a:spcBef>
-              <a:spcAft>
-                <a:spcPct val="0"/>
-              </a:spcAft>
-              <a:defRPr>
-                <a:solidFill>
-                  <a:srgbClr val="505050"/>
-                </a:solidFill>
-              </a:defRPr>
-            </a:lvl1pPr>
-          </a:lstStyle>
-          <a:p>
-            <a:pPr>
-              <a:defRPr/>
-            </a:pPr>
-            <a:endParaRPr/>
-          </a:p>
-        </p:txBody>
-      </p:sp>
-      <p:sp>
-        <p:nvSpPr>
-          <p:cNvPr id="5" name="Slide Number Placeholder 3"/>
-          <p:cNvSpPr>
-            <a:spLocks noGrp="1"/>
-          </p:cNvSpPr>
-          <p:nvPr>
-            <p:ph type="sldNum" sz="quarter" idx="15"/>
-          </p:nvPr>
-        </p:nvSpPr>
-        <p:spPr/>
-        <p:txBody>
-          <a:bodyPr/>
-          <a:lstStyle>
-            <a:lvl1pPr>
-              <a:defRPr/>
-            </a:lvl1pPr>
-          </a:lstStyle>
-          <a:p>
-            <a:endParaRPr lang="en-US"/>
-          </a:p>
-        </p:txBody>
-      </p:sp>
-    </p:spTree>
-    <p:extLst>
-      <p:ext uri="{BB962C8B-B14F-4D97-AF65-F5344CB8AC3E}">
-        <p14:creationId xmlns:p14="http://schemas.microsoft.com/office/powerpoint/2010/main" val="3515858324"/>
-      </p:ext>
-    </p:extLst>
-  </p:cSld>
-  <p:clrMapOvr>
-    <a:overrideClrMapping bg1="lt1" tx1="dk1" bg2="lt2" tx2="dk2" accent1="accent1" accent2="accent2" accent3="accent3" accent4="accent4" accent5="accent5" accent6="accent6" hlink="hlink" folHlink="folHlink"/>
-  </p:clrMapOvr>
-  <p:transition spd="med">
-    <p:fade/>
-  </p:transition>
-</p:sldLayout>
-</file>
-
-<file path=ppt/slideLayouts/slideLayout28.xml><?xml version="1.0" encoding="utf-8"?>
-<p:sldLayout xmlns:a="http://schemas.openxmlformats.org/drawingml/2006/main" xmlns:r="http://schemas.openxmlformats.org/officeDocument/2006/relationships" xmlns:p="http://schemas.openxmlformats.org/presentationml/2006/main" preserve="1" userDrawn="1">
-  <p:cSld name="Blank Layout">
-    <p:spTree>
-      <p:nvGrpSpPr>
-        <p:cNvPr id="1" name=""/>
-        <p:cNvGrpSpPr/>
-        <p:nvPr/>
-      </p:nvGrpSpPr>
-      <p:grpSpPr>
-        <a:xfrm>
-          <a:off x="0" y="0"/>
-          <a:ext cx="0" cy="0"/>
-          <a:chOff x="0" y="0"/>
-          <a:chExt cx="0" cy="0"/>
-        </a:xfrm>
-      </p:grpSpPr>
-    </p:spTree>
-    <p:extLst>
-      <p:ext uri="{BB962C8B-B14F-4D97-AF65-F5344CB8AC3E}">
-        <p14:creationId xmlns:p14="http://schemas.microsoft.com/office/powerpoint/2010/main" val="4149238527"/>
       </p:ext>
     </p:extLst>
   </p:cSld>
@@ -9488,6 +10043,169 @@
   <p:transition>
     <p:fade/>
   </p:transition>
+</p:sldLayout>
+</file>
+
+<file path=ppt/slideLayouts/slideLayout30.xml><?xml version="1.0" encoding="utf-8"?>
+<p:sldLayout xmlns:a="http://schemas.openxmlformats.org/drawingml/2006/main" xmlns:r="http://schemas.openxmlformats.org/officeDocument/2006/relationships" xmlns:p="http://schemas.openxmlformats.org/presentationml/2006/main" userDrawn="1">
+  <p:cSld name="White Background">
+    <p:spTree>
+      <p:nvGrpSpPr>
+        <p:cNvPr id="1" name=""/>
+        <p:cNvGrpSpPr/>
+        <p:nvPr/>
+      </p:nvGrpSpPr>
+      <p:grpSpPr>
+        <a:xfrm>
+          <a:off x="0" y="0"/>
+          <a:ext cx="0" cy="0"/>
+          <a:chOff x="0" y="0"/>
+          <a:chExt cx="0" cy="0"/>
+        </a:xfrm>
+      </p:grpSpPr>
+      <p:sp>
+        <p:nvSpPr>
+          <p:cNvPr id="7" name="Title 2"/>
+          <p:cNvSpPr>
+            <a:spLocks noGrp="1"/>
+          </p:cNvSpPr>
+          <p:nvPr>
+            <p:ph type="title"/>
+          </p:nvPr>
+        </p:nvSpPr>
+        <p:spPr>
+          <a:xfrm>
+            <a:off x="538477" y="286382"/>
+            <a:ext cx="11653523" cy="927940"/>
+          </a:xfrm>
+          <a:prstGeom prst="rect">
+            <a:avLst/>
+          </a:prstGeom>
+        </p:spPr>
+        <p:txBody>
+          <a:bodyPr>
+            <a:normAutofit/>
+          </a:bodyPr>
+          <a:lstStyle>
+            <a:lvl1pPr algn="l">
+              <a:defRPr sz="4800" b="0">
+                <a:solidFill>
+                  <a:srgbClr val="505050"/>
+                </a:solidFill>
+                <a:latin typeface="Segoe UI Light" panose="020B0502040204020203" pitchFamily="34" charset="0"/>
+              </a:defRPr>
+            </a:lvl1pPr>
+          </a:lstStyle>
+          <a:p>
+            <a:r>
+              <a:rPr lang="en-US"/>
+              <a:t>Click to edit Master title style</a:t>
+            </a:r>
+          </a:p>
+        </p:txBody>
+      </p:sp>
+      <p:sp>
+        <p:nvSpPr>
+          <p:cNvPr id="4" name="Footer Placeholder 2"/>
+          <p:cNvSpPr>
+            <a:spLocks noGrp="1"/>
+          </p:cNvSpPr>
+          <p:nvPr>
+            <p:ph type="ftr" sz="quarter" idx="14"/>
+          </p:nvPr>
+        </p:nvSpPr>
+        <p:spPr/>
+        <p:txBody>
+          <a:bodyPr/>
+          <a:lstStyle>
+            <a:lvl1pPr fontAlgn="base">
+              <a:spcBef>
+                <a:spcPct val="0"/>
+              </a:spcBef>
+              <a:spcAft>
+                <a:spcPct val="0"/>
+              </a:spcAft>
+              <a:defRPr>
+                <a:solidFill>
+                  <a:srgbClr val="505050"/>
+                </a:solidFill>
+              </a:defRPr>
+            </a:lvl1pPr>
+          </a:lstStyle>
+          <a:p>
+            <a:pPr>
+              <a:defRPr/>
+            </a:pPr>
+            <a:endParaRPr/>
+          </a:p>
+        </p:txBody>
+      </p:sp>
+      <p:sp>
+        <p:nvSpPr>
+          <p:cNvPr id="5" name="Slide Number Placeholder 3"/>
+          <p:cNvSpPr>
+            <a:spLocks noGrp="1"/>
+          </p:cNvSpPr>
+          <p:nvPr>
+            <p:ph type="sldNum" sz="quarter" idx="15"/>
+          </p:nvPr>
+        </p:nvSpPr>
+        <p:spPr/>
+        <p:txBody>
+          <a:bodyPr/>
+          <a:lstStyle>
+            <a:lvl1pPr>
+              <a:defRPr/>
+            </a:lvl1pPr>
+          </a:lstStyle>
+          <a:p>
+            <a:endParaRPr lang="en-US"/>
+          </a:p>
+        </p:txBody>
+      </p:sp>
+    </p:spTree>
+    <p:extLst>
+      <p:ext uri="{BB962C8B-B14F-4D97-AF65-F5344CB8AC3E}">
+        <p14:creationId xmlns:p14="http://schemas.microsoft.com/office/powerpoint/2010/main" val="3515858324"/>
+      </p:ext>
+    </p:extLst>
+  </p:cSld>
+  <p:clrMapOvr>
+    <a:overrideClrMapping bg1="lt1" tx1="dk1" bg2="lt2" tx2="dk2" accent1="accent1" accent2="accent2" accent3="accent3" accent4="accent4" accent5="accent5" accent6="accent6" hlink="hlink" folHlink="folHlink"/>
+  </p:clrMapOvr>
+  <p:transition spd="med">
+    <p:fade/>
+  </p:transition>
+</p:sldLayout>
+</file>
+
+<file path=ppt/slideLayouts/slideLayout31.xml><?xml version="1.0" encoding="utf-8"?>
+<p:sldLayout xmlns:a="http://schemas.openxmlformats.org/drawingml/2006/main" xmlns:r="http://schemas.openxmlformats.org/officeDocument/2006/relationships" xmlns:p="http://schemas.openxmlformats.org/presentationml/2006/main" preserve="1" userDrawn="1">
+  <p:cSld name="Blank Layout">
+    <p:spTree>
+      <p:nvGrpSpPr>
+        <p:cNvPr id="1" name=""/>
+        <p:cNvGrpSpPr/>
+        <p:nvPr/>
+      </p:nvGrpSpPr>
+      <p:grpSpPr>
+        <a:xfrm>
+          <a:off x="0" y="0"/>
+          <a:ext cx="0" cy="0"/>
+          <a:chOff x="0" y="0"/>
+          <a:chExt cx="0" cy="0"/>
+        </a:xfrm>
+      </p:grpSpPr>
+    </p:spTree>
+    <p:extLst>
+      <p:ext uri="{BB962C8B-B14F-4D97-AF65-F5344CB8AC3E}">
+        <p14:creationId xmlns:p14="http://schemas.microsoft.com/office/powerpoint/2010/main" val="4149238527"/>
+      </p:ext>
+    </p:extLst>
+  </p:cSld>
+  <p:clrMapOvr>
+    <a:masterClrMapping/>
+  </p:clrMapOvr>
 </p:sldLayout>
 </file>
 
@@ -10678,7 +11396,7 @@
           <p:nvPr userDrawn="1"/>
         </p:nvPicPr>
         <p:blipFill>
-          <a:blip r:embed="rId17"/>
+          <a:blip r:embed="rId20"/>
           <a:stretch>
             <a:fillRect/>
           </a:stretch>
@@ -10717,6 +11435,9 @@
     <p:sldLayoutId id="2147483676" r:id="rId13"/>
     <p:sldLayoutId id="2147483678" r:id="rId14"/>
     <p:sldLayoutId id="2147483679" r:id="rId15"/>
+    <p:sldLayoutId id="2147483810" r:id="rId16"/>
+    <p:sldLayoutId id="2147483811" r:id="rId17"/>
+    <p:sldLayoutId id="2147483812" r:id="rId18"/>
   </p:sldLayoutIdLst>
   <p:transition>
     <p:fade/>
@@ -11383,7 +12104,7 @@
             <a:fld id="{0A627400-D089-7447-864B-77479EBD4214}" type="datetimeFigureOut">
               <a:rPr lang="en-US" smtClean="0"/>
               <a:pPr/>
-              <a:t>4/2/2022</a:t>
+              <a:t>4/17/2022</a:t>
             </a:fld>
             <a:endParaRPr lang="en-US"/>
           </a:p>
@@ -12118,7 +12839,1126 @@
 </p:sld>
 </file>
 
-<file path=ppt/slides/slide2.xml><?xml version="1.0" encoding="utf-8"?>
+<file path=ppt/slides/slide10.xml><?xml version="1.0" encoding="utf-8"?>
+<p:sld xmlns:a="http://schemas.openxmlformats.org/drawingml/2006/main" xmlns:r="http://schemas.openxmlformats.org/officeDocument/2006/relationships" xmlns:p="http://schemas.openxmlformats.org/presentationml/2006/main">
+  <p:cSld>
+    <p:spTree>
+      <p:nvGrpSpPr>
+        <p:cNvPr id="1" name=""/>
+        <p:cNvGrpSpPr/>
+        <p:nvPr/>
+      </p:nvGrpSpPr>
+      <p:grpSpPr>
+        <a:xfrm>
+          <a:off x="0" y="0"/>
+          <a:ext cx="0" cy="0"/>
+          <a:chOff x="0" y="0"/>
+          <a:chExt cx="0" cy="0"/>
+        </a:xfrm>
+      </p:grpSpPr>
+      <p:sp>
+        <p:nvSpPr>
+          <p:cNvPr id="5" name="Title 1">
+            <a:extLst>
+              <a:ext uri="{FF2B5EF4-FFF2-40B4-BE49-F238E27FC236}">
+                <a16:creationId xmlns:a16="http://schemas.microsoft.com/office/drawing/2014/main" id="{01388D49-B47C-45BB-B53B-F6092580BE6E}"/>
+              </a:ext>
+            </a:extLst>
+          </p:cNvPr>
+          <p:cNvSpPr>
+            <a:spLocks noGrp="1"/>
+          </p:cNvSpPr>
+          <p:nvPr>
+            <p:ph type="title"/>
+          </p:nvPr>
+        </p:nvSpPr>
+        <p:spPr>
+          <a:xfrm>
+            <a:off x="457200" y="1123122"/>
+            <a:ext cx="7706412" cy="591378"/>
+          </a:xfrm>
+        </p:spPr>
+        <p:txBody>
+          <a:bodyPr>
+            <a:noAutofit/>
+          </a:bodyPr>
+          <a:lstStyle/>
+          <a:p>
+            <a:r>
+              <a:rPr lang="en-US" sz="3200" dirty="0">
+                <a:latin typeface="Segoe UI Semibold"/>
+                <a:cs typeface="Segoe UI Semibold"/>
+              </a:rPr>
+              <a:t>Hot Reload</a:t>
+            </a:r>
+            <a:endParaRPr lang="en-US" sz="3200" dirty="0"/>
+          </a:p>
+        </p:txBody>
+      </p:sp>
+      <p:sp>
+        <p:nvSpPr>
+          <p:cNvPr id="6" name="Content Placeholder 2">
+            <a:extLst>
+              <a:ext uri="{FF2B5EF4-FFF2-40B4-BE49-F238E27FC236}">
+                <a16:creationId xmlns:a16="http://schemas.microsoft.com/office/drawing/2014/main" id="{AC81F8B9-8203-4DB3-932F-AB15DF79780D}"/>
+              </a:ext>
+            </a:extLst>
+          </p:cNvPr>
+          <p:cNvSpPr txBox="1">
+            <a:spLocks/>
+          </p:cNvSpPr>
+          <p:nvPr/>
+        </p:nvSpPr>
+        <p:spPr>
+          <a:xfrm>
+            <a:off x="457200" y="2142642"/>
+            <a:ext cx="7706412" cy="3761754"/>
+          </a:xfrm>
+          <a:prstGeom prst="rect">
+            <a:avLst/>
+          </a:prstGeom>
+        </p:spPr>
+        <p:txBody>
+          <a:bodyPr vert="horz" lIns="91440" tIns="45720" rIns="91440" bIns="45720" rtlCol="0" anchor="t">
+            <a:normAutofit/>
+          </a:bodyPr>
+          <a:lstStyle>
+            <a:lvl1pPr marL="336145" marR="0" indent="-336145" algn="l" defTabSz="914367" rtl="0" eaLnBrk="1" fontAlgn="auto" latinLnBrk="0" hangingPunct="1">
+              <a:lnSpc>
+                <a:spcPct val="90000"/>
+              </a:lnSpc>
+              <a:spcBef>
+                <a:spcPct val="20000"/>
+              </a:spcBef>
+              <a:spcAft>
+                <a:spcPts val="0"/>
+              </a:spcAft>
+              <a:buClrTx/>
+              <a:buSzPct val="90000"/>
+              <a:buFont typeface="Arial" pitchFamily="34" charset="0"/>
+              <a:buChar char="•"/>
+              <a:tabLst/>
+              <a:defRPr sz="3921" kern="1200" spc="0" baseline="0">
+                <a:gradFill>
+                  <a:gsLst>
+                    <a:gs pos="1250">
+                      <a:schemeClr val="tx1"/>
+                    </a:gs>
+                    <a:gs pos="100000">
+                      <a:schemeClr val="tx1"/>
+                    </a:gs>
+                  </a:gsLst>
+                  <a:lin ang="5400000" scaled="0"/>
+                </a:gradFill>
+                <a:latin typeface="+mj-lt"/>
+                <a:ea typeface="+mn-ea"/>
+                <a:cs typeface="+mn-cs"/>
+              </a:defRPr>
+            </a:lvl1pPr>
+            <a:lvl2pPr marL="572691" marR="0" indent="-236546" algn="l" defTabSz="914367" rtl="0" eaLnBrk="1" fontAlgn="auto" latinLnBrk="0" hangingPunct="1">
+              <a:lnSpc>
+                <a:spcPct val="90000"/>
+              </a:lnSpc>
+              <a:spcBef>
+                <a:spcPct val="20000"/>
+              </a:spcBef>
+              <a:spcAft>
+                <a:spcPts val="0"/>
+              </a:spcAft>
+              <a:buClrTx/>
+              <a:buSzPct val="90000"/>
+              <a:buFont typeface="Arial" pitchFamily="34" charset="0"/>
+              <a:buChar char="•"/>
+              <a:tabLst/>
+              <a:defRPr sz="2353" kern="1200" spc="0" baseline="0">
+                <a:gradFill>
+                  <a:gsLst>
+                    <a:gs pos="1250">
+                      <a:schemeClr val="tx1"/>
+                    </a:gs>
+                    <a:gs pos="100000">
+                      <a:schemeClr val="tx1"/>
+                    </a:gs>
+                  </a:gsLst>
+                  <a:lin ang="5400000" scaled="0"/>
+                </a:gradFill>
+                <a:latin typeface="+mn-lt"/>
+                <a:ea typeface="+mn-ea"/>
+                <a:cs typeface="+mn-cs"/>
+              </a:defRPr>
+            </a:lvl2pPr>
+            <a:lvl3pPr marL="784338" marR="0" indent="-224097" algn="l" defTabSz="914367" rtl="0" eaLnBrk="1" fontAlgn="auto" latinLnBrk="0" hangingPunct="1">
+              <a:lnSpc>
+                <a:spcPct val="90000"/>
+              </a:lnSpc>
+              <a:spcBef>
+                <a:spcPct val="20000"/>
+              </a:spcBef>
+              <a:spcAft>
+                <a:spcPts val="0"/>
+              </a:spcAft>
+              <a:buClrTx/>
+              <a:buSzPct val="90000"/>
+              <a:buFont typeface="Arial" pitchFamily="34" charset="0"/>
+              <a:buChar char="•"/>
+              <a:tabLst/>
+              <a:defRPr sz="1961" kern="1200" spc="0" baseline="0">
+                <a:gradFill>
+                  <a:gsLst>
+                    <a:gs pos="1250">
+                      <a:schemeClr val="tx1"/>
+                    </a:gs>
+                    <a:gs pos="100000">
+                      <a:schemeClr val="tx1"/>
+                    </a:gs>
+                  </a:gsLst>
+                  <a:lin ang="5400000" scaled="0"/>
+                </a:gradFill>
+                <a:latin typeface="+mn-lt"/>
+                <a:ea typeface="+mn-ea"/>
+                <a:cs typeface="+mn-cs"/>
+              </a:defRPr>
+            </a:lvl3pPr>
+            <a:lvl4pPr marL="1008435" marR="0" indent="-224097" algn="l" defTabSz="914367" rtl="0" eaLnBrk="1" fontAlgn="auto" latinLnBrk="0" hangingPunct="1">
+              <a:lnSpc>
+                <a:spcPct val="90000"/>
+              </a:lnSpc>
+              <a:spcBef>
+                <a:spcPct val="20000"/>
+              </a:spcBef>
+              <a:spcAft>
+                <a:spcPts val="0"/>
+              </a:spcAft>
+              <a:buClrTx/>
+              <a:buSzPct val="90000"/>
+              <a:buFont typeface="Arial" pitchFamily="34" charset="0"/>
+              <a:buChar char="•"/>
+              <a:tabLst/>
+              <a:defRPr sz="1765" kern="1200" spc="0" baseline="0">
+                <a:gradFill>
+                  <a:gsLst>
+                    <a:gs pos="1250">
+                      <a:schemeClr val="tx1"/>
+                    </a:gs>
+                    <a:gs pos="100000">
+                      <a:schemeClr val="tx1"/>
+                    </a:gs>
+                  </a:gsLst>
+                  <a:lin ang="5400000" scaled="0"/>
+                </a:gradFill>
+                <a:latin typeface="+mn-lt"/>
+                <a:ea typeface="+mn-ea"/>
+                <a:cs typeface="+mn-cs"/>
+              </a:defRPr>
+            </a:lvl4pPr>
+            <a:lvl5pPr marL="1232531" marR="0" indent="-224097" algn="l" defTabSz="914367" rtl="0" eaLnBrk="1" fontAlgn="auto" latinLnBrk="0" hangingPunct="1">
+              <a:lnSpc>
+                <a:spcPct val="90000"/>
+              </a:lnSpc>
+              <a:spcBef>
+                <a:spcPct val="20000"/>
+              </a:spcBef>
+              <a:spcAft>
+                <a:spcPts val="0"/>
+              </a:spcAft>
+              <a:buClrTx/>
+              <a:buSzPct val="90000"/>
+              <a:buFont typeface="Arial" pitchFamily="34" charset="0"/>
+              <a:buChar char="•"/>
+              <a:tabLst/>
+              <a:defRPr sz="1765" kern="1200" spc="0" baseline="0">
+                <a:gradFill>
+                  <a:gsLst>
+                    <a:gs pos="1250">
+                      <a:schemeClr val="tx1"/>
+                    </a:gs>
+                    <a:gs pos="100000">
+                      <a:schemeClr val="tx1"/>
+                    </a:gs>
+                  </a:gsLst>
+                  <a:lin ang="5400000" scaled="0"/>
+                </a:gradFill>
+                <a:latin typeface="+mn-lt"/>
+                <a:ea typeface="+mn-ea"/>
+                <a:cs typeface="+mn-cs"/>
+              </a:defRPr>
+            </a:lvl5pPr>
+            <a:lvl6pPr marL="2514509" indent="-228592" algn="l" defTabSz="914367" rtl="0" eaLnBrk="1" latinLnBrk="0" hangingPunct="1">
+              <a:spcBef>
+                <a:spcPct val="20000"/>
+              </a:spcBef>
+              <a:buFont typeface="Arial" pitchFamily="34" charset="0"/>
+              <a:buChar char="•"/>
+              <a:defRPr sz="1961" kern="1200">
+                <a:solidFill>
+                  <a:schemeClr val="tx1"/>
+                </a:solidFill>
+                <a:latin typeface="+mn-lt"/>
+                <a:ea typeface="+mn-ea"/>
+                <a:cs typeface="+mn-cs"/>
+              </a:defRPr>
+            </a:lvl6pPr>
+            <a:lvl7pPr marL="2971693" indent="-228592" algn="l" defTabSz="914367" rtl="0" eaLnBrk="1" latinLnBrk="0" hangingPunct="1">
+              <a:spcBef>
+                <a:spcPct val="20000"/>
+              </a:spcBef>
+              <a:buFont typeface="Arial" pitchFamily="34" charset="0"/>
+              <a:buChar char="•"/>
+              <a:defRPr sz="1961" kern="1200">
+                <a:solidFill>
+                  <a:schemeClr val="tx1"/>
+                </a:solidFill>
+                <a:latin typeface="+mn-lt"/>
+                <a:ea typeface="+mn-ea"/>
+                <a:cs typeface="+mn-cs"/>
+              </a:defRPr>
+            </a:lvl7pPr>
+            <a:lvl8pPr marL="3428877" indent="-228592" algn="l" defTabSz="914367" rtl="0" eaLnBrk="1" latinLnBrk="0" hangingPunct="1">
+              <a:spcBef>
+                <a:spcPct val="20000"/>
+              </a:spcBef>
+              <a:buFont typeface="Arial" pitchFamily="34" charset="0"/>
+              <a:buChar char="•"/>
+              <a:defRPr sz="1961" kern="1200">
+                <a:solidFill>
+                  <a:schemeClr val="tx1"/>
+                </a:solidFill>
+                <a:latin typeface="+mn-lt"/>
+                <a:ea typeface="+mn-ea"/>
+                <a:cs typeface="+mn-cs"/>
+              </a:defRPr>
+            </a:lvl8pPr>
+            <a:lvl9pPr marL="3886061" indent="-228592" algn="l" defTabSz="914367" rtl="0" eaLnBrk="1" latinLnBrk="0" hangingPunct="1">
+              <a:spcBef>
+                <a:spcPct val="20000"/>
+              </a:spcBef>
+              <a:buFont typeface="Arial" pitchFamily="34" charset="0"/>
+              <a:buChar char="•"/>
+              <a:defRPr sz="1961" kern="1200">
+                <a:solidFill>
+                  <a:schemeClr val="tx1"/>
+                </a:solidFill>
+                <a:latin typeface="+mn-lt"/>
+                <a:ea typeface="+mn-ea"/>
+                <a:cs typeface="+mn-cs"/>
+              </a:defRPr>
+            </a:lvl9pPr>
+          </a:lstStyle>
+          <a:p>
+            <a:pPr marL="0" indent="0">
+              <a:lnSpc>
+                <a:spcPct val="150000"/>
+              </a:lnSpc>
+              <a:buNone/>
+            </a:pPr>
+            <a:r>
+              <a:rPr lang="en-US" sz="2400" dirty="0" err="1">
+                <a:latin typeface="+mn-lt"/>
+              </a:rPr>
+              <a:t>Itera</a:t>
+            </a:r>
+            <a:r>
+              <a:rPr lang="en-US" sz="2400" dirty="0">
+                <a:latin typeface="+mn-lt"/>
+              </a:rPr>
+              <a:t> </a:t>
+            </a:r>
+            <a:r>
+              <a:rPr lang="en-US" sz="2400" dirty="0" err="1">
+                <a:latin typeface="+mn-lt"/>
+              </a:rPr>
+              <a:t>en</a:t>
+            </a:r>
+            <a:r>
+              <a:rPr lang="en-US" sz="2400" dirty="0">
+                <a:latin typeface="+mn-lt"/>
+              </a:rPr>
+              <a:t> </a:t>
+            </a:r>
+            <a:r>
+              <a:rPr lang="en-US" sz="2400" dirty="0" err="1">
+                <a:latin typeface="+mn-lt"/>
+              </a:rPr>
+              <a:t>cambios</a:t>
+            </a:r>
+            <a:r>
+              <a:rPr lang="en-US" sz="2400" dirty="0">
+                <a:latin typeface="+mn-lt"/>
+              </a:rPr>
+              <a:t> </a:t>
+            </a:r>
+            <a:r>
+              <a:rPr lang="en-US" sz="2400" dirty="0" err="1">
+                <a:latin typeface="+mn-lt"/>
+              </a:rPr>
+              <a:t>en</a:t>
+            </a:r>
+            <a:r>
+              <a:rPr lang="en-US" sz="2400" dirty="0">
+                <a:latin typeface="+mn-lt"/>
+              </a:rPr>
+              <a:t> </a:t>
+            </a:r>
+            <a:r>
+              <a:rPr lang="en-US" sz="2400" dirty="0" err="1">
+                <a:latin typeface="+mn-lt"/>
+              </a:rPr>
+              <a:t>tu</a:t>
+            </a:r>
+            <a:r>
+              <a:rPr lang="en-US" sz="2400" dirty="0">
+                <a:latin typeface="+mn-lt"/>
+              </a:rPr>
+              <a:t> App, sin </a:t>
+            </a:r>
+            <a:r>
+              <a:rPr lang="en-US" sz="2400" dirty="0" err="1">
+                <a:latin typeface="+mn-lt"/>
+              </a:rPr>
+              <a:t>recompilar</a:t>
+            </a:r>
+            <a:r>
+              <a:rPr lang="en-US" sz="2400" dirty="0">
+                <a:latin typeface="+mn-lt"/>
+              </a:rPr>
+              <a:t>.</a:t>
+            </a:r>
+          </a:p>
+          <a:p>
+            <a:endParaRPr lang="en-US" sz="2400" dirty="0">
+              <a:latin typeface="+mn-lt"/>
+            </a:endParaRPr>
+          </a:p>
+          <a:p>
+            <a:pPr marL="285750" indent="-285750">
+              <a:buFont typeface="Arial" panose="020B0604020202020204" pitchFamily="34" charset="0"/>
+              <a:buChar char="•"/>
+            </a:pPr>
+            <a:r>
+              <a:rPr lang="en-US" sz="2400" dirty="0">
+                <a:latin typeface="+mn-lt"/>
+              </a:rPr>
+              <a:t>Android, iOS, macOS, y Windows</a:t>
+            </a:r>
+          </a:p>
+          <a:p>
+            <a:pPr marL="285750" indent="-285750">
+              <a:buFont typeface="Arial" panose="020B0604020202020204" pitchFamily="34" charset="0"/>
+              <a:buChar char="•"/>
+            </a:pPr>
+            <a:r>
+              <a:rPr lang="en-US" sz="2400" dirty="0">
+                <a:latin typeface="+mn-lt"/>
+              </a:rPr>
+              <a:t>XAML y C#</a:t>
+            </a:r>
+          </a:p>
+          <a:p>
+            <a:pPr marL="285750" indent="-285750">
+              <a:buFont typeface="Arial" panose="020B0604020202020204" pitchFamily="34" charset="0"/>
+              <a:buChar char="•"/>
+            </a:pPr>
+            <a:r>
+              <a:rPr lang="en-US" sz="2400" dirty="0" err="1">
+                <a:latin typeface="+mn-lt"/>
+              </a:rPr>
+              <a:t>Retención</a:t>
+            </a:r>
+            <a:r>
+              <a:rPr lang="en-US" sz="2400" dirty="0">
+                <a:latin typeface="+mn-lt"/>
+              </a:rPr>
+              <a:t> de </a:t>
+            </a:r>
+            <a:r>
+              <a:rPr lang="en-US" sz="2400" dirty="0" err="1">
+                <a:latin typeface="+mn-lt"/>
+              </a:rPr>
+              <a:t>estados</a:t>
+            </a:r>
+            <a:endParaRPr lang="en-US" sz="2400" dirty="0">
+              <a:latin typeface="+mn-lt"/>
+            </a:endParaRPr>
+          </a:p>
+          <a:p>
+            <a:pPr marL="285750" indent="-285750">
+              <a:buFont typeface="Arial" panose="020B0604020202020204" pitchFamily="34" charset="0"/>
+              <a:buChar char="•"/>
+            </a:pPr>
+            <a:r>
+              <a:rPr lang="en-US" sz="2400" dirty="0" err="1">
+                <a:latin typeface="+mn-lt"/>
+              </a:rPr>
+              <a:t>Múltiples</a:t>
+            </a:r>
+            <a:r>
+              <a:rPr lang="en-US" sz="2400" dirty="0">
+                <a:latin typeface="+mn-lt"/>
+              </a:rPr>
+              <a:t> </a:t>
+            </a:r>
+            <a:r>
+              <a:rPr lang="en-US" sz="2400" dirty="0" err="1">
+                <a:latin typeface="+mn-lt"/>
+              </a:rPr>
+              <a:t>dispositivos</a:t>
+            </a:r>
+            <a:endParaRPr lang="en-US" sz="2400" dirty="0">
+              <a:latin typeface="+mn-lt"/>
+            </a:endParaRPr>
+          </a:p>
+          <a:p>
+            <a:pPr marL="285750" indent="-285750">
+              <a:buFont typeface="Arial" panose="020B0604020202020204" pitchFamily="34" charset="0"/>
+              <a:buChar char="•"/>
+            </a:pPr>
+            <a:r>
+              <a:rPr lang="en-US" sz="2400" dirty="0">
+                <a:latin typeface="+mn-lt"/>
+              </a:rPr>
+              <a:t>No se require al debugger</a:t>
+            </a:r>
+          </a:p>
+        </p:txBody>
+      </p:sp>
+    </p:spTree>
+    <p:extLst>
+      <p:ext uri="{BB962C8B-B14F-4D97-AF65-F5344CB8AC3E}">
+        <p14:creationId xmlns:p14="http://schemas.microsoft.com/office/powerpoint/2010/main" val="4047246918"/>
+      </p:ext>
+    </p:extLst>
+  </p:cSld>
+  <p:clrMapOvr>
+    <a:masterClrMapping/>
+  </p:clrMapOvr>
+  <p:transition>
+    <p:fade/>
+  </p:transition>
+</p:sld>
+</file>
+
+<file path=ppt/slides/slide11.xml><?xml version="1.0" encoding="utf-8"?>
+<p:sld xmlns:a="http://schemas.openxmlformats.org/drawingml/2006/main" xmlns:r="http://schemas.openxmlformats.org/officeDocument/2006/relationships" xmlns:p="http://schemas.openxmlformats.org/presentationml/2006/main">
+  <p:cSld>
+    <p:spTree>
+      <p:nvGrpSpPr>
+        <p:cNvPr id="1" name=""/>
+        <p:cNvGrpSpPr/>
+        <p:nvPr/>
+      </p:nvGrpSpPr>
+      <p:grpSpPr>
+        <a:xfrm>
+          <a:off x="0" y="0"/>
+          <a:ext cx="0" cy="0"/>
+          <a:chOff x="0" y="0"/>
+          <a:chExt cx="0" cy="0"/>
+        </a:xfrm>
+      </p:grpSpPr>
+      <p:sp>
+        <p:nvSpPr>
+          <p:cNvPr id="3" name="Title 2">
+            <a:extLst>
+              <a:ext uri="{FF2B5EF4-FFF2-40B4-BE49-F238E27FC236}">
+                <a16:creationId xmlns:a16="http://schemas.microsoft.com/office/drawing/2014/main" id="{652E2BA4-9FC0-4828-A940-3704183398DF}"/>
+              </a:ext>
+            </a:extLst>
+          </p:cNvPr>
+          <p:cNvSpPr>
+            <a:spLocks noGrp="1"/>
+          </p:cNvSpPr>
+          <p:nvPr>
+            <p:ph type="title"/>
+          </p:nvPr>
+        </p:nvSpPr>
+        <p:spPr/>
+        <p:txBody>
+          <a:bodyPr/>
+          <a:lstStyle/>
+          <a:p>
+            <a:r>
+              <a:rPr lang="es-ES" sz="7200" dirty="0">
+                <a:solidFill>
+                  <a:schemeClr val="bg1"/>
+                </a:solidFill>
+              </a:rPr>
+              <a:t>4. CLI</a:t>
+            </a:r>
+            <a:endParaRPr lang="en-US" sz="7200" dirty="0">
+              <a:solidFill>
+                <a:schemeClr val="bg1"/>
+              </a:solidFill>
+            </a:endParaRPr>
+          </a:p>
+        </p:txBody>
+      </p:sp>
+    </p:spTree>
+    <p:extLst>
+      <p:ext uri="{BB962C8B-B14F-4D97-AF65-F5344CB8AC3E}">
+        <p14:creationId xmlns:p14="http://schemas.microsoft.com/office/powerpoint/2010/main" val="2231430899"/>
+      </p:ext>
+    </p:extLst>
+  </p:cSld>
+  <p:clrMapOvr>
+    <a:masterClrMapping/>
+  </p:clrMapOvr>
+  <p:transition spd="med"/>
+</p:sld>
+</file>
+
+<file path=ppt/slides/slide12.xml><?xml version="1.0" encoding="utf-8"?>
+<p:sld xmlns:a="http://schemas.openxmlformats.org/drawingml/2006/main" xmlns:r="http://schemas.openxmlformats.org/officeDocument/2006/relationships" xmlns:p="http://schemas.openxmlformats.org/presentationml/2006/main">
+  <p:cSld>
+    <p:spTree>
+      <p:nvGrpSpPr>
+        <p:cNvPr id="1" name=""/>
+        <p:cNvGrpSpPr/>
+        <p:nvPr/>
+      </p:nvGrpSpPr>
+      <p:grpSpPr>
+        <a:xfrm>
+          <a:off x="0" y="0"/>
+          <a:ext cx="0" cy="0"/>
+          <a:chOff x="0" y="0"/>
+          <a:chExt cx="0" cy="0"/>
+        </a:xfrm>
+      </p:grpSpPr>
+      <p:sp>
+        <p:nvSpPr>
+          <p:cNvPr id="5" name="Title 1">
+            <a:extLst>
+              <a:ext uri="{FF2B5EF4-FFF2-40B4-BE49-F238E27FC236}">
+                <a16:creationId xmlns:a16="http://schemas.microsoft.com/office/drawing/2014/main" id="{01388D49-B47C-45BB-B53B-F6092580BE6E}"/>
+              </a:ext>
+            </a:extLst>
+          </p:cNvPr>
+          <p:cNvSpPr>
+            <a:spLocks noGrp="1"/>
+          </p:cNvSpPr>
+          <p:nvPr>
+            <p:ph type="title"/>
+          </p:nvPr>
+        </p:nvSpPr>
+        <p:spPr>
+          <a:xfrm>
+            <a:off x="457200" y="1123122"/>
+            <a:ext cx="7706412" cy="591378"/>
+          </a:xfrm>
+        </p:spPr>
+        <p:txBody>
+          <a:bodyPr>
+            <a:noAutofit/>
+          </a:bodyPr>
+          <a:lstStyle/>
+          <a:p>
+            <a:r>
+              <a:rPr lang="en-US" sz="3200" dirty="0">
+                <a:latin typeface="Segoe UI Semibold"/>
+                <a:cs typeface="Segoe UI Semibold"/>
+              </a:rPr>
+              <a:t>CLI</a:t>
+            </a:r>
+            <a:endParaRPr lang="en-US" sz="3200" dirty="0"/>
+          </a:p>
+        </p:txBody>
+      </p:sp>
+      <p:sp>
+        <p:nvSpPr>
+          <p:cNvPr id="6" name="Content Placeholder 2">
+            <a:extLst>
+              <a:ext uri="{FF2B5EF4-FFF2-40B4-BE49-F238E27FC236}">
+                <a16:creationId xmlns:a16="http://schemas.microsoft.com/office/drawing/2014/main" id="{AC81F8B9-8203-4DB3-932F-AB15DF79780D}"/>
+              </a:ext>
+            </a:extLst>
+          </p:cNvPr>
+          <p:cNvSpPr txBox="1">
+            <a:spLocks/>
+          </p:cNvSpPr>
+          <p:nvPr/>
+        </p:nvSpPr>
+        <p:spPr>
+          <a:xfrm>
+            <a:off x="457200" y="2142642"/>
+            <a:ext cx="7706412" cy="3761754"/>
+          </a:xfrm>
+          <a:prstGeom prst="rect">
+            <a:avLst/>
+          </a:prstGeom>
+        </p:spPr>
+        <p:txBody>
+          <a:bodyPr vert="horz" lIns="91440" tIns="45720" rIns="91440" bIns="45720" rtlCol="0" anchor="t">
+            <a:normAutofit/>
+          </a:bodyPr>
+          <a:lstStyle>
+            <a:lvl1pPr marL="336145" marR="0" indent="-336145" algn="l" defTabSz="914367" rtl="0" eaLnBrk="1" fontAlgn="auto" latinLnBrk="0" hangingPunct="1">
+              <a:lnSpc>
+                <a:spcPct val="90000"/>
+              </a:lnSpc>
+              <a:spcBef>
+                <a:spcPct val="20000"/>
+              </a:spcBef>
+              <a:spcAft>
+                <a:spcPts val="0"/>
+              </a:spcAft>
+              <a:buClrTx/>
+              <a:buSzPct val="90000"/>
+              <a:buFont typeface="Arial" pitchFamily="34" charset="0"/>
+              <a:buChar char="•"/>
+              <a:tabLst/>
+              <a:defRPr sz="3921" kern="1200" spc="0" baseline="0">
+                <a:gradFill>
+                  <a:gsLst>
+                    <a:gs pos="1250">
+                      <a:schemeClr val="tx1"/>
+                    </a:gs>
+                    <a:gs pos="100000">
+                      <a:schemeClr val="tx1"/>
+                    </a:gs>
+                  </a:gsLst>
+                  <a:lin ang="5400000" scaled="0"/>
+                </a:gradFill>
+                <a:latin typeface="+mj-lt"/>
+                <a:ea typeface="+mn-ea"/>
+                <a:cs typeface="+mn-cs"/>
+              </a:defRPr>
+            </a:lvl1pPr>
+            <a:lvl2pPr marL="572691" marR="0" indent="-236546" algn="l" defTabSz="914367" rtl="0" eaLnBrk="1" fontAlgn="auto" latinLnBrk="0" hangingPunct="1">
+              <a:lnSpc>
+                <a:spcPct val="90000"/>
+              </a:lnSpc>
+              <a:spcBef>
+                <a:spcPct val="20000"/>
+              </a:spcBef>
+              <a:spcAft>
+                <a:spcPts val="0"/>
+              </a:spcAft>
+              <a:buClrTx/>
+              <a:buSzPct val="90000"/>
+              <a:buFont typeface="Arial" pitchFamily="34" charset="0"/>
+              <a:buChar char="•"/>
+              <a:tabLst/>
+              <a:defRPr sz="2353" kern="1200" spc="0" baseline="0">
+                <a:gradFill>
+                  <a:gsLst>
+                    <a:gs pos="1250">
+                      <a:schemeClr val="tx1"/>
+                    </a:gs>
+                    <a:gs pos="100000">
+                      <a:schemeClr val="tx1"/>
+                    </a:gs>
+                  </a:gsLst>
+                  <a:lin ang="5400000" scaled="0"/>
+                </a:gradFill>
+                <a:latin typeface="+mn-lt"/>
+                <a:ea typeface="+mn-ea"/>
+                <a:cs typeface="+mn-cs"/>
+              </a:defRPr>
+            </a:lvl2pPr>
+            <a:lvl3pPr marL="784338" marR="0" indent="-224097" algn="l" defTabSz="914367" rtl="0" eaLnBrk="1" fontAlgn="auto" latinLnBrk="0" hangingPunct="1">
+              <a:lnSpc>
+                <a:spcPct val="90000"/>
+              </a:lnSpc>
+              <a:spcBef>
+                <a:spcPct val="20000"/>
+              </a:spcBef>
+              <a:spcAft>
+                <a:spcPts val="0"/>
+              </a:spcAft>
+              <a:buClrTx/>
+              <a:buSzPct val="90000"/>
+              <a:buFont typeface="Arial" pitchFamily="34" charset="0"/>
+              <a:buChar char="•"/>
+              <a:tabLst/>
+              <a:defRPr sz="1961" kern="1200" spc="0" baseline="0">
+                <a:gradFill>
+                  <a:gsLst>
+                    <a:gs pos="1250">
+                      <a:schemeClr val="tx1"/>
+                    </a:gs>
+                    <a:gs pos="100000">
+                      <a:schemeClr val="tx1"/>
+                    </a:gs>
+                  </a:gsLst>
+                  <a:lin ang="5400000" scaled="0"/>
+                </a:gradFill>
+                <a:latin typeface="+mn-lt"/>
+                <a:ea typeface="+mn-ea"/>
+                <a:cs typeface="+mn-cs"/>
+              </a:defRPr>
+            </a:lvl3pPr>
+            <a:lvl4pPr marL="1008435" marR="0" indent="-224097" algn="l" defTabSz="914367" rtl="0" eaLnBrk="1" fontAlgn="auto" latinLnBrk="0" hangingPunct="1">
+              <a:lnSpc>
+                <a:spcPct val="90000"/>
+              </a:lnSpc>
+              <a:spcBef>
+                <a:spcPct val="20000"/>
+              </a:spcBef>
+              <a:spcAft>
+                <a:spcPts val="0"/>
+              </a:spcAft>
+              <a:buClrTx/>
+              <a:buSzPct val="90000"/>
+              <a:buFont typeface="Arial" pitchFamily="34" charset="0"/>
+              <a:buChar char="•"/>
+              <a:tabLst/>
+              <a:defRPr sz="1765" kern="1200" spc="0" baseline="0">
+                <a:gradFill>
+                  <a:gsLst>
+                    <a:gs pos="1250">
+                      <a:schemeClr val="tx1"/>
+                    </a:gs>
+                    <a:gs pos="100000">
+                      <a:schemeClr val="tx1"/>
+                    </a:gs>
+                  </a:gsLst>
+                  <a:lin ang="5400000" scaled="0"/>
+                </a:gradFill>
+                <a:latin typeface="+mn-lt"/>
+                <a:ea typeface="+mn-ea"/>
+                <a:cs typeface="+mn-cs"/>
+              </a:defRPr>
+            </a:lvl4pPr>
+            <a:lvl5pPr marL="1232531" marR="0" indent="-224097" algn="l" defTabSz="914367" rtl="0" eaLnBrk="1" fontAlgn="auto" latinLnBrk="0" hangingPunct="1">
+              <a:lnSpc>
+                <a:spcPct val="90000"/>
+              </a:lnSpc>
+              <a:spcBef>
+                <a:spcPct val="20000"/>
+              </a:spcBef>
+              <a:spcAft>
+                <a:spcPts val="0"/>
+              </a:spcAft>
+              <a:buClrTx/>
+              <a:buSzPct val="90000"/>
+              <a:buFont typeface="Arial" pitchFamily="34" charset="0"/>
+              <a:buChar char="•"/>
+              <a:tabLst/>
+              <a:defRPr sz="1765" kern="1200" spc="0" baseline="0">
+                <a:gradFill>
+                  <a:gsLst>
+                    <a:gs pos="1250">
+                      <a:schemeClr val="tx1"/>
+                    </a:gs>
+                    <a:gs pos="100000">
+                      <a:schemeClr val="tx1"/>
+                    </a:gs>
+                  </a:gsLst>
+                  <a:lin ang="5400000" scaled="0"/>
+                </a:gradFill>
+                <a:latin typeface="+mn-lt"/>
+                <a:ea typeface="+mn-ea"/>
+                <a:cs typeface="+mn-cs"/>
+              </a:defRPr>
+            </a:lvl5pPr>
+            <a:lvl6pPr marL="2514509" indent="-228592" algn="l" defTabSz="914367" rtl="0" eaLnBrk="1" latinLnBrk="0" hangingPunct="1">
+              <a:spcBef>
+                <a:spcPct val="20000"/>
+              </a:spcBef>
+              <a:buFont typeface="Arial" pitchFamily="34" charset="0"/>
+              <a:buChar char="•"/>
+              <a:defRPr sz="1961" kern="1200">
+                <a:solidFill>
+                  <a:schemeClr val="tx1"/>
+                </a:solidFill>
+                <a:latin typeface="+mn-lt"/>
+                <a:ea typeface="+mn-ea"/>
+                <a:cs typeface="+mn-cs"/>
+              </a:defRPr>
+            </a:lvl6pPr>
+            <a:lvl7pPr marL="2971693" indent="-228592" algn="l" defTabSz="914367" rtl="0" eaLnBrk="1" latinLnBrk="0" hangingPunct="1">
+              <a:spcBef>
+                <a:spcPct val="20000"/>
+              </a:spcBef>
+              <a:buFont typeface="Arial" pitchFamily="34" charset="0"/>
+              <a:buChar char="•"/>
+              <a:defRPr sz="1961" kern="1200">
+                <a:solidFill>
+                  <a:schemeClr val="tx1"/>
+                </a:solidFill>
+                <a:latin typeface="+mn-lt"/>
+                <a:ea typeface="+mn-ea"/>
+                <a:cs typeface="+mn-cs"/>
+              </a:defRPr>
+            </a:lvl7pPr>
+            <a:lvl8pPr marL="3428877" indent="-228592" algn="l" defTabSz="914367" rtl="0" eaLnBrk="1" latinLnBrk="0" hangingPunct="1">
+              <a:spcBef>
+                <a:spcPct val="20000"/>
+              </a:spcBef>
+              <a:buFont typeface="Arial" pitchFamily="34" charset="0"/>
+              <a:buChar char="•"/>
+              <a:defRPr sz="1961" kern="1200">
+                <a:solidFill>
+                  <a:schemeClr val="tx1"/>
+                </a:solidFill>
+                <a:latin typeface="+mn-lt"/>
+                <a:ea typeface="+mn-ea"/>
+                <a:cs typeface="+mn-cs"/>
+              </a:defRPr>
+            </a:lvl8pPr>
+            <a:lvl9pPr marL="3886061" indent="-228592" algn="l" defTabSz="914367" rtl="0" eaLnBrk="1" latinLnBrk="0" hangingPunct="1">
+              <a:spcBef>
+                <a:spcPct val="20000"/>
+              </a:spcBef>
+              <a:buFont typeface="Arial" pitchFamily="34" charset="0"/>
+              <a:buChar char="•"/>
+              <a:defRPr sz="1961" kern="1200">
+                <a:solidFill>
+                  <a:schemeClr val="tx1"/>
+                </a:solidFill>
+                <a:latin typeface="+mn-lt"/>
+                <a:ea typeface="+mn-ea"/>
+                <a:cs typeface="+mn-cs"/>
+              </a:defRPr>
+            </a:lvl9pPr>
+          </a:lstStyle>
+          <a:p>
+            <a:pPr marL="0" indent="0">
+              <a:lnSpc>
+                <a:spcPct val="150000"/>
+              </a:lnSpc>
+              <a:buNone/>
+            </a:pPr>
+            <a:r>
+              <a:rPr lang="en-US" sz="2400" dirty="0">
+                <a:latin typeface="+mn-lt"/>
+              </a:rPr>
+              <a:t>Con </a:t>
+            </a:r>
+            <a:r>
+              <a:rPr lang="en-US" sz="2400" dirty="0" err="1">
+                <a:latin typeface="+mn-lt"/>
+              </a:rPr>
+              <a:t>línea</a:t>
+            </a:r>
+            <a:r>
+              <a:rPr lang="en-US" sz="2400" dirty="0">
+                <a:latin typeface="+mn-lt"/>
+              </a:rPr>
+              <a:t> de </a:t>
+            </a:r>
+            <a:r>
+              <a:rPr lang="en-US" sz="2400" dirty="0" err="1">
+                <a:latin typeface="+mn-lt"/>
+              </a:rPr>
+              <a:t>comandos</a:t>
+            </a:r>
+            <a:r>
+              <a:rPr lang="en-US" sz="2400" dirty="0">
+                <a:latin typeface="+mn-lt"/>
+              </a:rPr>
+              <a:t> se </a:t>
+            </a:r>
+            <a:r>
+              <a:rPr lang="en-US" sz="2400" dirty="0" err="1">
+                <a:latin typeface="+mn-lt"/>
+              </a:rPr>
+              <a:t>puede</a:t>
+            </a:r>
+            <a:r>
+              <a:rPr lang="en-US" sz="2400" dirty="0">
+                <a:latin typeface="+mn-lt"/>
+              </a:rPr>
+              <a:t>:</a:t>
+            </a:r>
+          </a:p>
+          <a:p>
+            <a:endParaRPr lang="en-US" sz="2400" dirty="0">
+              <a:latin typeface="+mn-lt"/>
+            </a:endParaRPr>
+          </a:p>
+          <a:p>
+            <a:pPr marL="285750" indent="-285750">
+              <a:buFont typeface="Arial" panose="020B0604020202020204" pitchFamily="34" charset="0"/>
+              <a:buChar char="•"/>
+            </a:pPr>
+            <a:r>
+              <a:rPr lang="en-US" sz="2400" dirty="0" err="1">
+                <a:latin typeface="+mn-lt"/>
+              </a:rPr>
+              <a:t>Gestionar</a:t>
+            </a:r>
+            <a:r>
+              <a:rPr lang="en-US" sz="2400" dirty="0">
+                <a:latin typeface="+mn-lt"/>
+              </a:rPr>
+              <a:t> workloads.</a:t>
+            </a:r>
+          </a:p>
+          <a:p>
+            <a:pPr marL="285750" indent="-285750">
+              <a:buFont typeface="Arial" panose="020B0604020202020204" pitchFamily="34" charset="0"/>
+              <a:buChar char="•"/>
+            </a:pPr>
+            <a:r>
+              <a:rPr lang="en-US" sz="2400" dirty="0" err="1">
+                <a:latin typeface="+mn-lt"/>
+              </a:rPr>
+              <a:t>Crear</a:t>
+            </a:r>
+            <a:r>
+              <a:rPr lang="en-US" sz="2400" dirty="0">
+                <a:latin typeface="+mn-lt"/>
+              </a:rPr>
+              <a:t> </a:t>
+            </a:r>
+            <a:r>
+              <a:rPr lang="en-US" sz="2400" dirty="0" err="1">
+                <a:latin typeface="+mn-lt"/>
+              </a:rPr>
+              <a:t>proyecto</a:t>
+            </a:r>
+            <a:r>
+              <a:rPr lang="en-US" sz="2400" dirty="0">
+                <a:latin typeface="+mn-lt"/>
+              </a:rPr>
+              <a:t> .NET MAUI.</a:t>
+            </a:r>
+          </a:p>
+          <a:p>
+            <a:pPr marL="285750" indent="-285750">
+              <a:buFont typeface="Arial" panose="020B0604020202020204" pitchFamily="34" charset="0"/>
+              <a:buChar char="•"/>
+            </a:pPr>
+            <a:r>
+              <a:rPr lang="en-US" sz="2400" dirty="0" err="1">
+                <a:latin typeface="+mn-lt"/>
+              </a:rPr>
+              <a:t>Compilar</a:t>
+            </a:r>
+            <a:r>
+              <a:rPr lang="en-US" sz="2400" dirty="0">
+                <a:latin typeface="+mn-lt"/>
+              </a:rPr>
+              <a:t> </a:t>
+            </a:r>
+            <a:r>
+              <a:rPr lang="en-US" sz="2400" dirty="0" err="1">
+                <a:latin typeface="+mn-lt"/>
+              </a:rPr>
+              <a:t>proyecto</a:t>
+            </a:r>
+            <a:r>
+              <a:rPr lang="en-US" sz="2400" dirty="0">
+                <a:latin typeface="+mn-lt"/>
+              </a:rPr>
+              <a:t>.</a:t>
+            </a:r>
+          </a:p>
+          <a:p>
+            <a:pPr marL="285750" indent="-285750">
+              <a:buFont typeface="Arial" panose="020B0604020202020204" pitchFamily="34" charset="0"/>
+              <a:buChar char="•"/>
+            </a:pPr>
+            <a:r>
+              <a:rPr lang="en-US" sz="2400" dirty="0" err="1">
+                <a:latin typeface="+mn-lt"/>
+              </a:rPr>
+              <a:t>Lanzar</a:t>
+            </a:r>
+            <a:r>
+              <a:rPr lang="en-US" sz="2400" dirty="0">
+                <a:latin typeface="+mn-lt"/>
+              </a:rPr>
+              <a:t> </a:t>
+            </a:r>
+            <a:r>
+              <a:rPr lang="en-US" sz="2400" dirty="0" err="1">
+                <a:latin typeface="+mn-lt"/>
+              </a:rPr>
+              <a:t>proyecto</a:t>
+            </a:r>
+            <a:r>
+              <a:rPr lang="en-US" sz="2400" dirty="0">
+                <a:latin typeface="+mn-lt"/>
+              </a:rPr>
+              <a:t> a </a:t>
+            </a:r>
+            <a:r>
+              <a:rPr lang="en-US" sz="2400" dirty="0" err="1">
+                <a:latin typeface="+mn-lt"/>
+              </a:rPr>
+              <a:t>depuración</a:t>
+            </a:r>
+            <a:r>
+              <a:rPr lang="en-US" sz="2400" dirty="0">
+                <a:latin typeface="+mn-lt"/>
+              </a:rPr>
+              <a:t>.</a:t>
+            </a:r>
+          </a:p>
+        </p:txBody>
+      </p:sp>
+      <p:sp>
+        <p:nvSpPr>
+          <p:cNvPr id="7" name="TextBox 6">
+            <a:extLst>
+              <a:ext uri="{FF2B5EF4-FFF2-40B4-BE49-F238E27FC236}">
+                <a16:creationId xmlns:a16="http://schemas.microsoft.com/office/drawing/2014/main" id="{440B6339-CFA3-4EA5-8395-4B17C8834102}"/>
+              </a:ext>
+            </a:extLst>
+          </p:cNvPr>
+          <p:cNvSpPr txBox="1"/>
+          <p:nvPr/>
+        </p:nvSpPr>
+        <p:spPr>
+          <a:xfrm>
+            <a:off x="457200" y="5535064"/>
+            <a:ext cx="6537488" cy="369332"/>
+          </a:xfrm>
+          <a:prstGeom prst="rect">
+            <a:avLst/>
+          </a:prstGeom>
+          <a:noFill/>
+        </p:spPr>
+        <p:txBody>
+          <a:bodyPr wrap="square">
+            <a:spAutoFit/>
+          </a:bodyPr>
+          <a:lstStyle/>
+          <a:p>
+            <a:r>
+              <a:rPr lang="en-US" b="0" i="0" dirty="0">
+                <a:effectLst/>
+                <a:latin typeface="Consolas" panose="020B0609020204030204" pitchFamily="49" charset="0"/>
+              </a:rPr>
+              <a:t>dotnet build -</a:t>
+            </a:r>
+            <a:r>
+              <a:rPr lang="en-US" b="0" i="0" dirty="0" err="1">
+                <a:effectLst/>
+                <a:latin typeface="Consolas" panose="020B0609020204030204" pitchFamily="49" charset="0"/>
+              </a:rPr>
+              <a:t>t:Run</a:t>
+            </a:r>
+            <a:r>
+              <a:rPr lang="en-US" b="0" i="0" dirty="0">
+                <a:effectLst/>
+                <a:latin typeface="Consolas" panose="020B0609020204030204" pitchFamily="49" charset="0"/>
+              </a:rPr>
+              <a:t> -f net6.0-android</a:t>
+            </a:r>
+            <a:endParaRPr lang="en-US" dirty="0">
+              <a:latin typeface="Consolas" panose="020B0609020204030204" pitchFamily="49" charset="0"/>
+            </a:endParaRPr>
+          </a:p>
+        </p:txBody>
+      </p:sp>
+    </p:spTree>
+    <p:extLst>
+      <p:ext uri="{BB962C8B-B14F-4D97-AF65-F5344CB8AC3E}">
+        <p14:creationId xmlns:p14="http://schemas.microsoft.com/office/powerpoint/2010/main" val="596669787"/>
+      </p:ext>
+    </p:extLst>
+  </p:cSld>
+  <p:clrMapOvr>
+    <a:masterClrMapping/>
+  </p:clrMapOvr>
+  <p:transition>
+    <p:fade/>
+  </p:transition>
+</p:sld>
+</file>
+
+<file path=ppt/slides/slide13.xml><?xml version="1.0" encoding="utf-8"?>
 <p:sld xmlns:a="http://schemas.openxmlformats.org/drawingml/2006/main" xmlns:r="http://schemas.openxmlformats.org/officeDocument/2006/relationships" xmlns:p="http://schemas.openxmlformats.org/presentationml/2006/main">
   <p:cSld>
     <p:spTree>
@@ -12563,6 +14403,4505 @@
   <p:transition>
     <p:fade/>
   </p:transition>
+</p:sld>
+</file>
+
+<file path=ppt/slides/slide2.xml><?xml version="1.0" encoding="utf-8"?>
+<p:sld xmlns:a="http://schemas.openxmlformats.org/drawingml/2006/main" xmlns:r="http://schemas.openxmlformats.org/officeDocument/2006/relationships" xmlns:p="http://schemas.openxmlformats.org/presentationml/2006/main">
+  <p:cSld>
+    <p:spTree>
+      <p:nvGrpSpPr>
+        <p:cNvPr id="1" name=""/>
+        <p:cNvGrpSpPr/>
+        <p:nvPr/>
+      </p:nvGrpSpPr>
+      <p:grpSpPr>
+        <a:xfrm>
+          <a:off x="0" y="0"/>
+          <a:ext cx="0" cy="0"/>
+          <a:chOff x="0" y="0"/>
+          <a:chExt cx="0" cy="0"/>
+        </a:xfrm>
+      </p:grpSpPr>
+      <p:sp>
+        <p:nvSpPr>
+          <p:cNvPr id="2" name="Title 1">
+            <a:extLst>
+              <a:ext uri="{FF2B5EF4-FFF2-40B4-BE49-F238E27FC236}">
+                <a16:creationId xmlns:a16="http://schemas.microsoft.com/office/drawing/2014/main" id="{A777B1EB-1C61-4CAD-B964-CEAFDCC0F133}"/>
+              </a:ext>
+            </a:extLst>
+          </p:cNvPr>
+          <p:cNvSpPr>
+            <a:spLocks noGrp="1"/>
+          </p:cNvSpPr>
+          <p:nvPr>
+            <p:ph type="title"/>
+          </p:nvPr>
+        </p:nvSpPr>
+        <p:spPr/>
+        <p:txBody>
+          <a:bodyPr/>
+          <a:lstStyle/>
+          <a:p>
+            <a:r>
+              <a:rPr lang="en-US" dirty="0"/>
+              <a:t>Los </a:t>
+            </a:r>
+            <a:r>
+              <a:rPr lang="en-US" dirty="0" err="1"/>
+              <a:t>pilares</a:t>
+            </a:r>
+            <a:r>
+              <a:rPr lang="en-US" dirty="0"/>
+              <a:t> de .NET MAUI</a:t>
+            </a:r>
+          </a:p>
+        </p:txBody>
+      </p:sp>
+      <p:sp>
+        <p:nvSpPr>
+          <p:cNvPr id="3" name="Content Placeholder 2">
+            <a:extLst>
+              <a:ext uri="{FF2B5EF4-FFF2-40B4-BE49-F238E27FC236}">
+                <a16:creationId xmlns:a16="http://schemas.microsoft.com/office/drawing/2014/main" id="{F18C12C3-945E-4C03-9A70-1845D2AE2C31}"/>
+              </a:ext>
+            </a:extLst>
+          </p:cNvPr>
+          <p:cNvSpPr>
+            <a:spLocks noGrp="1"/>
+          </p:cNvSpPr>
+          <p:nvPr>
+            <p:ph sz="half" idx="1"/>
+          </p:nvPr>
+        </p:nvSpPr>
+        <p:spPr>
+          <a:xfrm>
+            <a:off x="457200" y="2264828"/>
+            <a:ext cx="3200400" cy="5243423"/>
+          </a:xfrm>
+        </p:spPr>
+        <p:txBody>
+          <a:bodyPr/>
+          <a:lstStyle/>
+          <a:p>
+            <a:r>
+              <a:rPr lang="en-US" sz="2800" dirty="0"/>
+              <a:t>.NET </a:t>
+            </a:r>
+            <a:r>
+              <a:rPr lang="en-US" sz="2800" dirty="0" err="1"/>
+              <a:t>unificado</a:t>
+            </a:r>
+            <a:endParaRPr lang="en-US" sz="2800" dirty="0"/>
+          </a:p>
+          <a:p>
+            <a:pPr marL="285750" indent="-285750">
+              <a:buFont typeface="Arial" panose="020B0604020202020204" pitchFamily="34" charset="0"/>
+              <a:buChar char="•"/>
+            </a:pPr>
+            <a:r>
+              <a:rPr lang="en-US" sz="2800" dirty="0"/>
+              <a:t>Base Class Library</a:t>
+            </a:r>
+          </a:p>
+          <a:p>
+            <a:pPr marL="285750" indent="-285750">
+              <a:buFont typeface="Arial" panose="020B0604020202020204" pitchFamily="34" charset="0"/>
+              <a:buChar char="•"/>
+            </a:pPr>
+            <a:r>
+              <a:rPr lang="en-US" sz="2800" dirty="0"/>
+              <a:t>Type unification</a:t>
+            </a:r>
+          </a:p>
+          <a:p>
+            <a:pPr marL="285750" indent="-285750">
+              <a:buFont typeface="Arial" panose="020B0604020202020204" pitchFamily="34" charset="0"/>
+              <a:buChar char="•"/>
+            </a:pPr>
+            <a:r>
+              <a:rPr lang="en-US" sz="2800" dirty="0" err="1"/>
+              <a:t>Soporte</a:t>
+            </a:r>
+            <a:r>
+              <a:rPr lang="en-US" sz="2800" dirty="0"/>
+              <a:t> a CLI</a:t>
+            </a:r>
+          </a:p>
+          <a:p>
+            <a:pPr marL="285750" indent="-285750">
+              <a:buFont typeface="Arial" panose="020B0604020202020204" pitchFamily="34" charset="0"/>
+              <a:buChar char="•"/>
+            </a:pPr>
+            <a:r>
+              <a:rPr lang="en-US" sz="2800" dirty="0" err="1"/>
+              <a:t>Proyectos</a:t>
+            </a:r>
+            <a:r>
+              <a:rPr lang="en-US" sz="2800" dirty="0"/>
+              <a:t> SDK Style</a:t>
+            </a:r>
+          </a:p>
+          <a:p>
+            <a:pPr marL="285750" indent="-285750">
+              <a:buFont typeface="Arial" panose="020B0604020202020204" pitchFamily="34" charset="0"/>
+              <a:buChar char="•"/>
+            </a:pPr>
+            <a:r>
+              <a:rPr lang="en-US" sz="2800" dirty="0"/>
+              <a:t>Modern Support Lifecycle</a:t>
+            </a:r>
+          </a:p>
+          <a:p>
+            <a:endParaRPr lang="en-US" sz="2800" dirty="0"/>
+          </a:p>
+          <a:p>
+            <a:pPr marL="285750" indent="-285750">
+              <a:buFont typeface="Arial" panose="020B0604020202020204" pitchFamily="34" charset="0"/>
+              <a:buChar char="•"/>
+            </a:pPr>
+            <a:endParaRPr lang="en-US" dirty="0"/>
+          </a:p>
+        </p:txBody>
+      </p:sp>
+      <p:sp>
+        <p:nvSpPr>
+          <p:cNvPr id="4" name="Content Placeholder 3">
+            <a:extLst>
+              <a:ext uri="{FF2B5EF4-FFF2-40B4-BE49-F238E27FC236}">
+                <a16:creationId xmlns:a16="http://schemas.microsoft.com/office/drawing/2014/main" id="{89EF502D-F781-46E0-8617-BD7526F222A0}"/>
+              </a:ext>
+            </a:extLst>
+          </p:cNvPr>
+          <p:cNvSpPr>
+            <a:spLocks noGrp="1"/>
+          </p:cNvSpPr>
+          <p:nvPr>
+            <p:ph sz="half" idx="11"/>
+          </p:nvPr>
+        </p:nvSpPr>
+        <p:spPr>
+          <a:xfrm>
+            <a:off x="4495800" y="2264828"/>
+            <a:ext cx="3200400" cy="2123658"/>
+          </a:xfrm>
+        </p:spPr>
+        <p:txBody>
+          <a:bodyPr/>
+          <a:lstStyle/>
+          <a:p>
+            <a:r>
+              <a:rPr lang="en-US" sz="3000" dirty="0"/>
+              <a:t>Desktop &amp; Hybrid</a:t>
+            </a:r>
+          </a:p>
+          <a:p>
+            <a:pPr marL="285750" indent="-285750">
+              <a:buFont typeface="Arial" panose="020B0604020202020204" pitchFamily="34" charset="0"/>
+              <a:buChar char="•"/>
+            </a:pPr>
+            <a:r>
+              <a:rPr lang="en-US" sz="3000" dirty="0" err="1"/>
+              <a:t>WinAppSDK</a:t>
+            </a:r>
+            <a:endParaRPr lang="en-US" sz="3000" dirty="0"/>
+          </a:p>
+          <a:p>
+            <a:pPr marL="285750" indent="-285750">
+              <a:buFont typeface="Arial" panose="020B0604020202020204" pitchFamily="34" charset="0"/>
+              <a:buChar char="•"/>
+            </a:pPr>
+            <a:r>
+              <a:rPr lang="en-US" sz="3000" dirty="0"/>
+              <a:t>Mac Catalyst</a:t>
+            </a:r>
+          </a:p>
+          <a:p>
+            <a:pPr marL="285750" indent="-285750">
+              <a:buFont typeface="Arial" panose="020B0604020202020204" pitchFamily="34" charset="0"/>
+              <a:buChar char="•"/>
+            </a:pPr>
+            <a:r>
+              <a:rPr lang="en-US" sz="3000" dirty="0" err="1"/>
+              <a:t>BlazorWebView</a:t>
+            </a:r>
+            <a:endParaRPr lang="en-US" sz="3000" dirty="0"/>
+          </a:p>
+        </p:txBody>
+      </p:sp>
+      <p:sp>
+        <p:nvSpPr>
+          <p:cNvPr id="5" name="Content Placeholder 4">
+            <a:extLst>
+              <a:ext uri="{FF2B5EF4-FFF2-40B4-BE49-F238E27FC236}">
+                <a16:creationId xmlns:a16="http://schemas.microsoft.com/office/drawing/2014/main" id="{11E8380F-5D4A-407C-836F-E7DE3D0C0629}"/>
+              </a:ext>
+            </a:extLst>
+          </p:cNvPr>
+          <p:cNvSpPr>
+            <a:spLocks noGrp="1"/>
+          </p:cNvSpPr>
+          <p:nvPr>
+            <p:ph sz="half" idx="12"/>
+          </p:nvPr>
+        </p:nvSpPr>
+        <p:spPr>
+          <a:xfrm>
+            <a:off x="8534400" y="2264828"/>
+            <a:ext cx="3200400" cy="4105739"/>
+          </a:xfrm>
+        </p:spPr>
+        <p:txBody>
+          <a:bodyPr/>
+          <a:lstStyle/>
+          <a:p>
+            <a:r>
+              <a:rPr lang="en-US" sz="2800" dirty="0" err="1"/>
+              <a:t>Productividad</a:t>
+            </a:r>
+            <a:endParaRPr lang="en-US" sz="2800" dirty="0"/>
+          </a:p>
+          <a:p>
+            <a:pPr marL="285750" indent="-285750">
+              <a:buFont typeface="Arial" panose="020B0604020202020204" pitchFamily="34" charset="0"/>
+              <a:buChar char="•"/>
+            </a:pPr>
+            <a:r>
+              <a:rPr lang="en-US" sz="2800" dirty="0"/>
+              <a:t>Proyecto </a:t>
+            </a:r>
+            <a:r>
+              <a:rPr lang="en-US" sz="2800" dirty="0" err="1"/>
+              <a:t>único</a:t>
+            </a:r>
+            <a:endParaRPr lang="en-US" sz="2800" dirty="0"/>
+          </a:p>
+          <a:p>
+            <a:pPr marL="285750" indent="-285750">
+              <a:buFont typeface="Arial" panose="020B0604020202020204" pitchFamily="34" charset="0"/>
+              <a:buChar char="•"/>
+            </a:pPr>
+            <a:r>
+              <a:rPr lang="en-US" sz="2800" dirty="0" err="1"/>
+              <a:t>Microsoft.Extensions</a:t>
+            </a:r>
+            <a:endParaRPr lang="en-US" sz="2800" dirty="0"/>
+          </a:p>
+          <a:p>
+            <a:pPr marL="285750" indent="-285750">
+              <a:buFont typeface="Arial" panose="020B0604020202020204" pitchFamily="34" charset="0"/>
+              <a:buChar char="•"/>
+            </a:pPr>
+            <a:r>
+              <a:rPr lang="en-US" sz="2800" dirty="0"/>
+              <a:t>.NET Hot Reload</a:t>
+            </a:r>
+          </a:p>
+          <a:p>
+            <a:pPr marL="285750" indent="-285750">
+              <a:buFont typeface="Arial" panose="020B0604020202020204" pitchFamily="34" charset="0"/>
+              <a:buChar char="•"/>
+            </a:pPr>
+            <a:r>
+              <a:rPr lang="en-US" sz="2800" dirty="0"/>
+              <a:t>XAML Hot Reload</a:t>
+            </a:r>
+          </a:p>
+          <a:p>
+            <a:pPr marL="285750" indent="-285750">
+              <a:buFont typeface="Arial" panose="020B0604020202020204" pitchFamily="34" charset="0"/>
+              <a:buChar char="•"/>
+            </a:pPr>
+            <a:r>
+              <a:rPr lang="en-US" sz="2800" dirty="0"/>
+              <a:t>Visual Diagnostics</a:t>
+            </a:r>
+          </a:p>
+        </p:txBody>
+      </p:sp>
+      <p:sp>
+        <p:nvSpPr>
+          <p:cNvPr id="6" name="Content Placeholder 2">
+            <a:extLst>
+              <a:ext uri="{FF2B5EF4-FFF2-40B4-BE49-F238E27FC236}">
+                <a16:creationId xmlns:a16="http://schemas.microsoft.com/office/drawing/2014/main" id="{986512DB-5270-EF97-6E13-E551AE22C74A}"/>
+              </a:ext>
+            </a:extLst>
+          </p:cNvPr>
+          <p:cNvSpPr txBox="1">
+            <a:spLocks/>
+          </p:cNvSpPr>
+          <p:nvPr/>
+        </p:nvSpPr>
+        <p:spPr>
+          <a:xfrm>
+            <a:off x="457200" y="1439932"/>
+            <a:ext cx="11277601" cy="574140"/>
+          </a:xfrm>
+          <a:prstGeom prst="rect">
+            <a:avLst/>
+          </a:prstGeom>
+        </p:spPr>
+        <p:txBody>
+          <a:bodyPr vert="horz" lIns="91440" tIns="45720" rIns="91440" bIns="45720" rtlCol="0">
+            <a:normAutofit/>
+          </a:bodyPr>
+          <a:lstStyle>
+            <a:lvl1pPr marL="0" indent="0" algn="l" defTabSz="914400" rtl="0" eaLnBrk="1" latinLnBrk="0" hangingPunct="1">
+              <a:lnSpc>
+                <a:spcPct val="150000"/>
+              </a:lnSpc>
+              <a:spcBef>
+                <a:spcPts val="1000"/>
+              </a:spcBef>
+              <a:buFont typeface="Arial" panose="020B0604020202020204" pitchFamily="34" charset="0"/>
+              <a:buNone/>
+              <a:defRPr sz="1800" kern="1200">
+                <a:solidFill>
+                  <a:schemeClr val="bg1"/>
+                </a:solidFill>
+                <a:latin typeface="Segoe UI" panose="020B0502040204020203" pitchFamily="34" charset="0"/>
+                <a:ea typeface="+mn-ea"/>
+                <a:cs typeface="Segoe UI" panose="020B0502040204020203" pitchFamily="34" charset="0"/>
+              </a:defRPr>
+            </a:lvl1pPr>
+            <a:lvl2pPr marL="457200" indent="0" algn="l" defTabSz="914400" rtl="0" eaLnBrk="1" latinLnBrk="0" hangingPunct="1">
+              <a:lnSpc>
+                <a:spcPct val="150000"/>
+              </a:lnSpc>
+              <a:spcBef>
+                <a:spcPts val="500"/>
+              </a:spcBef>
+              <a:buFont typeface="Arial" panose="020B0604020202020204" pitchFamily="34" charset="0"/>
+              <a:buNone/>
+              <a:defRPr sz="1600" kern="1200">
+                <a:solidFill>
+                  <a:schemeClr val="bg1"/>
+                </a:solidFill>
+                <a:latin typeface="Segoe UI" panose="020B0502040204020203" pitchFamily="34" charset="0"/>
+                <a:ea typeface="+mn-ea"/>
+                <a:cs typeface="Segoe UI" panose="020B0502040204020203" pitchFamily="34" charset="0"/>
+              </a:defRPr>
+            </a:lvl2pPr>
+            <a:lvl3pPr marL="914400" indent="0" algn="l" defTabSz="914400" rtl="0" eaLnBrk="1" latinLnBrk="0" hangingPunct="1">
+              <a:lnSpc>
+                <a:spcPct val="150000"/>
+              </a:lnSpc>
+              <a:spcBef>
+                <a:spcPts val="500"/>
+              </a:spcBef>
+              <a:buFont typeface="Arial" panose="020B0604020202020204" pitchFamily="34" charset="0"/>
+              <a:buNone/>
+              <a:defRPr sz="1400" kern="1200">
+                <a:solidFill>
+                  <a:schemeClr val="bg1"/>
+                </a:solidFill>
+                <a:latin typeface="Segoe UI" panose="020B0502040204020203" pitchFamily="34" charset="0"/>
+                <a:ea typeface="+mn-ea"/>
+                <a:cs typeface="Segoe UI" panose="020B0502040204020203" pitchFamily="34" charset="0"/>
+              </a:defRPr>
+            </a:lvl3pPr>
+            <a:lvl4pPr marL="1371600" indent="0" algn="l" defTabSz="914400" rtl="0" eaLnBrk="1" latinLnBrk="0" hangingPunct="1">
+              <a:lnSpc>
+                <a:spcPct val="150000"/>
+              </a:lnSpc>
+              <a:spcBef>
+                <a:spcPts val="500"/>
+              </a:spcBef>
+              <a:buFont typeface="Arial" panose="020B0604020202020204" pitchFamily="34" charset="0"/>
+              <a:buNone/>
+              <a:defRPr sz="1200" kern="1200">
+                <a:solidFill>
+                  <a:schemeClr val="bg1"/>
+                </a:solidFill>
+                <a:latin typeface="Segoe UI" panose="020B0502040204020203" pitchFamily="34" charset="0"/>
+                <a:ea typeface="+mn-ea"/>
+                <a:cs typeface="Segoe UI" panose="020B0502040204020203" pitchFamily="34" charset="0"/>
+              </a:defRPr>
+            </a:lvl4pPr>
+            <a:lvl5pPr marL="1828800" indent="0" algn="l" defTabSz="914400" rtl="0" eaLnBrk="1" latinLnBrk="0" hangingPunct="1">
+              <a:lnSpc>
+                <a:spcPct val="150000"/>
+              </a:lnSpc>
+              <a:spcBef>
+                <a:spcPts val="500"/>
+              </a:spcBef>
+              <a:buFont typeface="Arial" panose="020B0604020202020204" pitchFamily="34" charset="0"/>
+              <a:buNone/>
+              <a:defRPr sz="1200" kern="1200">
+                <a:solidFill>
+                  <a:schemeClr val="bg1"/>
+                </a:solidFill>
+                <a:latin typeface="Segoe UI" panose="020B0502040204020203" pitchFamily="34" charset="0"/>
+                <a:ea typeface="+mn-ea"/>
+                <a:cs typeface="Segoe UI" panose="020B0502040204020203" pitchFamily="34" charset="0"/>
+              </a:defRPr>
+            </a:lvl5pPr>
+            <a:lvl6pPr marL="2514600" indent="-228600" algn="l" defTabSz="914400" rtl="0" eaLnBrk="1" latinLnBrk="0" hangingPunct="1">
+              <a:lnSpc>
+                <a:spcPct val="90000"/>
+              </a:lnSpc>
+              <a:spcBef>
+                <a:spcPts val="500"/>
+              </a:spcBef>
+              <a:buFont typeface="Arial" panose="020B0604020202020204" pitchFamily="34" charset="0"/>
+              <a:buChar char="•"/>
+              <a:defRPr sz="1800" kern="1200">
+                <a:solidFill>
+                  <a:schemeClr val="tx1"/>
+                </a:solidFill>
+                <a:latin typeface="+mn-lt"/>
+                <a:ea typeface="+mn-ea"/>
+                <a:cs typeface="+mn-cs"/>
+              </a:defRPr>
+            </a:lvl6pPr>
+            <a:lvl7pPr marL="2971800" indent="-228600" algn="l" defTabSz="914400" rtl="0" eaLnBrk="1" latinLnBrk="0" hangingPunct="1">
+              <a:lnSpc>
+                <a:spcPct val="90000"/>
+              </a:lnSpc>
+              <a:spcBef>
+                <a:spcPts val="500"/>
+              </a:spcBef>
+              <a:buFont typeface="Arial" panose="020B0604020202020204" pitchFamily="34" charset="0"/>
+              <a:buChar char="•"/>
+              <a:defRPr sz="1800" kern="1200">
+                <a:solidFill>
+                  <a:schemeClr val="tx1"/>
+                </a:solidFill>
+                <a:latin typeface="+mn-lt"/>
+                <a:ea typeface="+mn-ea"/>
+                <a:cs typeface="+mn-cs"/>
+              </a:defRPr>
+            </a:lvl7pPr>
+            <a:lvl8pPr marL="3429000" indent="-228600" algn="l" defTabSz="914400" rtl="0" eaLnBrk="1" latinLnBrk="0" hangingPunct="1">
+              <a:lnSpc>
+                <a:spcPct val="90000"/>
+              </a:lnSpc>
+              <a:spcBef>
+                <a:spcPts val="500"/>
+              </a:spcBef>
+              <a:buFont typeface="Arial" panose="020B0604020202020204" pitchFamily="34" charset="0"/>
+              <a:buChar char="•"/>
+              <a:defRPr sz="1800" kern="1200">
+                <a:solidFill>
+                  <a:schemeClr val="tx1"/>
+                </a:solidFill>
+                <a:latin typeface="+mn-lt"/>
+                <a:ea typeface="+mn-ea"/>
+                <a:cs typeface="+mn-cs"/>
+              </a:defRPr>
+            </a:lvl8pPr>
+            <a:lvl9pPr marL="3886200" indent="-228600" algn="l" defTabSz="914400" rtl="0" eaLnBrk="1" latinLnBrk="0" hangingPunct="1">
+              <a:lnSpc>
+                <a:spcPct val="90000"/>
+              </a:lnSpc>
+              <a:spcBef>
+                <a:spcPts val="500"/>
+              </a:spcBef>
+              <a:buFont typeface="Arial" panose="020B0604020202020204" pitchFamily="34" charset="0"/>
+              <a:buChar char="•"/>
+              <a:defRPr sz="1800" kern="1200">
+                <a:solidFill>
+                  <a:schemeClr val="tx1"/>
+                </a:solidFill>
+                <a:latin typeface="+mn-lt"/>
+                <a:ea typeface="+mn-ea"/>
+                <a:cs typeface="+mn-cs"/>
+              </a:defRPr>
+            </a:lvl9pPr>
+          </a:lstStyle>
+          <a:p>
+            <a:r>
+              <a:rPr lang="en-US" dirty="0">
+                <a:solidFill>
+                  <a:schemeClr val="tx1"/>
+                </a:solidFill>
+              </a:rPr>
+              <a:t>Proyecto </a:t>
+            </a:r>
+            <a:r>
+              <a:rPr lang="en-US" dirty="0" err="1">
+                <a:solidFill>
+                  <a:schemeClr val="tx1"/>
+                </a:solidFill>
+              </a:rPr>
+              <a:t>único</a:t>
+            </a:r>
+            <a:r>
+              <a:rPr lang="en-US" dirty="0">
+                <a:solidFill>
+                  <a:schemeClr val="tx1"/>
+                </a:solidFill>
+              </a:rPr>
+              <a:t>, un </a:t>
+            </a:r>
+            <a:r>
+              <a:rPr lang="en-US" dirty="0" err="1">
+                <a:solidFill>
+                  <a:schemeClr val="tx1"/>
+                </a:solidFill>
+              </a:rPr>
+              <a:t>lenguaje</a:t>
+            </a:r>
+            <a:r>
+              <a:rPr lang="en-US" dirty="0">
+                <a:solidFill>
+                  <a:schemeClr val="tx1"/>
+                </a:solidFill>
+              </a:rPr>
+              <a:t>, multiples </a:t>
+            </a:r>
+            <a:r>
+              <a:rPr lang="en-US" dirty="0" err="1">
+                <a:solidFill>
+                  <a:schemeClr val="tx1"/>
+                </a:solidFill>
+              </a:rPr>
+              <a:t>plataformas</a:t>
+            </a:r>
+            <a:r>
+              <a:rPr lang="en-US" dirty="0">
+                <a:solidFill>
+                  <a:schemeClr val="tx1"/>
+                </a:solidFill>
+              </a:rPr>
+              <a:t>: Android, iOS, macOS, &amp; Windows.</a:t>
+            </a:r>
+          </a:p>
+        </p:txBody>
+      </p:sp>
+    </p:spTree>
+    <p:extLst>
+      <p:ext uri="{BB962C8B-B14F-4D97-AF65-F5344CB8AC3E}">
+        <p14:creationId xmlns:p14="http://schemas.microsoft.com/office/powerpoint/2010/main" val="4019213906"/>
+      </p:ext>
+    </p:extLst>
+  </p:cSld>
+  <p:clrMapOvr>
+    <a:masterClrMapping/>
+  </p:clrMapOvr>
+</p:sld>
+</file>
+
+<file path=ppt/slides/slide3.xml><?xml version="1.0" encoding="utf-8"?>
+<p:sld xmlns:a="http://schemas.openxmlformats.org/drawingml/2006/main" xmlns:r="http://schemas.openxmlformats.org/officeDocument/2006/relationships" xmlns:p="http://schemas.openxmlformats.org/presentationml/2006/main">
+  <p:cSld>
+    <p:spTree>
+      <p:nvGrpSpPr>
+        <p:cNvPr id="1" name=""/>
+        <p:cNvGrpSpPr/>
+        <p:nvPr/>
+      </p:nvGrpSpPr>
+      <p:grpSpPr>
+        <a:xfrm>
+          <a:off x="0" y="0"/>
+          <a:ext cx="0" cy="0"/>
+          <a:chOff x="0" y="0"/>
+          <a:chExt cx="0" cy="0"/>
+        </a:xfrm>
+      </p:grpSpPr>
+      <p:sp>
+        <p:nvSpPr>
+          <p:cNvPr id="3" name="Title 2">
+            <a:extLst>
+              <a:ext uri="{FF2B5EF4-FFF2-40B4-BE49-F238E27FC236}">
+                <a16:creationId xmlns:a16="http://schemas.microsoft.com/office/drawing/2014/main" id="{652E2BA4-9FC0-4828-A940-3704183398DF}"/>
+              </a:ext>
+            </a:extLst>
+          </p:cNvPr>
+          <p:cNvSpPr>
+            <a:spLocks noGrp="1"/>
+          </p:cNvSpPr>
+          <p:nvPr>
+            <p:ph type="title"/>
+          </p:nvPr>
+        </p:nvSpPr>
+        <p:spPr/>
+        <p:txBody>
+          <a:bodyPr/>
+          <a:lstStyle/>
+          <a:p>
+            <a:r>
+              <a:rPr lang="es-ES" sz="7200" dirty="0">
+                <a:solidFill>
+                  <a:schemeClr val="bg1"/>
+                </a:solidFill>
+              </a:rPr>
+              <a:t>1. Cross-</a:t>
+            </a:r>
+            <a:r>
+              <a:rPr lang="es-ES" sz="7200" dirty="0" err="1">
+                <a:solidFill>
+                  <a:schemeClr val="bg1"/>
+                </a:solidFill>
+              </a:rPr>
+              <a:t>Platform</a:t>
+            </a:r>
+            <a:r>
+              <a:rPr lang="es-ES" sz="7200" dirty="0">
+                <a:solidFill>
+                  <a:schemeClr val="bg1"/>
+                </a:solidFill>
+              </a:rPr>
+              <a:t> UI</a:t>
+            </a:r>
+            <a:endParaRPr lang="en-US" sz="7200" dirty="0">
+              <a:solidFill>
+                <a:schemeClr val="bg1"/>
+              </a:solidFill>
+            </a:endParaRPr>
+          </a:p>
+        </p:txBody>
+      </p:sp>
+    </p:spTree>
+    <p:extLst>
+      <p:ext uri="{BB962C8B-B14F-4D97-AF65-F5344CB8AC3E}">
+        <p14:creationId xmlns:p14="http://schemas.microsoft.com/office/powerpoint/2010/main" val="970838278"/>
+      </p:ext>
+    </p:extLst>
+  </p:cSld>
+  <p:clrMapOvr>
+    <a:masterClrMapping/>
+  </p:clrMapOvr>
+  <p:transition spd="med"/>
+</p:sld>
+</file>
+
+<file path=ppt/slides/slide4.xml><?xml version="1.0" encoding="utf-8"?>
+<p:sld xmlns:a="http://schemas.openxmlformats.org/drawingml/2006/main" xmlns:r="http://schemas.openxmlformats.org/officeDocument/2006/relationships" xmlns:p="http://schemas.openxmlformats.org/presentationml/2006/main">
+  <p:cSld>
+    <p:spTree>
+      <p:nvGrpSpPr>
+        <p:cNvPr id="1" name=""/>
+        <p:cNvGrpSpPr/>
+        <p:nvPr/>
+      </p:nvGrpSpPr>
+      <p:grpSpPr>
+        <a:xfrm>
+          <a:off x="0" y="0"/>
+          <a:ext cx="0" cy="0"/>
+          <a:chOff x="0" y="0"/>
+          <a:chExt cx="0" cy="0"/>
+        </a:xfrm>
+      </p:grpSpPr>
+      <p:pic>
+        <p:nvPicPr>
+          <p:cNvPr id="32" name="Graphic 31" descr="Smart Phone with solid fill">
+            <a:extLst>
+              <a:ext uri="{FF2B5EF4-FFF2-40B4-BE49-F238E27FC236}">
+                <a16:creationId xmlns:a16="http://schemas.microsoft.com/office/drawing/2014/main" id="{1334854A-F2ED-47A0-BF6F-8B3F698D9C4A}"/>
+              </a:ext>
+            </a:extLst>
+          </p:cNvPr>
+          <p:cNvPicPr>
+            <a:picLocks noChangeAspect="1"/>
+          </p:cNvPicPr>
+          <p:nvPr/>
+        </p:nvPicPr>
+        <p:blipFill>
+          <a:blip r:embed="rId2">
+            <a:extLst>
+              <a:ext uri="{96DAC541-7B7A-43D3-8B79-37D633B846F1}">
+                <asvg:svgBlip xmlns:asvg="http://schemas.microsoft.com/office/drawing/2016/SVG/main" r:embed="rId3"/>
+              </a:ext>
+            </a:extLst>
+          </a:blip>
+          <a:stretch>
+            <a:fillRect/>
+          </a:stretch>
+        </p:blipFill>
+        <p:spPr>
+          <a:xfrm>
+            <a:off x="5778639" y="2737429"/>
+            <a:ext cx="2064696" cy="1983248"/>
+          </a:xfrm>
+          <a:prstGeom prst="rect">
+            <a:avLst/>
+          </a:prstGeom>
+        </p:spPr>
+      </p:pic>
+      <p:pic>
+        <p:nvPicPr>
+          <p:cNvPr id="29" name="Picture 28">
+            <a:extLst>
+              <a:ext uri="{FF2B5EF4-FFF2-40B4-BE49-F238E27FC236}">
+                <a16:creationId xmlns:a16="http://schemas.microsoft.com/office/drawing/2014/main" id="{ECBBA70F-805C-4BF9-AECD-2A4BA0C674EC}"/>
+              </a:ext>
+            </a:extLst>
+          </p:cNvPr>
+          <p:cNvPicPr>
+            <a:picLocks noChangeAspect="1"/>
+          </p:cNvPicPr>
+          <p:nvPr/>
+        </p:nvPicPr>
+        <p:blipFill>
+          <a:blip r:embed="rId4"/>
+          <a:stretch>
+            <a:fillRect/>
+          </a:stretch>
+        </p:blipFill>
+        <p:spPr>
+          <a:xfrm>
+            <a:off x="8004706" y="3307145"/>
+            <a:ext cx="521230" cy="708087"/>
+          </a:xfrm>
+          <a:prstGeom prst="rect">
+            <a:avLst/>
+          </a:prstGeom>
+          <a:solidFill>
+            <a:srgbClr val="7030A0"/>
+          </a:solidFill>
+          <a:ln>
+            <a:solidFill>
+              <a:srgbClr val="7030A0"/>
+            </a:solidFill>
+          </a:ln>
+        </p:spPr>
+      </p:pic>
+      <p:pic>
+        <p:nvPicPr>
+          <p:cNvPr id="30" name="Graphic 29" descr="Smart Phone outline">
+            <a:extLst>
+              <a:ext uri="{FF2B5EF4-FFF2-40B4-BE49-F238E27FC236}">
+                <a16:creationId xmlns:a16="http://schemas.microsoft.com/office/drawing/2014/main" id="{A9EBCC57-3615-4A5C-A4C9-0873156B6311}"/>
+              </a:ext>
+            </a:extLst>
+          </p:cNvPr>
+          <p:cNvPicPr>
+            <a:picLocks noChangeAspect="1"/>
+          </p:cNvPicPr>
+          <p:nvPr/>
+        </p:nvPicPr>
+        <p:blipFill>
+          <a:blip r:embed="rId5">
+            <a:extLst>
+              <a:ext uri="{96DAC541-7B7A-43D3-8B79-37D633B846F1}">
+                <asvg:svgBlip xmlns:asvg="http://schemas.microsoft.com/office/drawing/2016/SVG/main" r:embed="rId6"/>
+              </a:ext>
+            </a:extLst>
+          </a:blip>
+          <a:stretch>
+            <a:fillRect/>
+          </a:stretch>
+        </p:blipFill>
+        <p:spPr>
+          <a:xfrm>
+            <a:off x="7335224" y="2650574"/>
+            <a:ext cx="1860195" cy="2070103"/>
+          </a:xfrm>
+          <a:prstGeom prst="rect">
+            <a:avLst/>
+          </a:prstGeom>
+        </p:spPr>
+      </p:pic>
+      <p:pic>
+        <p:nvPicPr>
+          <p:cNvPr id="28" name="Graphic 27" descr="Laptop with solid fill">
+            <a:extLst>
+              <a:ext uri="{FF2B5EF4-FFF2-40B4-BE49-F238E27FC236}">
+                <a16:creationId xmlns:a16="http://schemas.microsoft.com/office/drawing/2014/main" id="{240183AA-7FF3-4715-A0AD-4F6E04F29C46}"/>
+              </a:ext>
+            </a:extLst>
+          </p:cNvPr>
+          <p:cNvPicPr>
+            <a:picLocks noChangeAspect="1"/>
+          </p:cNvPicPr>
+          <p:nvPr/>
+        </p:nvPicPr>
+        <p:blipFill>
+          <a:blip r:embed="rId7">
+            <a:extLst>
+              <a:ext uri="{96DAC541-7B7A-43D3-8B79-37D633B846F1}">
+                <asvg:svgBlip xmlns:asvg="http://schemas.microsoft.com/office/drawing/2016/SVG/main" r:embed="rId8"/>
+              </a:ext>
+            </a:extLst>
+          </a:blip>
+          <a:stretch>
+            <a:fillRect/>
+          </a:stretch>
+        </p:blipFill>
+        <p:spPr>
+          <a:xfrm>
+            <a:off x="3335270" y="2389410"/>
+            <a:ext cx="2782696" cy="2782696"/>
+          </a:xfrm>
+          <a:prstGeom prst="rect">
+            <a:avLst/>
+          </a:prstGeom>
+        </p:spPr>
+      </p:pic>
+      <p:grpSp>
+        <p:nvGrpSpPr>
+          <p:cNvPr id="21" name="Group 42">
+            <a:extLst>
+              <a:ext uri="{FF2B5EF4-FFF2-40B4-BE49-F238E27FC236}">
+                <a16:creationId xmlns:a16="http://schemas.microsoft.com/office/drawing/2014/main" id="{63064C47-4B62-4975-B6FC-DEB83EF39F0A}"/>
+              </a:ext>
+            </a:extLst>
+          </p:cNvPr>
+          <p:cNvGrpSpPr>
+            <a:grpSpLocks noChangeAspect="1"/>
+          </p:cNvGrpSpPr>
+          <p:nvPr/>
+        </p:nvGrpSpPr>
+        <p:grpSpPr bwMode="auto">
+          <a:xfrm>
+            <a:off x="1547347" y="3390317"/>
+            <a:ext cx="546633" cy="566667"/>
+            <a:chOff x="3492" y="1769"/>
+            <a:chExt cx="854" cy="864"/>
+          </a:xfrm>
+          <a:solidFill>
+            <a:srgbClr val="7030A0"/>
+          </a:solidFill>
+        </p:grpSpPr>
+        <p:sp>
+          <p:nvSpPr>
+            <p:cNvPr id="23" name="Freeform 43">
+              <a:extLst>
+                <a:ext uri="{FF2B5EF4-FFF2-40B4-BE49-F238E27FC236}">
+                  <a16:creationId xmlns:a16="http://schemas.microsoft.com/office/drawing/2014/main" id="{876B7433-D092-4D4B-92B7-82A66F038141}"/>
+                </a:ext>
+              </a:extLst>
+            </p:cNvPr>
+            <p:cNvSpPr>
+              <a:spLocks/>
+            </p:cNvSpPr>
+            <p:nvPr/>
+          </p:nvSpPr>
+          <p:spPr bwMode="auto">
+            <a:xfrm>
+              <a:off x="3872" y="1769"/>
+              <a:ext cx="474" cy="413"/>
+            </a:xfrm>
+            <a:custGeom>
+              <a:avLst/>
+              <a:gdLst>
+                <a:gd name="T0" fmla="*/ 0 w 474"/>
+                <a:gd name="T1" fmla="*/ 413 h 413"/>
+                <a:gd name="T2" fmla="*/ 474 w 474"/>
+                <a:gd name="T3" fmla="*/ 413 h 413"/>
+                <a:gd name="T4" fmla="*/ 474 w 474"/>
+                <a:gd name="T5" fmla="*/ 0 h 413"/>
+                <a:gd name="T6" fmla="*/ 0 w 474"/>
+                <a:gd name="T7" fmla="*/ 69 h 413"/>
+                <a:gd name="T8" fmla="*/ 0 w 474"/>
+                <a:gd name="T9" fmla="*/ 413 h 413"/>
+              </a:gdLst>
+              <a:ahLst/>
+              <a:cxnLst>
+                <a:cxn ang="0">
+                  <a:pos x="T0" y="T1"/>
+                </a:cxn>
+                <a:cxn ang="0">
+                  <a:pos x="T2" y="T3"/>
+                </a:cxn>
+                <a:cxn ang="0">
+                  <a:pos x="T4" y="T5"/>
+                </a:cxn>
+                <a:cxn ang="0">
+                  <a:pos x="T6" y="T7"/>
+                </a:cxn>
+                <a:cxn ang="0">
+                  <a:pos x="T8" y="T9"/>
+                </a:cxn>
+              </a:cxnLst>
+              <a:rect l="0" t="0" r="r" b="b"/>
+              <a:pathLst>
+                <a:path w="474" h="413">
+                  <a:moveTo>
+                    <a:pt x="0" y="413"/>
+                  </a:moveTo>
+                  <a:lnTo>
+                    <a:pt x="474" y="413"/>
+                  </a:lnTo>
+                  <a:lnTo>
+                    <a:pt x="474" y="0"/>
+                  </a:lnTo>
+                  <a:lnTo>
+                    <a:pt x="0" y="69"/>
+                  </a:lnTo>
+                  <a:lnTo>
+                    <a:pt x="0" y="413"/>
+                  </a:lnTo>
+                  <a:close/>
+                </a:path>
+              </a:pathLst>
+            </a:custGeom>
+            <a:grpFill/>
+            <a:ln w="9525">
+              <a:solidFill>
+                <a:srgbClr val="7030A0"/>
+              </a:solidFill>
+              <a:round/>
+              <a:headEnd/>
+              <a:tailEnd/>
+            </a:ln>
+          </p:spPr>
+          <p:txBody>
+            <a:bodyPr vert="horz" wrap="square" lIns="89630" tIns="44814" rIns="89630" bIns="44814" numCol="1" anchor="t" anchorCtr="0" compatLnSpc="1">
+              <a:prstTxWarp prst="textNoShape">
+                <a:avLst/>
+              </a:prstTxWarp>
+            </a:bodyPr>
+            <a:lstStyle/>
+            <a:p>
+              <a:pPr marL="0" marR="0" lvl="0" indent="0" algn="l" defTabSz="914225" rtl="0" eaLnBrk="1" fontAlgn="auto" latinLnBrk="0" hangingPunct="1">
+                <a:lnSpc>
+                  <a:spcPct val="100000"/>
+                </a:lnSpc>
+                <a:spcBef>
+                  <a:spcPts val="0"/>
+                </a:spcBef>
+                <a:spcAft>
+                  <a:spcPts val="0"/>
+                </a:spcAft>
+                <a:buClrTx/>
+                <a:buSzTx/>
+                <a:buFontTx/>
+                <a:buNone/>
+                <a:tabLst/>
+                <a:defRPr/>
+              </a:pPr>
+              <a:endParaRPr kumimoji="0" lang="en-US" sz="1765" b="0" i="0" u="none" strike="noStrike" kern="0" cap="none" spc="0" normalizeH="0" baseline="0" noProof="0">
+                <a:ln>
+                  <a:noFill/>
+                </a:ln>
+                <a:gradFill>
+                  <a:gsLst>
+                    <a:gs pos="1333">
+                      <a:prstClr val="white"/>
+                    </a:gs>
+                    <a:gs pos="8000">
+                      <a:prstClr val="white"/>
+                    </a:gs>
+                  </a:gsLst>
+                  <a:lin ang="5400000" scaled="0"/>
+                </a:gradFill>
+                <a:effectLst/>
+                <a:uLnTx/>
+                <a:uFillTx/>
+                <a:latin typeface="Open Sans" panose="020B0606030504020204" pitchFamily="34" charset="0"/>
+                <a:ea typeface="Open Sans" panose="020B0606030504020204" pitchFamily="34" charset="0"/>
+                <a:cs typeface="Open Sans" panose="020B0606030504020204" pitchFamily="34" charset="0"/>
+              </a:endParaRPr>
+            </a:p>
+          </p:txBody>
+        </p:sp>
+        <p:sp>
+          <p:nvSpPr>
+            <p:cNvPr id="24" name="Freeform 44">
+              <a:extLst>
+                <a:ext uri="{FF2B5EF4-FFF2-40B4-BE49-F238E27FC236}">
+                  <a16:creationId xmlns:a16="http://schemas.microsoft.com/office/drawing/2014/main" id="{AD1AB037-8C41-4D0E-BD34-30892B287323}"/>
+                </a:ext>
+              </a:extLst>
+            </p:cNvPr>
+            <p:cNvSpPr>
+              <a:spLocks/>
+            </p:cNvSpPr>
+            <p:nvPr/>
+          </p:nvSpPr>
+          <p:spPr bwMode="auto">
+            <a:xfrm>
+              <a:off x="3492" y="1844"/>
+              <a:ext cx="345" cy="338"/>
+            </a:xfrm>
+            <a:custGeom>
+              <a:avLst/>
+              <a:gdLst>
+                <a:gd name="T0" fmla="*/ 345 w 345"/>
+                <a:gd name="T1" fmla="*/ 338 h 338"/>
+                <a:gd name="T2" fmla="*/ 345 w 345"/>
+                <a:gd name="T3" fmla="*/ 0 h 338"/>
+                <a:gd name="T4" fmla="*/ 0 w 345"/>
+                <a:gd name="T5" fmla="*/ 50 h 338"/>
+                <a:gd name="T6" fmla="*/ 0 w 345"/>
+                <a:gd name="T7" fmla="*/ 338 h 338"/>
+                <a:gd name="T8" fmla="*/ 345 w 345"/>
+                <a:gd name="T9" fmla="*/ 338 h 338"/>
+              </a:gdLst>
+              <a:ahLst/>
+              <a:cxnLst>
+                <a:cxn ang="0">
+                  <a:pos x="T0" y="T1"/>
+                </a:cxn>
+                <a:cxn ang="0">
+                  <a:pos x="T2" y="T3"/>
+                </a:cxn>
+                <a:cxn ang="0">
+                  <a:pos x="T4" y="T5"/>
+                </a:cxn>
+                <a:cxn ang="0">
+                  <a:pos x="T6" y="T7"/>
+                </a:cxn>
+                <a:cxn ang="0">
+                  <a:pos x="T8" y="T9"/>
+                </a:cxn>
+              </a:cxnLst>
+              <a:rect l="0" t="0" r="r" b="b"/>
+              <a:pathLst>
+                <a:path w="345" h="338">
+                  <a:moveTo>
+                    <a:pt x="345" y="338"/>
+                  </a:moveTo>
+                  <a:lnTo>
+                    <a:pt x="345" y="0"/>
+                  </a:lnTo>
+                  <a:lnTo>
+                    <a:pt x="0" y="50"/>
+                  </a:lnTo>
+                  <a:lnTo>
+                    <a:pt x="0" y="338"/>
+                  </a:lnTo>
+                  <a:lnTo>
+                    <a:pt x="345" y="338"/>
+                  </a:lnTo>
+                  <a:close/>
+                </a:path>
+              </a:pathLst>
+            </a:custGeom>
+            <a:grpFill/>
+            <a:ln w="9525">
+              <a:solidFill>
+                <a:srgbClr val="7030A0"/>
+              </a:solidFill>
+              <a:round/>
+              <a:headEnd/>
+              <a:tailEnd/>
+            </a:ln>
+          </p:spPr>
+          <p:txBody>
+            <a:bodyPr vert="horz" wrap="square" lIns="89630" tIns="44814" rIns="89630" bIns="44814" numCol="1" anchor="t" anchorCtr="0" compatLnSpc="1">
+              <a:prstTxWarp prst="textNoShape">
+                <a:avLst/>
+              </a:prstTxWarp>
+            </a:bodyPr>
+            <a:lstStyle/>
+            <a:p>
+              <a:pPr marL="0" marR="0" lvl="0" indent="0" algn="l" defTabSz="914225" rtl="0" eaLnBrk="1" fontAlgn="auto" latinLnBrk="0" hangingPunct="1">
+                <a:lnSpc>
+                  <a:spcPct val="100000"/>
+                </a:lnSpc>
+                <a:spcBef>
+                  <a:spcPts val="0"/>
+                </a:spcBef>
+                <a:spcAft>
+                  <a:spcPts val="0"/>
+                </a:spcAft>
+                <a:buClrTx/>
+                <a:buSzTx/>
+                <a:buFontTx/>
+                <a:buNone/>
+                <a:tabLst/>
+                <a:defRPr/>
+              </a:pPr>
+              <a:endParaRPr kumimoji="0" lang="en-US" sz="1765" b="0" i="0" u="none" strike="noStrike" kern="0" cap="none" spc="0" normalizeH="0" baseline="0" noProof="0">
+                <a:ln>
+                  <a:noFill/>
+                </a:ln>
+                <a:gradFill>
+                  <a:gsLst>
+                    <a:gs pos="1333">
+                      <a:prstClr val="white"/>
+                    </a:gs>
+                    <a:gs pos="8000">
+                      <a:prstClr val="white"/>
+                    </a:gs>
+                  </a:gsLst>
+                  <a:lin ang="5400000" scaled="0"/>
+                </a:gradFill>
+                <a:effectLst/>
+                <a:uLnTx/>
+                <a:uFillTx/>
+                <a:latin typeface="Open Sans" panose="020B0606030504020204" pitchFamily="34" charset="0"/>
+                <a:ea typeface="Open Sans" panose="020B0606030504020204" pitchFamily="34" charset="0"/>
+                <a:cs typeface="Open Sans" panose="020B0606030504020204" pitchFamily="34" charset="0"/>
+              </a:endParaRPr>
+            </a:p>
+          </p:txBody>
+        </p:sp>
+        <p:sp>
+          <p:nvSpPr>
+            <p:cNvPr id="25" name="Freeform 45">
+              <a:extLst>
+                <a:ext uri="{FF2B5EF4-FFF2-40B4-BE49-F238E27FC236}">
+                  <a16:creationId xmlns:a16="http://schemas.microsoft.com/office/drawing/2014/main" id="{844C8C1E-7909-4737-BCB8-4159CD6BC03D}"/>
+                </a:ext>
+              </a:extLst>
+            </p:cNvPr>
+            <p:cNvSpPr>
+              <a:spLocks/>
+            </p:cNvSpPr>
+            <p:nvPr/>
+          </p:nvSpPr>
+          <p:spPr bwMode="auto">
+            <a:xfrm>
+              <a:off x="3492" y="2214"/>
+              <a:ext cx="345" cy="345"/>
+            </a:xfrm>
+            <a:custGeom>
+              <a:avLst/>
+              <a:gdLst>
+                <a:gd name="T0" fmla="*/ 345 w 345"/>
+                <a:gd name="T1" fmla="*/ 0 h 345"/>
+                <a:gd name="T2" fmla="*/ 0 w 345"/>
+                <a:gd name="T3" fmla="*/ 0 h 345"/>
+                <a:gd name="T4" fmla="*/ 0 w 345"/>
+                <a:gd name="T5" fmla="*/ 294 h 345"/>
+                <a:gd name="T6" fmla="*/ 345 w 345"/>
+                <a:gd name="T7" fmla="*/ 345 h 345"/>
+                <a:gd name="T8" fmla="*/ 345 w 345"/>
+                <a:gd name="T9" fmla="*/ 0 h 345"/>
+              </a:gdLst>
+              <a:ahLst/>
+              <a:cxnLst>
+                <a:cxn ang="0">
+                  <a:pos x="T0" y="T1"/>
+                </a:cxn>
+                <a:cxn ang="0">
+                  <a:pos x="T2" y="T3"/>
+                </a:cxn>
+                <a:cxn ang="0">
+                  <a:pos x="T4" y="T5"/>
+                </a:cxn>
+                <a:cxn ang="0">
+                  <a:pos x="T6" y="T7"/>
+                </a:cxn>
+                <a:cxn ang="0">
+                  <a:pos x="T8" y="T9"/>
+                </a:cxn>
+              </a:cxnLst>
+              <a:rect l="0" t="0" r="r" b="b"/>
+              <a:pathLst>
+                <a:path w="345" h="345">
+                  <a:moveTo>
+                    <a:pt x="345" y="0"/>
+                  </a:moveTo>
+                  <a:lnTo>
+                    <a:pt x="0" y="0"/>
+                  </a:lnTo>
+                  <a:lnTo>
+                    <a:pt x="0" y="294"/>
+                  </a:lnTo>
+                  <a:lnTo>
+                    <a:pt x="345" y="345"/>
+                  </a:lnTo>
+                  <a:lnTo>
+                    <a:pt x="345" y="0"/>
+                  </a:lnTo>
+                  <a:close/>
+                </a:path>
+              </a:pathLst>
+            </a:custGeom>
+            <a:grpFill/>
+            <a:ln w="9525">
+              <a:solidFill>
+                <a:srgbClr val="7030A0"/>
+              </a:solidFill>
+              <a:round/>
+              <a:headEnd/>
+              <a:tailEnd/>
+            </a:ln>
+          </p:spPr>
+          <p:txBody>
+            <a:bodyPr vert="horz" wrap="square" lIns="89630" tIns="44814" rIns="89630" bIns="44814" numCol="1" anchor="t" anchorCtr="0" compatLnSpc="1">
+              <a:prstTxWarp prst="textNoShape">
+                <a:avLst/>
+              </a:prstTxWarp>
+            </a:bodyPr>
+            <a:lstStyle/>
+            <a:p>
+              <a:pPr marL="0" marR="0" lvl="0" indent="0" algn="l" defTabSz="914225" rtl="0" eaLnBrk="1" fontAlgn="auto" latinLnBrk="0" hangingPunct="1">
+                <a:lnSpc>
+                  <a:spcPct val="100000"/>
+                </a:lnSpc>
+                <a:spcBef>
+                  <a:spcPts val="0"/>
+                </a:spcBef>
+                <a:spcAft>
+                  <a:spcPts val="0"/>
+                </a:spcAft>
+                <a:buClrTx/>
+                <a:buSzTx/>
+                <a:buFontTx/>
+                <a:buNone/>
+                <a:tabLst/>
+                <a:defRPr/>
+              </a:pPr>
+              <a:endParaRPr kumimoji="0" lang="en-US" sz="1765" b="0" i="0" u="none" strike="noStrike" kern="0" cap="none" spc="0" normalizeH="0" baseline="0" noProof="0">
+                <a:ln>
+                  <a:noFill/>
+                </a:ln>
+                <a:gradFill>
+                  <a:gsLst>
+                    <a:gs pos="1333">
+                      <a:prstClr val="white"/>
+                    </a:gs>
+                    <a:gs pos="8000">
+                      <a:prstClr val="white"/>
+                    </a:gs>
+                  </a:gsLst>
+                  <a:lin ang="5400000" scaled="0"/>
+                </a:gradFill>
+                <a:effectLst/>
+                <a:uLnTx/>
+                <a:uFillTx/>
+                <a:latin typeface="Open Sans" panose="020B0606030504020204" pitchFamily="34" charset="0"/>
+                <a:ea typeface="Open Sans" panose="020B0606030504020204" pitchFamily="34" charset="0"/>
+                <a:cs typeface="Open Sans" panose="020B0606030504020204" pitchFamily="34" charset="0"/>
+              </a:endParaRPr>
+            </a:p>
+          </p:txBody>
+        </p:sp>
+        <p:sp>
+          <p:nvSpPr>
+            <p:cNvPr id="26" name="Freeform 46">
+              <a:extLst>
+                <a:ext uri="{FF2B5EF4-FFF2-40B4-BE49-F238E27FC236}">
+                  <a16:creationId xmlns:a16="http://schemas.microsoft.com/office/drawing/2014/main" id="{EFE8F829-5E24-4991-98A5-302E1A685C08}"/>
+                </a:ext>
+              </a:extLst>
+            </p:cNvPr>
+            <p:cNvSpPr>
+              <a:spLocks/>
+            </p:cNvSpPr>
+            <p:nvPr/>
+          </p:nvSpPr>
+          <p:spPr bwMode="auto">
+            <a:xfrm>
+              <a:off x="3872" y="2214"/>
+              <a:ext cx="474" cy="419"/>
+            </a:xfrm>
+            <a:custGeom>
+              <a:avLst/>
+              <a:gdLst>
+                <a:gd name="T0" fmla="*/ 0 w 474"/>
+                <a:gd name="T1" fmla="*/ 0 h 419"/>
+                <a:gd name="T2" fmla="*/ 0 w 474"/>
+                <a:gd name="T3" fmla="*/ 349 h 419"/>
+                <a:gd name="T4" fmla="*/ 474 w 474"/>
+                <a:gd name="T5" fmla="*/ 419 h 419"/>
+                <a:gd name="T6" fmla="*/ 474 w 474"/>
+                <a:gd name="T7" fmla="*/ 0 h 419"/>
+                <a:gd name="T8" fmla="*/ 0 w 474"/>
+                <a:gd name="T9" fmla="*/ 0 h 419"/>
+              </a:gdLst>
+              <a:ahLst/>
+              <a:cxnLst>
+                <a:cxn ang="0">
+                  <a:pos x="T0" y="T1"/>
+                </a:cxn>
+                <a:cxn ang="0">
+                  <a:pos x="T2" y="T3"/>
+                </a:cxn>
+                <a:cxn ang="0">
+                  <a:pos x="T4" y="T5"/>
+                </a:cxn>
+                <a:cxn ang="0">
+                  <a:pos x="T6" y="T7"/>
+                </a:cxn>
+                <a:cxn ang="0">
+                  <a:pos x="T8" y="T9"/>
+                </a:cxn>
+              </a:cxnLst>
+              <a:rect l="0" t="0" r="r" b="b"/>
+              <a:pathLst>
+                <a:path w="474" h="419">
+                  <a:moveTo>
+                    <a:pt x="0" y="0"/>
+                  </a:moveTo>
+                  <a:lnTo>
+                    <a:pt x="0" y="349"/>
+                  </a:lnTo>
+                  <a:lnTo>
+                    <a:pt x="474" y="419"/>
+                  </a:lnTo>
+                  <a:lnTo>
+                    <a:pt x="474" y="0"/>
+                  </a:lnTo>
+                  <a:lnTo>
+                    <a:pt x="0" y="0"/>
+                  </a:lnTo>
+                  <a:close/>
+                </a:path>
+              </a:pathLst>
+            </a:custGeom>
+            <a:grpFill/>
+            <a:ln w="9525">
+              <a:solidFill>
+                <a:srgbClr val="7030A0"/>
+              </a:solidFill>
+              <a:round/>
+              <a:headEnd/>
+              <a:tailEnd/>
+            </a:ln>
+          </p:spPr>
+          <p:txBody>
+            <a:bodyPr vert="horz" wrap="square" lIns="89630" tIns="44814" rIns="89630" bIns="44814" numCol="1" anchor="t" anchorCtr="0" compatLnSpc="1">
+              <a:prstTxWarp prst="textNoShape">
+                <a:avLst/>
+              </a:prstTxWarp>
+            </a:bodyPr>
+            <a:lstStyle/>
+            <a:p>
+              <a:pPr marL="0" marR="0" lvl="0" indent="0" algn="l" defTabSz="914225" rtl="0" eaLnBrk="1" fontAlgn="auto" latinLnBrk="0" hangingPunct="1">
+                <a:lnSpc>
+                  <a:spcPct val="100000"/>
+                </a:lnSpc>
+                <a:spcBef>
+                  <a:spcPts val="0"/>
+                </a:spcBef>
+                <a:spcAft>
+                  <a:spcPts val="0"/>
+                </a:spcAft>
+                <a:buClrTx/>
+                <a:buSzTx/>
+                <a:buFontTx/>
+                <a:buNone/>
+                <a:tabLst/>
+                <a:defRPr/>
+              </a:pPr>
+              <a:endParaRPr kumimoji="0" lang="en-US" sz="1765" b="0" i="0" u="none" strike="noStrike" kern="0" cap="none" spc="0" normalizeH="0" baseline="0" noProof="0">
+                <a:ln>
+                  <a:noFill/>
+                </a:ln>
+                <a:gradFill>
+                  <a:gsLst>
+                    <a:gs pos="1333">
+                      <a:prstClr val="white"/>
+                    </a:gs>
+                    <a:gs pos="8000">
+                      <a:prstClr val="white"/>
+                    </a:gs>
+                  </a:gsLst>
+                  <a:lin ang="5400000" scaled="0"/>
+                </a:gradFill>
+                <a:effectLst/>
+                <a:uLnTx/>
+                <a:uFillTx/>
+                <a:latin typeface="Open Sans" panose="020B0606030504020204" pitchFamily="34" charset="0"/>
+                <a:ea typeface="Open Sans" panose="020B0606030504020204" pitchFamily="34" charset="0"/>
+                <a:cs typeface="Open Sans" panose="020B0606030504020204" pitchFamily="34" charset="0"/>
+              </a:endParaRPr>
+            </a:p>
+          </p:txBody>
+        </p:sp>
+      </p:grpSp>
+      <p:pic>
+        <p:nvPicPr>
+          <p:cNvPr id="22" name="Graphic 21" descr="Laptop outline">
+            <a:extLst>
+              <a:ext uri="{FF2B5EF4-FFF2-40B4-BE49-F238E27FC236}">
+                <a16:creationId xmlns:a16="http://schemas.microsoft.com/office/drawing/2014/main" id="{D65E9240-3C3C-483D-938C-9381E6C1B809}"/>
+              </a:ext>
+            </a:extLst>
+          </p:cNvPr>
+          <p:cNvPicPr>
+            <a:picLocks noChangeAspect="1"/>
+          </p:cNvPicPr>
+          <p:nvPr/>
+        </p:nvPicPr>
+        <p:blipFill>
+          <a:blip r:embed="rId9">
+            <a:extLst>
+              <a:ext uri="{96DAC541-7B7A-43D3-8B79-37D633B846F1}">
+                <asvg:svgBlip xmlns:asvg="http://schemas.microsoft.com/office/drawing/2016/SVG/main" r:embed="rId10"/>
+              </a:ext>
+            </a:extLst>
+          </a:blip>
+          <a:stretch>
+            <a:fillRect/>
+          </a:stretch>
+        </p:blipFill>
+        <p:spPr>
+          <a:xfrm>
+            <a:off x="433286" y="2401636"/>
+            <a:ext cx="2782695" cy="2782695"/>
+          </a:xfrm>
+          <a:prstGeom prst="rect">
+            <a:avLst/>
+          </a:prstGeom>
+        </p:spPr>
+      </p:pic>
+      <p:pic>
+        <p:nvPicPr>
+          <p:cNvPr id="34" name="Graphic 33" descr="Tablet outline">
+            <a:extLst>
+              <a:ext uri="{FF2B5EF4-FFF2-40B4-BE49-F238E27FC236}">
+                <a16:creationId xmlns:a16="http://schemas.microsoft.com/office/drawing/2014/main" id="{407348AE-2EC6-416F-A212-6226BE959DC0}"/>
+              </a:ext>
+            </a:extLst>
+          </p:cNvPr>
+          <p:cNvPicPr>
+            <a:picLocks noChangeAspect="1"/>
+          </p:cNvPicPr>
+          <p:nvPr/>
+        </p:nvPicPr>
+        <p:blipFill>
+          <a:blip r:embed="rId11">
+            <a:extLst>
+              <a:ext uri="{96DAC541-7B7A-43D3-8B79-37D633B846F1}">
+                <asvg:svgBlip xmlns:asvg="http://schemas.microsoft.com/office/drawing/2016/SVG/main" r:embed="rId12"/>
+              </a:ext>
+            </a:extLst>
+          </a:blip>
+          <a:stretch>
+            <a:fillRect/>
+          </a:stretch>
+        </p:blipFill>
+        <p:spPr>
+          <a:xfrm>
+            <a:off x="9008470" y="1436424"/>
+            <a:ext cx="2594898" cy="2594898"/>
+          </a:xfrm>
+          <a:prstGeom prst="rect">
+            <a:avLst/>
+          </a:prstGeom>
+        </p:spPr>
+      </p:pic>
+      <p:pic>
+        <p:nvPicPr>
+          <p:cNvPr id="36" name="Graphic 35" descr="Tablet with solid fill">
+            <a:extLst>
+              <a:ext uri="{FF2B5EF4-FFF2-40B4-BE49-F238E27FC236}">
+                <a16:creationId xmlns:a16="http://schemas.microsoft.com/office/drawing/2014/main" id="{F74FD181-8D64-46C5-B015-72680DE435D3}"/>
+              </a:ext>
+            </a:extLst>
+          </p:cNvPr>
+          <p:cNvPicPr>
+            <a:picLocks noChangeAspect="1"/>
+          </p:cNvPicPr>
+          <p:nvPr/>
+        </p:nvPicPr>
+        <p:blipFill>
+          <a:blip r:embed="rId13">
+            <a:extLst>
+              <a:ext uri="{96DAC541-7B7A-43D3-8B79-37D633B846F1}">
+                <asvg:svgBlip xmlns:asvg="http://schemas.microsoft.com/office/drawing/2016/SVG/main" r:embed="rId14"/>
+              </a:ext>
+            </a:extLst>
+          </a:blip>
+          <a:stretch>
+            <a:fillRect/>
+          </a:stretch>
+        </p:blipFill>
+        <p:spPr>
+          <a:xfrm>
+            <a:off x="9008470" y="3097407"/>
+            <a:ext cx="2594898" cy="2594898"/>
+          </a:xfrm>
+          <a:prstGeom prst="rect">
+            <a:avLst/>
+          </a:prstGeom>
+        </p:spPr>
+      </p:pic>
+      <p:pic>
+        <p:nvPicPr>
+          <p:cNvPr id="42" name="Picture 41">
+            <a:extLst>
+              <a:ext uri="{FF2B5EF4-FFF2-40B4-BE49-F238E27FC236}">
+                <a16:creationId xmlns:a16="http://schemas.microsoft.com/office/drawing/2014/main" id="{1803E5AD-0EE4-4402-A923-A0563533D2FB}"/>
+              </a:ext>
+            </a:extLst>
+          </p:cNvPr>
+          <p:cNvPicPr>
+            <a:picLocks noChangeAspect="1"/>
+          </p:cNvPicPr>
+          <p:nvPr/>
+        </p:nvPicPr>
+        <p:blipFill>
+          <a:blip r:embed="rId4"/>
+          <a:stretch>
+            <a:fillRect/>
+          </a:stretch>
+        </p:blipFill>
+        <p:spPr>
+          <a:xfrm>
+            <a:off x="9947871" y="3908450"/>
+            <a:ext cx="716096" cy="972811"/>
+          </a:xfrm>
+          <a:prstGeom prst="rect">
+            <a:avLst/>
+          </a:prstGeom>
+          <a:solidFill>
+            <a:srgbClr val="7030A0"/>
+          </a:solidFill>
+          <a:ln>
+            <a:solidFill>
+              <a:srgbClr val="7030A0"/>
+            </a:solidFill>
+          </a:ln>
+        </p:spPr>
+      </p:pic>
+      <p:pic>
+        <p:nvPicPr>
+          <p:cNvPr id="1026" name="Picture 2">
+            <a:extLst>
+              <a:ext uri="{FF2B5EF4-FFF2-40B4-BE49-F238E27FC236}">
+                <a16:creationId xmlns:a16="http://schemas.microsoft.com/office/drawing/2014/main" id="{5B7F69F7-9F05-4AC2-9558-B0D09EBC4B5A}"/>
+              </a:ext>
+            </a:extLst>
+          </p:cNvPr>
+          <p:cNvPicPr>
+            <a:picLocks noChangeAspect="1" noChangeArrowheads="1"/>
+          </p:cNvPicPr>
+          <p:nvPr/>
+        </p:nvPicPr>
+        <p:blipFill>
+          <a:blip r:embed="rId15">
+            <a:duotone>
+              <a:schemeClr val="accent2">
+                <a:shade val="45000"/>
+                <a:satMod val="135000"/>
+              </a:schemeClr>
+              <a:prstClr val="white"/>
+            </a:duotone>
+            <a:extLst>
+              <a:ext uri="{BEBA8EAE-BF5A-486C-A8C5-ECC9F3942E4B}">
+                <a14:imgProps xmlns:a14="http://schemas.microsoft.com/office/drawing/2010/main">
+                  <a14:imgLayer r:embed="rId16">
+                    <a14:imgEffect>
+                      <a14:brightnessContrast bright="100000" contrast="100000"/>
+                    </a14:imgEffect>
+                  </a14:imgLayer>
+                </a14:imgProps>
+              </a:ext>
+              <a:ext uri="{28A0092B-C50C-407E-A947-70E740481C1C}">
+                <a14:useLocalDpi xmlns:a14="http://schemas.microsoft.com/office/drawing/2010/main" val="0"/>
+              </a:ext>
+            </a:extLst>
+          </a:blip>
+          <a:srcRect/>
+          <a:stretch>
+            <a:fillRect/>
+          </a:stretch>
+        </p:blipFill>
+        <p:spPr bwMode="auto">
+          <a:xfrm>
+            <a:off x="4330042" y="3245323"/>
+            <a:ext cx="769909" cy="769909"/>
+          </a:xfrm>
+          <a:prstGeom prst="rect">
+            <a:avLst/>
+          </a:prstGeom>
+          <a:solidFill>
+            <a:srgbClr val="7030A0"/>
+          </a:solidFill>
+          <a:ln>
+            <a:solidFill>
+              <a:srgbClr val="7030A0"/>
+            </a:solidFill>
+          </a:ln>
+        </p:spPr>
+      </p:pic>
+      <p:pic>
+        <p:nvPicPr>
+          <p:cNvPr id="1030" name="Picture 6" descr="Apple iOS Logo PNG Transparent &amp; SVG Vector - Freebie Supply">
+            <a:extLst>
+              <a:ext uri="{FF2B5EF4-FFF2-40B4-BE49-F238E27FC236}">
+                <a16:creationId xmlns:a16="http://schemas.microsoft.com/office/drawing/2014/main" id="{D29D08D7-41EC-4E3F-8C3F-01F0911A41BF}"/>
+              </a:ext>
+            </a:extLst>
+          </p:cNvPr>
+          <p:cNvPicPr>
+            <a:picLocks noChangeAspect="1" noChangeArrowheads="1"/>
+          </p:cNvPicPr>
+          <p:nvPr/>
+        </p:nvPicPr>
+        <p:blipFill>
+          <a:blip r:embed="rId17">
+            <a:biLevel thresh="25000"/>
+            <a:extLst>
+              <a:ext uri="{BEBA8EAE-BF5A-486C-A8C5-ECC9F3942E4B}">
+                <a14:imgProps xmlns:a14="http://schemas.microsoft.com/office/drawing/2010/main">
+                  <a14:imgLayer r:embed="rId18">
+                    <a14:imgEffect>
+                      <a14:brightnessContrast bright="100000" contrast="-100000"/>
+                    </a14:imgEffect>
+                  </a14:imgLayer>
+                </a14:imgProps>
+              </a:ext>
+              <a:ext uri="{28A0092B-C50C-407E-A947-70E740481C1C}">
+                <a14:useLocalDpi xmlns:a14="http://schemas.microsoft.com/office/drawing/2010/main" val="0"/>
+              </a:ext>
+            </a:extLst>
+          </a:blip>
+          <a:srcRect/>
+          <a:stretch>
+            <a:fillRect/>
+          </a:stretch>
+        </p:blipFill>
+        <p:spPr bwMode="auto">
+          <a:xfrm>
+            <a:off x="6427859" y="3401284"/>
+            <a:ext cx="745994" cy="559495"/>
+          </a:xfrm>
+          <a:prstGeom prst="rect">
+            <a:avLst/>
+          </a:prstGeom>
+          <a:solidFill>
+            <a:srgbClr val="7030A0"/>
+          </a:solidFill>
+          <a:ln>
+            <a:solidFill>
+              <a:srgbClr val="7030A0"/>
+            </a:solidFill>
+          </a:ln>
+        </p:spPr>
+      </p:pic>
+      <p:pic>
+        <p:nvPicPr>
+          <p:cNvPr id="1032" name="Picture 8">
+            <a:extLst>
+              <a:ext uri="{FF2B5EF4-FFF2-40B4-BE49-F238E27FC236}">
+                <a16:creationId xmlns:a16="http://schemas.microsoft.com/office/drawing/2014/main" id="{FB6AC03C-9234-4DF2-BB56-2B1EBB7C1C9B}"/>
+              </a:ext>
+            </a:extLst>
+          </p:cNvPr>
+          <p:cNvPicPr>
+            <a:picLocks noChangeAspect="1" noChangeArrowheads="1"/>
+          </p:cNvPicPr>
+          <p:nvPr/>
+        </p:nvPicPr>
+        <p:blipFill>
+          <a:blip r:embed="rId19">
+            <a:biLevel thresh="25000"/>
+            <a:extLst>
+              <a:ext uri="{BEBA8EAE-BF5A-486C-A8C5-ECC9F3942E4B}">
+                <a14:imgProps xmlns:a14="http://schemas.microsoft.com/office/drawing/2010/main">
+                  <a14:imgLayer r:embed="rId20">
+                    <a14:imgEffect>
+                      <a14:brightnessContrast bright="70000" contrast="-100000"/>
+                    </a14:imgEffect>
+                  </a14:imgLayer>
+                </a14:imgProps>
+              </a:ext>
+              <a:ext uri="{28A0092B-C50C-407E-A947-70E740481C1C}">
+                <a14:useLocalDpi xmlns:a14="http://schemas.microsoft.com/office/drawing/2010/main" val="0"/>
+              </a:ext>
+            </a:extLst>
+          </a:blip>
+          <a:srcRect/>
+          <a:stretch>
+            <a:fillRect/>
+          </a:stretch>
+        </p:blipFill>
+        <p:spPr bwMode="auto">
+          <a:xfrm>
+            <a:off x="9605344" y="2503997"/>
+            <a:ext cx="1401149" cy="459752"/>
+          </a:xfrm>
+          <a:prstGeom prst="rect">
+            <a:avLst/>
+          </a:prstGeom>
+          <a:solidFill>
+            <a:srgbClr val="7030A0"/>
+          </a:solidFill>
+          <a:ln>
+            <a:solidFill>
+              <a:srgbClr val="7030A0"/>
+            </a:solidFill>
+          </a:ln>
+        </p:spPr>
+      </p:pic>
+    </p:spTree>
+    <p:extLst>
+      <p:ext uri="{BB962C8B-B14F-4D97-AF65-F5344CB8AC3E}">
+        <p14:creationId xmlns:p14="http://schemas.microsoft.com/office/powerpoint/2010/main" val="2583299112"/>
+      </p:ext>
+    </p:extLst>
+  </p:cSld>
+  <p:clrMapOvr>
+    <a:masterClrMapping/>
+  </p:clrMapOvr>
+</p:sld>
+</file>
+
+<file path=ppt/slides/slide5.xml><?xml version="1.0" encoding="utf-8"?>
+<p:sld xmlns:a="http://schemas.openxmlformats.org/drawingml/2006/main" xmlns:r="http://schemas.openxmlformats.org/officeDocument/2006/relationships" xmlns:p="http://schemas.openxmlformats.org/presentationml/2006/main">
+  <p:cSld>
+    <p:spTree>
+      <p:nvGrpSpPr>
+        <p:cNvPr id="1" name=""/>
+        <p:cNvGrpSpPr/>
+        <p:nvPr/>
+      </p:nvGrpSpPr>
+      <p:grpSpPr>
+        <a:xfrm>
+          <a:off x="0" y="0"/>
+          <a:ext cx="0" cy="0"/>
+          <a:chOff x="0" y="0"/>
+          <a:chExt cx="0" cy="0"/>
+        </a:xfrm>
+      </p:grpSpPr>
+      <p:sp>
+        <p:nvSpPr>
+          <p:cNvPr id="3" name="Title 2">
+            <a:extLst>
+              <a:ext uri="{FF2B5EF4-FFF2-40B4-BE49-F238E27FC236}">
+                <a16:creationId xmlns:a16="http://schemas.microsoft.com/office/drawing/2014/main" id="{652E2BA4-9FC0-4828-A940-3704183398DF}"/>
+              </a:ext>
+            </a:extLst>
+          </p:cNvPr>
+          <p:cNvSpPr>
+            <a:spLocks noGrp="1"/>
+          </p:cNvSpPr>
+          <p:nvPr>
+            <p:ph type="title"/>
+          </p:nvPr>
+        </p:nvSpPr>
+        <p:spPr/>
+        <p:txBody>
+          <a:bodyPr/>
+          <a:lstStyle/>
+          <a:p>
+            <a:r>
+              <a:rPr lang="es-ES" sz="7200" dirty="0">
+                <a:solidFill>
+                  <a:schemeClr val="bg1"/>
+                </a:solidFill>
+              </a:rPr>
+              <a:t>2. Nativo e híbrido </a:t>
+            </a:r>
+            <a:endParaRPr lang="en-US" sz="7200" dirty="0">
+              <a:solidFill>
+                <a:schemeClr val="bg1"/>
+              </a:solidFill>
+            </a:endParaRPr>
+          </a:p>
+        </p:txBody>
+      </p:sp>
+    </p:spTree>
+    <p:extLst>
+      <p:ext uri="{BB962C8B-B14F-4D97-AF65-F5344CB8AC3E}">
+        <p14:creationId xmlns:p14="http://schemas.microsoft.com/office/powerpoint/2010/main" val="1506293019"/>
+      </p:ext>
+    </p:extLst>
+  </p:cSld>
+  <p:clrMapOvr>
+    <a:masterClrMapping/>
+  </p:clrMapOvr>
+  <p:transition spd="med"/>
+</p:sld>
+</file>
+
+<file path=ppt/slides/slide6.xml><?xml version="1.0" encoding="utf-8"?>
+<p:sld xmlns:a="http://schemas.openxmlformats.org/drawingml/2006/main" xmlns:r="http://schemas.openxmlformats.org/officeDocument/2006/relationships" xmlns:p="http://schemas.openxmlformats.org/presentationml/2006/main">
+  <p:cSld>
+    <p:spTree>
+      <p:nvGrpSpPr>
+        <p:cNvPr id="1" name=""/>
+        <p:cNvGrpSpPr/>
+        <p:nvPr/>
+      </p:nvGrpSpPr>
+      <p:grpSpPr>
+        <a:xfrm>
+          <a:off x="0" y="0"/>
+          <a:ext cx="0" cy="0"/>
+          <a:chOff x="0" y="0"/>
+          <a:chExt cx="0" cy="0"/>
+        </a:xfrm>
+      </p:grpSpPr>
+      <p:sp>
+        <p:nvSpPr>
+          <p:cNvPr id="95" name="Rectangle 94">
+            <a:extLst>
+              <a:ext uri="{FF2B5EF4-FFF2-40B4-BE49-F238E27FC236}">
+                <a16:creationId xmlns:a16="http://schemas.microsoft.com/office/drawing/2014/main" id="{ED61C909-FD0E-42D6-A41B-5E5ADE7B7A15}"/>
+              </a:ext>
+            </a:extLst>
+          </p:cNvPr>
+          <p:cNvSpPr/>
+          <p:nvPr/>
+        </p:nvSpPr>
+        <p:spPr bwMode="auto">
+          <a:xfrm>
+            <a:off x="701367" y="1830230"/>
+            <a:ext cx="4773746" cy="2467677"/>
+          </a:xfrm>
+          <a:prstGeom prst="rect">
+            <a:avLst/>
+          </a:prstGeom>
+          <a:solidFill>
+            <a:schemeClr val="accent3">
+              <a:lumMod val="75000"/>
+            </a:schemeClr>
+          </a:solidFill>
+          <a:ln>
+            <a:noFill/>
+            <a:headEnd type="none" w="med" len="med"/>
+            <a:tailEnd type="none" w="med" len="med"/>
+          </a:ln>
+          <a:effectLst/>
+        </p:spPr>
+        <p:style>
+          <a:lnRef idx="1">
+            <a:schemeClr val="accent2"/>
+          </a:lnRef>
+          <a:fillRef idx="3">
+            <a:schemeClr val="accent2"/>
+          </a:fillRef>
+          <a:effectRef idx="2">
+            <a:schemeClr val="accent2"/>
+          </a:effectRef>
+          <a:fontRef idx="minor">
+            <a:schemeClr val="lt1"/>
+          </a:fontRef>
+        </p:style>
+        <p:txBody>
+          <a:bodyPr rot="0" spcFirstLastPara="0" vertOverflow="overflow" horzOverflow="overflow" vert="horz" wrap="square" lIns="182854" tIns="146284" rIns="182854" bIns="146284" numCol="1" spcCol="0" rtlCol="0" fromWordArt="0" anchor="t" anchorCtr="0" forceAA="0" compatLnSpc="1">
+            <a:prstTxWarp prst="textNoShape">
+              <a:avLst/>
+            </a:prstTxWarp>
+            <a:noAutofit/>
+          </a:bodyPr>
+          <a:lstStyle/>
+          <a:p>
+            <a:pPr algn="ctr" defTabSz="932293" fontAlgn="base">
+              <a:spcBef>
+                <a:spcPct val="0"/>
+              </a:spcBef>
+              <a:spcAft>
+                <a:spcPct val="0"/>
+              </a:spcAft>
+              <a:defRPr/>
+            </a:pPr>
+            <a:endParaRPr lang="en-US" sz="2000" dirty="0">
+              <a:solidFill>
+                <a:schemeClr val="tx1">
+                  <a:lumMod val="50000"/>
+                </a:schemeClr>
+              </a:solidFill>
+              <a:latin typeface="Calibri" panose="020F0502020204030204"/>
+              <a:ea typeface="Segoe UI" pitchFamily="34" charset="0"/>
+              <a:cs typeface="Segoe UI" pitchFamily="34" charset="0"/>
+            </a:endParaRPr>
+          </a:p>
+        </p:txBody>
+      </p:sp>
+      <p:sp>
+        <p:nvSpPr>
+          <p:cNvPr id="2" name="Title 1">
+            <a:extLst>
+              <a:ext uri="{FF2B5EF4-FFF2-40B4-BE49-F238E27FC236}">
+                <a16:creationId xmlns:a16="http://schemas.microsoft.com/office/drawing/2014/main" id="{F8B7CA22-4E8B-4D82-B4E9-A37FA92B62C3}"/>
+              </a:ext>
+            </a:extLst>
+          </p:cNvPr>
+          <p:cNvSpPr>
+            <a:spLocks noGrp="1"/>
+          </p:cNvSpPr>
+          <p:nvPr>
+            <p:ph type="title"/>
+          </p:nvPr>
+        </p:nvSpPr>
+        <p:spPr/>
+        <p:txBody>
+          <a:bodyPr/>
+          <a:lstStyle/>
+          <a:p>
+            <a:r>
+              <a:rPr lang="en-US" dirty="0" err="1"/>
+              <a:t>Blazor</a:t>
+            </a:r>
+            <a:r>
+              <a:rPr lang="en-US" dirty="0"/>
+              <a:t> Desktop</a:t>
+            </a:r>
+          </a:p>
+        </p:txBody>
+      </p:sp>
+      <p:sp>
+        <p:nvSpPr>
+          <p:cNvPr id="26" name="Rectangle 25">
+            <a:extLst>
+              <a:ext uri="{FF2B5EF4-FFF2-40B4-BE49-F238E27FC236}">
+                <a16:creationId xmlns:a16="http://schemas.microsoft.com/office/drawing/2014/main" id="{FDB06875-8E0E-4BE2-8624-45F17DA9A002}"/>
+              </a:ext>
+            </a:extLst>
+          </p:cNvPr>
+          <p:cNvSpPr/>
+          <p:nvPr/>
+        </p:nvSpPr>
+        <p:spPr bwMode="auto">
+          <a:xfrm>
+            <a:off x="765230" y="3531407"/>
+            <a:ext cx="4646022" cy="706736"/>
+          </a:xfrm>
+          <a:prstGeom prst="rect">
+            <a:avLst/>
+          </a:prstGeom>
+          <a:solidFill>
+            <a:schemeClr val="accent1"/>
+          </a:solidFill>
+          <a:ln>
+            <a:noFill/>
+            <a:headEnd type="none" w="med" len="med"/>
+            <a:tailEnd type="none" w="med" len="med"/>
+          </a:ln>
+          <a:effectLst/>
+        </p:spPr>
+        <p:style>
+          <a:lnRef idx="1">
+            <a:schemeClr val="accent2"/>
+          </a:lnRef>
+          <a:fillRef idx="3">
+            <a:schemeClr val="accent2"/>
+          </a:fillRef>
+          <a:effectRef idx="2">
+            <a:schemeClr val="accent2"/>
+          </a:effectRef>
+          <a:fontRef idx="minor">
+            <a:schemeClr val="lt1"/>
+          </a:fontRef>
+        </p:style>
+        <p:txBody>
+          <a:bodyPr rot="0" spcFirstLastPara="0" vertOverflow="overflow" horzOverflow="overflow" vert="horz" wrap="square" lIns="182854" tIns="146284" rIns="182854" bIns="146284" numCol="1" spcCol="0" rtlCol="0" fromWordArt="0" anchor="t" anchorCtr="0" forceAA="0" compatLnSpc="1">
+            <a:prstTxWarp prst="textNoShape">
+              <a:avLst/>
+            </a:prstTxWarp>
+            <a:noAutofit/>
+          </a:bodyPr>
+          <a:lstStyle/>
+          <a:p>
+            <a:pPr algn="ctr" defTabSz="932293" fontAlgn="base">
+              <a:spcBef>
+                <a:spcPct val="0"/>
+              </a:spcBef>
+              <a:spcAft>
+                <a:spcPct val="0"/>
+              </a:spcAft>
+              <a:defRPr/>
+            </a:pPr>
+            <a:r>
+              <a:rPr lang="en-US" sz="2000" dirty="0">
+                <a:solidFill>
+                  <a:schemeClr val="bg1"/>
+                </a:solidFill>
+                <a:latin typeface="Calibri" panose="020F0502020204030204"/>
+                <a:ea typeface="Segoe UI" pitchFamily="34" charset="0"/>
+                <a:cs typeface="Segoe UI" pitchFamily="34" charset="0"/>
+              </a:rPr>
+              <a:t>.NET Multi-platform App UI</a:t>
+            </a:r>
+          </a:p>
+        </p:txBody>
+      </p:sp>
+      <p:sp>
+        <p:nvSpPr>
+          <p:cNvPr id="27" name="Rectangle 26">
+            <a:extLst>
+              <a:ext uri="{FF2B5EF4-FFF2-40B4-BE49-F238E27FC236}">
+                <a16:creationId xmlns:a16="http://schemas.microsoft.com/office/drawing/2014/main" id="{AE3FC6CB-0596-459D-84A8-3AA7FA2A12AB}"/>
+              </a:ext>
+            </a:extLst>
+          </p:cNvPr>
+          <p:cNvSpPr/>
+          <p:nvPr/>
+        </p:nvSpPr>
+        <p:spPr bwMode="auto">
+          <a:xfrm>
+            <a:off x="765230" y="1943620"/>
+            <a:ext cx="4646022" cy="706736"/>
+          </a:xfrm>
+          <a:prstGeom prst="rect">
+            <a:avLst/>
+          </a:prstGeom>
+          <a:solidFill>
+            <a:schemeClr val="accent1">
+              <a:lumMod val="60000"/>
+              <a:lumOff val="40000"/>
+            </a:schemeClr>
+          </a:solidFill>
+          <a:ln>
+            <a:noFill/>
+            <a:headEnd type="none" w="med" len="med"/>
+            <a:tailEnd type="none" w="med" len="med"/>
+          </a:ln>
+          <a:effectLst/>
+        </p:spPr>
+        <p:style>
+          <a:lnRef idx="1">
+            <a:schemeClr val="accent2"/>
+          </a:lnRef>
+          <a:fillRef idx="3">
+            <a:schemeClr val="accent2"/>
+          </a:fillRef>
+          <a:effectRef idx="2">
+            <a:schemeClr val="accent2"/>
+          </a:effectRef>
+          <a:fontRef idx="minor">
+            <a:schemeClr val="lt1"/>
+          </a:fontRef>
+        </p:style>
+        <p:txBody>
+          <a:bodyPr rot="0" spcFirstLastPara="0" vertOverflow="overflow" horzOverflow="overflow" vert="horz" wrap="square" lIns="182854" tIns="146284" rIns="182854" bIns="146284" numCol="1" spcCol="0" rtlCol="0" fromWordArt="0" anchor="t" anchorCtr="0" forceAA="0" compatLnSpc="1">
+            <a:prstTxWarp prst="textNoShape">
+              <a:avLst/>
+            </a:prstTxWarp>
+            <a:noAutofit/>
+          </a:bodyPr>
+          <a:lstStyle/>
+          <a:p>
+            <a:pPr algn="ctr" defTabSz="932293" fontAlgn="base">
+              <a:spcBef>
+                <a:spcPct val="0"/>
+              </a:spcBef>
+              <a:spcAft>
+                <a:spcPct val="0"/>
+              </a:spcAft>
+              <a:defRPr/>
+            </a:pPr>
+            <a:r>
+              <a:rPr lang="en-US" sz="2000" dirty="0">
+                <a:solidFill>
+                  <a:schemeClr val="bg1"/>
+                </a:solidFill>
+                <a:latin typeface="Calibri" panose="020F0502020204030204"/>
+                <a:ea typeface="Segoe UI" pitchFamily="34" charset="0"/>
+                <a:cs typeface="Segoe UI" pitchFamily="34" charset="0"/>
+              </a:rPr>
+              <a:t>Blazor</a:t>
+            </a:r>
+          </a:p>
+        </p:txBody>
+      </p:sp>
+      <p:cxnSp>
+        <p:nvCxnSpPr>
+          <p:cNvPr id="47" name="Straight Arrow Connector 46">
+            <a:extLst>
+              <a:ext uri="{FF2B5EF4-FFF2-40B4-BE49-F238E27FC236}">
+                <a16:creationId xmlns:a16="http://schemas.microsoft.com/office/drawing/2014/main" id="{C7C36C11-B267-4763-8471-64A0C2351A40}"/>
+              </a:ext>
+            </a:extLst>
+          </p:cNvPr>
+          <p:cNvCxnSpPr>
+            <a:cxnSpLocks/>
+            <a:stCxn id="27" idx="2"/>
+            <a:endCxn id="26" idx="0"/>
+          </p:cNvCxnSpPr>
+          <p:nvPr/>
+        </p:nvCxnSpPr>
+        <p:spPr>
+          <a:xfrm>
+            <a:off x="3088241" y="2650356"/>
+            <a:ext cx="0" cy="881049"/>
+          </a:xfrm>
+          <a:prstGeom prst="straightConnector1">
+            <a:avLst/>
+          </a:prstGeom>
+          <a:ln w="19050">
+            <a:solidFill>
+              <a:schemeClr val="tx1"/>
+            </a:solidFill>
+            <a:tailEnd type="triangle"/>
+          </a:ln>
+        </p:spPr>
+        <p:style>
+          <a:lnRef idx="1">
+            <a:schemeClr val="accent1"/>
+          </a:lnRef>
+          <a:fillRef idx="0">
+            <a:schemeClr val="accent1"/>
+          </a:fillRef>
+          <a:effectRef idx="0">
+            <a:schemeClr val="accent1"/>
+          </a:effectRef>
+          <a:fontRef idx="minor">
+            <a:schemeClr val="tx1"/>
+          </a:fontRef>
+        </p:style>
+      </p:cxnSp>
+      <p:sp>
+        <p:nvSpPr>
+          <p:cNvPr id="58" name="TextBox 57">
+            <a:extLst>
+              <a:ext uri="{FF2B5EF4-FFF2-40B4-BE49-F238E27FC236}">
+                <a16:creationId xmlns:a16="http://schemas.microsoft.com/office/drawing/2014/main" id="{7551D09C-9895-4D50-A489-ADF9E7B34245}"/>
+              </a:ext>
+            </a:extLst>
+          </p:cNvPr>
+          <p:cNvSpPr txBox="1"/>
+          <p:nvPr/>
+        </p:nvSpPr>
+        <p:spPr>
+          <a:xfrm>
+            <a:off x="6060122" y="1998042"/>
+            <a:ext cx="6131014" cy="2554545"/>
+          </a:xfrm>
+          <a:prstGeom prst="rect">
+            <a:avLst/>
+          </a:prstGeom>
+          <a:noFill/>
+        </p:spPr>
+        <p:txBody>
+          <a:bodyPr wrap="square">
+            <a:spAutoFit/>
+          </a:bodyPr>
+          <a:lstStyle/>
+          <a:p>
+            <a:pPr defTabSz="914225">
+              <a:defRPr/>
+            </a:pPr>
+            <a:r>
+              <a:rPr lang="en-US" sz="2000" dirty="0" err="1">
+                <a:solidFill>
+                  <a:schemeClr val="tx1">
+                    <a:lumMod val="50000"/>
+                  </a:schemeClr>
+                </a:solidFill>
+                <a:latin typeface="Open Sans" panose="020B0606030504020204" pitchFamily="34" charset="0"/>
+                <a:ea typeface="Open Sans" panose="020B0606030504020204" pitchFamily="34" charset="0"/>
+                <a:cs typeface="Open Sans" panose="020B0606030504020204" pitchFamily="34" charset="0"/>
+              </a:rPr>
+              <a:t>Reusar</a:t>
+            </a:r>
+            <a:r>
+              <a:rPr lang="en-US" sz="2000" dirty="0">
+                <a:solidFill>
+                  <a:schemeClr val="tx1">
+                    <a:lumMod val="50000"/>
+                  </a:schemeClr>
+                </a:solidFill>
+                <a:latin typeface="Open Sans" panose="020B0606030504020204" pitchFamily="34" charset="0"/>
+                <a:ea typeface="Open Sans" panose="020B0606030504020204" pitchFamily="34" charset="0"/>
+                <a:cs typeface="Open Sans" panose="020B0606030504020204" pitchFamily="34" charset="0"/>
+              </a:rPr>
+              <a:t> </a:t>
+            </a:r>
+            <a:r>
+              <a:rPr lang="en-US" sz="2000" dirty="0" err="1">
+                <a:solidFill>
+                  <a:schemeClr val="tx1">
+                    <a:lumMod val="50000"/>
+                  </a:schemeClr>
+                </a:solidFill>
+                <a:latin typeface="Open Sans" panose="020B0606030504020204" pitchFamily="34" charset="0"/>
+                <a:ea typeface="Open Sans" panose="020B0606030504020204" pitchFamily="34" charset="0"/>
+                <a:cs typeface="Open Sans" panose="020B0606030504020204" pitchFamily="34" charset="0"/>
+              </a:rPr>
+              <a:t>componentes</a:t>
+            </a:r>
+            <a:r>
+              <a:rPr lang="en-US" sz="2000" dirty="0">
+                <a:solidFill>
+                  <a:schemeClr val="tx1">
+                    <a:lumMod val="50000"/>
+                  </a:schemeClr>
+                </a:solidFill>
+                <a:latin typeface="Open Sans" panose="020B0606030504020204" pitchFamily="34" charset="0"/>
+                <a:ea typeface="Open Sans" panose="020B0606030504020204" pitchFamily="34" charset="0"/>
+                <a:cs typeface="Open Sans" panose="020B0606030504020204" pitchFamily="34" charset="0"/>
+              </a:rPr>
+              <a:t> UI entre </a:t>
+            </a:r>
+            <a:r>
+              <a:rPr lang="en-US" sz="2000" dirty="0" err="1">
+                <a:solidFill>
+                  <a:schemeClr val="tx1">
+                    <a:lumMod val="50000"/>
+                  </a:schemeClr>
+                </a:solidFill>
+                <a:latin typeface="Open Sans" panose="020B0606030504020204" pitchFamily="34" charset="0"/>
+                <a:ea typeface="Open Sans" panose="020B0606030504020204" pitchFamily="34" charset="0"/>
+                <a:cs typeface="Open Sans" panose="020B0606030504020204" pitchFamily="34" charset="0"/>
+              </a:rPr>
+              <a:t>nativo</a:t>
+            </a:r>
+            <a:r>
+              <a:rPr lang="en-US" sz="2000" dirty="0">
+                <a:solidFill>
+                  <a:schemeClr val="tx1">
+                    <a:lumMod val="50000"/>
+                  </a:schemeClr>
+                </a:solidFill>
+                <a:latin typeface="Open Sans" panose="020B0606030504020204" pitchFamily="34" charset="0"/>
+                <a:ea typeface="Open Sans" panose="020B0606030504020204" pitchFamily="34" charset="0"/>
+                <a:cs typeface="Open Sans" panose="020B0606030504020204" pitchFamily="34" charset="0"/>
+              </a:rPr>
+              <a:t> y web</a:t>
+            </a:r>
+          </a:p>
+          <a:p>
+            <a:pPr defTabSz="914225">
+              <a:defRPr/>
+            </a:pPr>
+            <a:endParaRPr lang="en-US" sz="2000" dirty="0">
+              <a:solidFill>
+                <a:schemeClr val="tx1">
+                  <a:lumMod val="50000"/>
+                </a:schemeClr>
+              </a:solidFill>
+              <a:latin typeface="Open Sans" panose="020B0606030504020204" pitchFamily="34" charset="0"/>
+              <a:ea typeface="Open Sans" panose="020B0606030504020204" pitchFamily="34" charset="0"/>
+              <a:cs typeface="Open Sans" panose="020B0606030504020204" pitchFamily="34" charset="0"/>
+            </a:endParaRPr>
+          </a:p>
+          <a:p>
+            <a:pPr defTabSz="914225">
+              <a:defRPr/>
+            </a:pPr>
+            <a:r>
+              <a:rPr lang="en-US" sz="2000" dirty="0" err="1">
+                <a:solidFill>
+                  <a:schemeClr val="tx1">
+                    <a:lumMod val="50000"/>
+                  </a:schemeClr>
+                </a:solidFill>
+                <a:latin typeface="Open Sans" panose="020B0606030504020204" pitchFamily="34" charset="0"/>
+                <a:ea typeface="Open Sans" panose="020B0606030504020204" pitchFamily="34" charset="0"/>
+                <a:cs typeface="Open Sans" panose="020B0606030504020204" pitchFamily="34" charset="0"/>
+              </a:rPr>
+              <a:t>Creado</a:t>
+            </a:r>
+            <a:r>
+              <a:rPr lang="en-US" sz="2000" dirty="0">
+                <a:solidFill>
+                  <a:schemeClr val="tx1">
+                    <a:lumMod val="50000"/>
+                  </a:schemeClr>
+                </a:solidFill>
+                <a:latin typeface="Open Sans" panose="020B0606030504020204" pitchFamily="34" charset="0"/>
+                <a:ea typeface="Open Sans" panose="020B0606030504020204" pitchFamily="34" charset="0"/>
+                <a:cs typeface="Open Sans" panose="020B0606030504020204" pitchFamily="34" charset="0"/>
+              </a:rPr>
+              <a:t> e </a:t>
+            </a:r>
+            <a:r>
+              <a:rPr lang="en-US" sz="2000" dirty="0" err="1">
+                <a:solidFill>
+                  <a:schemeClr val="tx1">
+                    <a:lumMod val="50000"/>
+                  </a:schemeClr>
+                </a:solidFill>
+                <a:latin typeface="Open Sans" panose="020B0606030504020204" pitchFamily="34" charset="0"/>
+                <a:ea typeface="Open Sans" panose="020B0606030504020204" pitchFamily="34" charset="0"/>
+                <a:cs typeface="Open Sans" panose="020B0606030504020204" pitchFamily="34" charset="0"/>
+              </a:rPr>
+              <a:t>encima</a:t>
+            </a:r>
+            <a:r>
+              <a:rPr lang="en-US" sz="2000" dirty="0">
+                <a:solidFill>
+                  <a:schemeClr val="tx1">
+                    <a:lumMod val="50000"/>
+                  </a:schemeClr>
+                </a:solidFill>
+                <a:latin typeface="Open Sans" panose="020B0606030504020204" pitchFamily="34" charset="0"/>
+                <a:ea typeface="Open Sans" panose="020B0606030504020204" pitchFamily="34" charset="0"/>
+                <a:cs typeface="Open Sans" panose="020B0606030504020204" pitchFamily="34" charset="0"/>
+              </a:rPr>
+              <a:t> de .NET Multi-platform App UI</a:t>
+            </a:r>
+          </a:p>
+          <a:p>
+            <a:pPr defTabSz="914225">
+              <a:defRPr/>
+            </a:pPr>
+            <a:endParaRPr lang="en-US" sz="2000" dirty="0">
+              <a:solidFill>
+                <a:schemeClr val="tx1">
+                  <a:lumMod val="50000"/>
+                </a:schemeClr>
+              </a:solidFill>
+              <a:latin typeface="Open Sans" panose="020B0606030504020204" pitchFamily="34" charset="0"/>
+              <a:ea typeface="Open Sans" panose="020B0606030504020204" pitchFamily="34" charset="0"/>
+              <a:cs typeface="Open Sans" panose="020B0606030504020204" pitchFamily="34" charset="0"/>
+            </a:endParaRPr>
+          </a:p>
+          <a:p>
+            <a:pPr defTabSz="914225">
+              <a:defRPr/>
+            </a:pPr>
+            <a:r>
+              <a:rPr lang="en-US" sz="2000" dirty="0" err="1">
+                <a:solidFill>
+                  <a:schemeClr val="tx1">
+                    <a:lumMod val="50000"/>
+                  </a:schemeClr>
+                </a:solidFill>
+                <a:latin typeface="Open Sans" panose="020B0606030504020204" pitchFamily="34" charset="0"/>
+                <a:ea typeface="Open Sans" panose="020B0606030504020204" pitchFamily="34" charset="0"/>
+                <a:cs typeface="Open Sans" panose="020B0606030504020204" pitchFamily="34" charset="0"/>
+              </a:rPr>
+              <a:t>Contenedor</a:t>
+            </a:r>
+            <a:r>
+              <a:rPr lang="en-US" sz="2000" dirty="0">
+                <a:solidFill>
+                  <a:schemeClr val="tx1">
+                    <a:lumMod val="50000"/>
+                  </a:schemeClr>
+                </a:solidFill>
+                <a:latin typeface="Open Sans" panose="020B0606030504020204" pitchFamily="34" charset="0"/>
+                <a:ea typeface="Open Sans" panose="020B0606030504020204" pitchFamily="34" charset="0"/>
+                <a:cs typeface="Open Sans" panose="020B0606030504020204" pitchFamily="34" charset="0"/>
+              </a:rPr>
+              <a:t> de app </a:t>
+            </a:r>
+            <a:r>
+              <a:rPr lang="en-US" sz="2000" dirty="0" err="1">
+                <a:solidFill>
+                  <a:schemeClr val="tx1">
+                    <a:lumMod val="50000"/>
+                  </a:schemeClr>
+                </a:solidFill>
+                <a:latin typeface="Open Sans" panose="020B0606030504020204" pitchFamily="34" charset="0"/>
+                <a:ea typeface="Open Sans" panose="020B0606030504020204" pitchFamily="34" charset="0"/>
+                <a:cs typeface="Open Sans" panose="020B0606030504020204" pitchFamily="34" charset="0"/>
+              </a:rPr>
+              <a:t>nativo</a:t>
+            </a:r>
+            <a:r>
+              <a:rPr lang="en-US" sz="2000" dirty="0">
+                <a:solidFill>
+                  <a:schemeClr val="tx1">
+                    <a:lumMod val="50000"/>
+                  </a:schemeClr>
+                </a:solidFill>
+                <a:latin typeface="Open Sans" panose="020B0606030504020204" pitchFamily="34" charset="0"/>
+                <a:ea typeface="Open Sans" panose="020B0606030504020204" pitchFamily="34" charset="0"/>
+                <a:cs typeface="Open Sans" panose="020B0606030504020204" pitchFamily="34" charset="0"/>
+              </a:rPr>
+              <a:t> &amp; embedded controls</a:t>
+            </a:r>
+          </a:p>
+          <a:p>
+            <a:pPr defTabSz="914225">
+              <a:defRPr/>
+            </a:pPr>
+            <a:endParaRPr lang="en-US" sz="2000" dirty="0">
+              <a:solidFill>
+                <a:schemeClr val="tx1">
+                  <a:lumMod val="50000"/>
+                </a:schemeClr>
+              </a:solidFill>
+              <a:latin typeface="Open Sans" panose="020B0606030504020204" pitchFamily="34" charset="0"/>
+              <a:ea typeface="Open Sans" panose="020B0606030504020204" pitchFamily="34" charset="0"/>
+              <a:cs typeface="Open Sans" panose="020B0606030504020204" pitchFamily="34" charset="0"/>
+            </a:endParaRPr>
+          </a:p>
+          <a:p>
+            <a:pPr defTabSz="914225">
+              <a:defRPr/>
+            </a:pPr>
+            <a:r>
+              <a:rPr lang="en-US" sz="2000" dirty="0">
+                <a:solidFill>
+                  <a:schemeClr val="tx1">
+                    <a:lumMod val="50000"/>
+                  </a:schemeClr>
+                </a:solidFill>
+                <a:latin typeface="Open Sans" panose="020B0606030504020204" pitchFamily="34" charset="0"/>
+                <a:ea typeface="Open Sans" panose="020B0606030504020204" pitchFamily="34" charset="0"/>
+                <a:cs typeface="Open Sans" panose="020B0606030504020204" pitchFamily="34" charset="0"/>
+              </a:rPr>
+              <a:t>Disponible con .NET 6</a:t>
+            </a:r>
+          </a:p>
+          <a:p>
+            <a:pPr defTabSz="914225">
+              <a:defRPr/>
+            </a:pPr>
+            <a:endParaRPr lang="en-US" sz="2000" dirty="0">
+              <a:solidFill>
+                <a:schemeClr val="tx1">
+                  <a:lumMod val="50000"/>
+                </a:schemeClr>
+              </a:solidFill>
+              <a:latin typeface="Open Sans" panose="020B0606030504020204" pitchFamily="34" charset="0"/>
+              <a:ea typeface="Open Sans" panose="020B0606030504020204" pitchFamily="34" charset="0"/>
+              <a:cs typeface="Open Sans" panose="020B0606030504020204" pitchFamily="34" charset="0"/>
+            </a:endParaRPr>
+          </a:p>
+        </p:txBody>
+      </p:sp>
+      <p:sp>
+        <p:nvSpPr>
+          <p:cNvPr id="59" name="TextBox 58">
+            <a:extLst>
+              <a:ext uri="{FF2B5EF4-FFF2-40B4-BE49-F238E27FC236}">
+                <a16:creationId xmlns:a16="http://schemas.microsoft.com/office/drawing/2014/main" id="{B2A5154F-A27E-428B-8DEA-337E74808812}"/>
+              </a:ext>
+            </a:extLst>
+          </p:cNvPr>
+          <p:cNvSpPr txBox="1"/>
+          <p:nvPr/>
+        </p:nvSpPr>
+        <p:spPr>
+          <a:xfrm>
+            <a:off x="1632123" y="2760302"/>
+            <a:ext cx="2948357" cy="584775"/>
+          </a:xfrm>
+          <a:prstGeom prst="rect">
+            <a:avLst/>
+          </a:prstGeom>
+          <a:solidFill>
+            <a:schemeClr val="accent3">
+              <a:lumMod val="75000"/>
+            </a:schemeClr>
+          </a:solidFill>
+        </p:spPr>
+        <p:txBody>
+          <a:bodyPr wrap="square" rtlCol="0">
+            <a:spAutoFit/>
+          </a:bodyPr>
+          <a:lstStyle/>
+          <a:p>
+            <a:pPr algn="ctr" defTabSz="914225"/>
+            <a:r>
+              <a:rPr lang="en-US" sz="1600" dirty="0" err="1">
+                <a:solidFill>
+                  <a:schemeClr val="bg1"/>
+                </a:solidFill>
+                <a:latin typeface="Calibri" panose="020F0502020204030204"/>
+              </a:rPr>
+              <a:t>Puede</a:t>
+            </a:r>
+            <a:r>
+              <a:rPr lang="en-US" sz="1600" dirty="0">
+                <a:solidFill>
+                  <a:schemeClr val="bg1"/>
+                </a:solidFill>
+                <a:latin typeface="Calibri" panose="020F0502020204030204"/>
+              </a:rPr>
+              <a:t> usar la App </a:t>
+            </a:r>
+            <a:r>
+              <a:rPr lang="en-US" sz="1600" dirty="0" err="1">
+                <a:solidFill>
+                  <a:schemeClr val="bg1"/>
+                </a:solidFill>
+                <a:latin typeface="Calibri" panose="020F0502020204030204"/>
+              </a:rPr>
+              <a:t>nativa</a:t>
+            </a:r>
+            <a:r>
+              <a:rPr lang="en-US" sz="1600" dirty="0">
+                <a:solidFill>
+                  <a:schemeClr val="bg1"/>
+                </a:solidFill>
+                <a:latin typeface="Calibri" panose="020F0502020204030204"/>
+              </a:rPr>
+              <a:t> </a:t>
+            </a:r>
+          </a:p>
+          <a:p>
+            <a:pPr algn="ctr" defTabSz="914225"/>
+            <a:r>
+              <a:rPr lang="en-US" sz="1600" dirty="0">
+                <a:solidFill>
+                  <a:schemeClr val="bg1"/>
+                </a:solidFill>
+                <a:latin typeface="Calibri" panose="020F0502020204030204"/>
+              </a:rPr>
+              <a:t>container &amp; </a:t>
+            </a:r>
+            <a:r>
+              <a:rPr lang="en-US" sz="1600" dirty="0" err="1">
+                <a:solidFill>
+                  <a:schemeClr val="bg1"/>
+                </a:solidFill>
+                <a:latin typeface="Calibri" panose="020F0502020204030204"/>
+              </a:rPr>
+              <a:t>controles</a:t>
+            </a:r>
+            <a:endParaRPr lang="en-US" sz="1600" dirty="0">
+              <a:solidFill>
+                <a:schemeClr val="bg1"/>
+              </a:solidFill>
+              <a:latin typeface="Calibri" panose="020F0502020204030204"/>
+            </a:endParaRPr>
+          </a:p>
+        </p:txBody>
+      </p:sp>
+      <p:grpSp>
+        <p:nvGrpSpPr>
+          <p:cNvPr id="101" name="Group 100">
+            <a:extLst>
+              <a:ext uri="{FF2B5EF4-FFF2-40B4-BE49-F238E27FC236}">
+                <a16:creationId xmlns:a16="http://schemas.microsoft.com/office/drawing/2014/main" id="{DC10BD96-D92F-4701-8074-6C365248ED4B}"/>
+              </a:ext>
+            </a:extLst>
+          </p:cNvPr>
+          <p:cNvGrpSpPr/>
+          <p:nvPr/>
+        </p:nvGrpSpPr>
+        <p:grpSpPr>
+          <a:xfrm>
+            <a:off x="765230" y="4244039"/>
+            <a:ext cx="2153052" cy="1514016"/>
+            <a:chOff x="764473" y="4244154"/>
+            <a:chExt cx="2153357" cy="1514231"/>
+          </a:xfrm>
+        </p:grpSpPr>
+        <p:grpSp>
+          <p:nvGrpSpPr>
+            <p:cNvPr id="60" name="Group 59">
+              <a:extLst>
+                <a:ext uri="{FF2B5EF4-FFF2-40B4-BE49-F238E27FC236}">
+                  <a16:creationId xmlns:a16="http://schemas.microsoft.com/office/drawing/2014/main" id="{A9497378-CACC-4A01-8401-89D2FAEB62A6}"/>
+                </a:ext>
+              </a:extLst>
+            </p:cNvPr>
+            <p:cNvGrpSpPr/>
+            <p:nvPr/>
+          </p:nvGrpSpPr>
+          <p:grpSpPr>
+            <a:xfrm>
+              <a:off x="764473" y="4835245"/>
+              <a:ext cx="2153357" cy="923140"/>
+              <a:chOff x="769916" y="4835245"/>
+              <a:chExt cx="2153357" cy="923140"/>
+            </a:xfrm>
+          </p:grpSpPr>
+          <p:grpSp>
+            <p:nvGrpSpPr>
+              <p:cNvPr id="63" name="Group 62">
+                <a:extLst>
+                  <a:ext uri="{FF2B5EF4-FFF2-40B4-BE49-F238E27FC236}">
+                    <a16:creationId xmlns:a16="http://schemas.microsoft.com/office/drawing/2014/main" id="{8DE6328E-6608-4E8E-A0AF-07479F168F3B}"/>
+                  </a:ext>
+                </a:extLst>
+              </p:cNvPr>
+              <p:cNvGrpSpPr/>
+              <p:nvPr/>
+            </p:nvGrpSpPr>
+            <p:grpSpPr>
+              <a:xfrm>
+                <a:off x="2008873" y="4843985"/>
+                <a:ext cx="914400" cy="914400"/>
+                <a:chOff x="1986003" y="5319061"/>
+                <a:chExt cx="914400" cy="914400"/>
+              </a:xfrm>
+            </p:grpSpPr>
+            <p:sp>
+              <p:nvSpPr>
+                <p:cNvPr id="71" name="TextBox 70">
+                  <a:extLst>
+                    <a:ext uri="{FF2B5EF4-FFF2-40B4-BE49-F238E27FC236}">
+                      <a16:creationId xmlns:a16="http://schemas.microsoft.com/office/drawing/2014/main" id="{B0D43546-D4CC-499D-8CFA-F2AF1D686428}"/>
+                    </a:ext>
+                  </a:extLst>
+                </p:cNvPr>
+                <p:cNvSpPr txBox="1"/>
+                <p:nvPr/>
+              </p:nvSpPr>
+              <p:spPr>
+                <a:xfrm>
+                  <a:off x="2143092" y="5591892"/>
+                  <a:ext cx="627095" cy="280718"/>
+                </a:xfrm>
+                <a:prstGeom prst="rect">
+                  <a:avLst/>
+                </a:prstGeom>
+                <a:noFill/>
+              </p:spPr>
+              <p:txBody>
+                <a:bodyPr wrap="none" rtlCol="0">
+                  <a:spAutoFit/>
+                </a:bodyPr>
+                <a:lstStyle/>
+                <a:p>
+                  <a:pPr defTabSz="914225"/>
+                  <a:r>
+                    <a:rPr lang="en-US" sz="1200" dirty="0">
+                      <a:solidFill>
+                        <a:schemeClr val="tx1">
+                          <a:lumMod val="50000"/>
+                        </a:schemeClr>
+                      </a:solidFill>
+                      <a:latin typeface="Calibri" panose="020F0502020204030204"/>
+                    </a:rPr>
+                    <a:t>macOS</a:t>
+                  </a:r>
+                </a:p>
+              </p:txBody>
+            </p:sp>
+            <p:pic>
+              <p:nvPicPr>
+                <p:cNvPr id="72" name="Graphic 71" descr="Laptop with solid fill">
+                  <a:extLst>
+                    <a:ext uri="{FF2B5EF4-FFF2-40B4-BE49-F238E27FC236}">
+                      <a16:creationId xmlns:a16="http://schemas.microsoft.com/office/drawing/2014/main" id="{2AB24816-B64D-471C-A2E9-151FF7AEBBCB}"/>
+                    </a:ext>
+                  </a:extLst>
+                </p:cNvPr>
+                <p:cNvPicPr>
+                  <a:picLocks noChangeAspect="1"/>
+                </p:cNvPicPr>
+                <p:nvPr/>
+              </p:nvPicPr>
+              <p:blipFill>
+                <a:blip r:embed="rId3">
+                  <a:extLst>
+                    <a:ext uri="{96DAC541-7B7A-43D3-8B79-37D633B846F1}">
+                      <asvg:svgBlip xmlns:asvg="http://schemas.microsoft.com/office/drawing/2016/SVG/main" r:embed="rId4"/>
+                    </a:ext>
+                  </a:extLst>
+                </a:blip>
+                <a:stretch>
+                  <a:fillRect/>
+                </a:stretch>
+              </p:blipFill>
+              <p:spPr>
+                <a:xfrm>
+                  <a:off x="1986003" y="5319061"/>
+                  <a:ext cx="914400" cy="914400"/>
+                </a:xfrm>
+                <a:prstGeom prst="rect">
+                  <a:avLst/>
+                </a:prstGeom>
+              </p:spPr>
+            </p:pic>
+          </p:grpSp>
+          <p:grpSp>
+            <p:nvGrpSpPr>
+              <p:cNvPr id="64" name="Group 63">
+                <a:extLst>
+                  <a:ext uri="{FF2B5EF4-FFF2-40B4-BE49-F238E27FC236}">
+                    <a16:creationId xmlns:a16="http://schemas.microsoft.com/office/drawing/2014/main" id="{3CF4B09B-E6D9-4726-939D-FE154B5A1A84}"/>
+                  </a:ext>
+                </a:extLst>
+              </p:cNvPr>
+              <p:cNvGrpSpPr/>
+              <p:nvPr/>
+            </p:nvGrpSpPr>
+            <p:grpSpPr>
+              <a:xfrm>
+                <a:off x="769916" y="4835245"/>
+                <a:ext cx="914400" cy="914400"/>
+                <a:chOff x="769916" y="4835245"/>
+                <a:chExt cx="914400" cy="914400"/>
+              </a:xfrm>
+            </p:grpSpPr>
+            <p:grpSp>
+              <p:nvGrpSpPr>
+                <p:cNvPr id="65" name="Group 42">
+                  <a:extLst>
+                    <a:ext uri="{FF2B5EF4-FFF2-40B4-BE49-F238E27FC236}">
+                      <a16:creationId xmlns:a16="http://schemas.microsoft.com/office/drawing/2014/main" id="{68C6853C-CDE3-433D-9BCA-D31A1B7A11B0}"/>
+                    </a:ext>
+                  </a:extLst>
+                </p:cNvPr>
+                <p:cNvGrpSpPr>
+                  <a:grpSpLocks noChangeAspect="1"/>
+                </p:cNvGrpSpPr>
+                <p:nvPr/>
+              </p:nvGrpSpPr>
+              <p:grpSpPr bwMode="auto">
+                <a:xfrm>
+                  <a:off x="1135999" y="5160128"/>
+                  <a:ext cx="179625" cy="186208"/>
+                  <a:chOff x="3492" y="1769"/>
+                  <a:chExt cx="854" cy="864"/>
+                </a:xfrm>
+                <a:solidFill>
+                  <a:srgbClr val="FFFFFF"/>
+                </a:solidFill>
+              </p:grpSpPr>
+              <p:sp>
+                <p:nvSpPr>
+                  <p:cNvPr id="67" name="Freeform 43">
+                    <a:extLst>
+                      <a:ext uri="{FF2B5EF4-FFF2-40B4-BE49-F238E27FC236}">
+                        <a16:creationId xmlns:a16="http://schemas.microsoft.com/office/drawing/2014/main" id="{FC9DD702-664A-4D21-9DF8-7BC935DC3BF3}"/>
+                      </a:ext>
+                    </a:extLst>
+                  </p:cNvPr>
+                  <p:cNvSpPr>
+                    <a:spLocks/>
+                  </p:cNvSpPr>
+                  <p:nvPr/>
+                </p:nvSpPr>
+                <p:spPr bwMode="auto">
+                  <a:xfrm>
+                    <a:off x="3872" y="1769"/>
+                    <a:ext cx="474" cy="413"/>
+                  </a:xfrm>
+                  <a:custGeom>
+                    <a:avLst/>
+                    <a:gdLst>
+                      <a:gd name="T0" fmla="*/ 0 w 474"/>
+                      <a:gd name="T1" fmla="*/ 413 h 413"/>
+                      <a:gd name="T2" fmla="*/ 474 w 474"/>
+                      <a:gd name="T3" fmla="*/ 413 h 413"/>
+                      <a:gd name="T4" fmla="*/ 474 w 474"/>
+                      <a:gd name="T5" fmla="*/ 0 h 413"/>
+                      <a:gd name="T6" fmla="*/ 0 w 474"/>
+                      <a:gd name="T7" fmla="*/ 69 h 413"/>
+                      <a:gd name="T8" fmla="*/ 0 w 474"/>
+                      <a:gd name="T9" fmla="*/ 413 h 413"/>
+                    </a:gdLst>
+                    <a:ahLst/>
+                    <a:cxnLst>
+                      <a:cxn ang="0">
+                        <a:pos x="T0" y="T1"/>
+                      </a:cxn>
+                      <a:cxn ang="0">
+                        <a:pos x="T2" y="T3"/>
+                      </a:cxn>
+                      <a:cxn ang="0">
+                        <a:pos x="T4" y="T5"/>
+                      </a:cxn>
+                      <a:cxn ang="0">
+                        <a:pos x="T6" y="T7"/>
+                      </a:cxn>
+                      <a:cxn ang="0">
+                        <a:pos x="T8" y="T9"/>
+                      </a:cxn>
+                    </a:cxnLst>
+                    <a:rect l="0" t="0" r="r" b="b"/>
+                    <a:pathLst>
+                      <a:path w="474" h="413">
+                        <a:moveTo>
+                          <a:pt x="0" y="413"/>
+                        </a:moveTo>
+                        <a:lnTo>
+                          <a:pt x="474" y="413"/>
+                        </a:lnTo>
+                        <a:lnTo>
+                          <a:pt x="474" y="0"/>
+                        </a:lnTo>
+                        <a:lnTo>
+                          <a:pt x="0" y="69"/>
+                        </a:lnTo>
+                        <a:lnTo>
+                          <a:pt x="0" y="413"/>
+                        </a:lnTo>
+                        <a:close/>
+                      </a:path>
+                    </a:pathLst>
+                  </a:custGeom>
+                  <a:grpFill/>
+                  <a:ln>
+                    <a:noFill/>
+                  </a:ln>
+                  <a:extLst>
+                    <a:ext uri="{91240B29-F687-4F45-9708-019B960494DF}">
+                      <a14:hiddenLine xmlns:a14="http://schemas.microsoft.com/office/drawing/2010/main" w="9525">
+                        <a:solidFill>
+                          <a:srgbClr val="000000"/>
+                        </a:solidFill>
+                        <a:round/>
+                        <a:headEnd/>
+                        <a:tailEnd/>
+                      </a14:hiddenLine>
+                    </a:ext>
+                  </a:extLst>
+                </p:spPr>
+                <p:txBody>
+                  <a:bodyPr vert="horz" wrap="square" lIns="89617" tIns="44808" rIns="89617" bIns="44808" numCol="1" anchor="t" anchorCtr="0" compatLnSpc="1">
+                    <a:prstTxWarp prst="textNoShape">
+                      <a:avLst/>
+                    </a:prstTxWarp>
+                  </a:bodyPr>
+                  <a:lstStyle/>
+                  <a:p>
+                    <a:pPr defTabSz="914049">
+                      <a:defRPr/>
+                    </a:pPr>
+                    <a:endParaRPr lang="en-US" sz="1765" kern="0">
+                      <a:solidFill>
+                        <a:schemeClr val="tx1">
+                          <a:lumMod val="50000"/>
+                        </a:schemeClr>
+                      </a:solidFill>
+                      <a:latin typeface="Calibri" panose="020F0502020204030204"/>
+                    </a:endParaRPr>
+                  </a:p>
+                </p:txBody>
+              </p:sp>
+              <p:sp>
+                <p:nvSpPr>
+                  <p:cNvPr id="68" name="Freeform 44">
+                    <a:extLst>
+                      <a:ext uri="{FF2B5EF4-FFF2-40B4-BE49-F238E27FC236}">
+                        <a16:creationId xmlns:a16="http://schemas.microsoft.com/office/drawing/2014/main" id="{4A9E4DCC-038C-4673-8C72-20860F4C4EE5}"/>
+                      </a:ext>
+                    </a:extLst>
+                  </p:cNvPr>
+                  <p:cNvSpPr>
+                    <a:spLocks/>
+                  </p:cNvSpPr>
+                  <p:nvPr/>
+                </p:nvSpPr>
+                <p:spPr bwMode="auto">
+                  <a:xfrm>
+                    <a:off x="3492" y="1844"/>
+                    <a:ext cx="345" cy="338"/>
+                  </a:xfrm>
+                  <a:custGeom>
+                    <a:avLst/>
+                    <a:gdLst>
+                      <a:gd name="T0" fmla="*/ 345 w 345"/>
+                      <a:gd name="T1" fmla="*/ 338 h 338"/>
+                      <a:gd name="T2" fmla="*/ 345 w 345"/>
+                      <a:gd name="T3" fmla="*/ 0 h 338"/>
+                      <a:gd name="T4" fmla="*/ 0 w 345"/>
+                      <a:gd name="T5" fmla="*/ 50 h 338"/>
+                      <a:gd name="T6" fmla="*/ 0 w 345"/>
+                      <a:gd name="T7" fmla="*/ 338 h 338"/>
+                      <a:gd name="T8" fmla="*/ 345 w 345"/>
+                      <a:gd name="T9" fmla="*/ 338 h 338"/>
+                    </a:gdLst>
+                    <a:ahLst/>
+                    <a:cxnLst>
+                      <a:cxn ang="0">
+                        <a:pos x="T0" y="T1"/>
+                      </a:cxn>
+                      <a:cxn ang="0">
+                        <a:pos x="T2" y="T3"/>
+                      </a:cxn>
+                      <a:cxn ang="0">
+                        <a:pos x="T4" y="T5"/>
+                      </a:cxn>
+                      <a:cxn ang="0">
+                        <a:pos x="T6" y="T7"/>
+                      </a:cxn>
+                      <a:cxn ang="0">
+                        <a:pos x="T8" y="T9"/>
+                      </a:cxn>
+                    </a:cxnLst>
+                    <a:rect l="0" t="0" r="r" b="b"/>
+                    <a:pathLst>
+                      <a:path w="345" h="338">
+                        <a:moveTo>
+                          <a:pt x="345" y="338"/>
+                        </a:moveTo>
+                        <a:lnTo>
+                          <a:pt x="345" y="0"/>
+                        </a:lnTo>
+                        <a:lnTo>
+                          <a:pt x="0" y="50"/>
+                        </a:lnTo>
+                        <a:lnTo>
+                          <a:pt x="0" y="338"/>
+                        </a:lnTo>
+                        <a:lnTo>
+                          <a:pt x="345" y="338"/>
+                        </a:lnTo>
+                        <a:close/>
+                      </a:path>
+                    </a:pathLst>
+                  </a:custGeom>
+                  <a:grpFill/>
+                  <a:ln>
+                    <a:noFill/>
+                  </a:ln>
+                  <a:extLst>
+                    <a:ext uri="{91240B29-F687-4F45-9708-019B960494DF}">
+                      <a14:hiddenLine xmlns:a14="http://schemas.microsoft.com/office/drawing/2010/main" w="9525">
+                        <a:solidFill>
+                          <a:srgbClr val="000000"/>
+                        </a:solidFill>
+                        <a:round/>
+                        <a:headEnd/>
+                        <a:tailEnd/>
+                      </a14:hiddenLine>
+                    </a:ext>
+                  </a:extLst>
+                </p:spPr>
+                <p:txBody>
+                  <a:bodyPr vert="horz" wrap="square" lIns="89617" tIns="44808" rIns="89617" bIns="44808" numCol="1" anchor="t" anchorCtr="0" compatLnSpc="1">
+                    <a:prstTxWarp prst="textNoShape">
+                      <a:avLst/>
+                    </a:prstTxWarp>
+                  </a:bodyPr>
+                  <a:lstStyle/>
+                  <a:p>
+                    <a:pPr defTabSz="914049">
+                      <a:defRPr/>
+                    </a:pPr>
+                    <a:endParaRPr lang="en-US" sz="1765" kern="0">
+                      <a:solidFill>
+                        <a:schemeClr val="tx1">
+                          <a:lumMod val="50000"/>
+                        </a:schemeClr>
+                      </a:solidFill>
+                      <a:latin typeface="Calibri" panose="020F0502020204030204"/>
+                    </a:endParaRPr>
+                  </a:p>
+                </p:txBody>
+              </p:sp>
+              <p:sp>
+                <p:nvSpPr>
+                  <p:cNvPr id="69" name="Freeform 45">
+                    <a:extLst>
+                      <a:ext uri="{FF2B5EF4-FFF2-40B4-BE49-F238E27FC236}">
+                        <a16:creationId xmlns:a16="http://schemas.microsoft.com/office/drawing/2014/main" id="{425FFAF6-0545-43EC-BF9C-36059B9D2FDA}"/>
+                      </a:ext>
+                    </a:extLst>
+                  </p:cNvPr>
+                  <p:cNvSpPr>
+                    <a:spLocks/>
+                  </p:cNvSpPr>
+                  <p:nvPr/>
+                </p:nvSpPr>
+                <p:spPr bwMode="auto">
+                  <a:xfrm>
+                    <a:off x="3492" y="2214"/>
+                    <a:ext cx="345" cy="345"/>
+                  </a:xfrm>
+                  <a:custGeom>
+                    <a:avLst/>
+                    <a:gdLst>
+                      <a:gd name="T0" fmla="*/ 345 w 345"/>
+                      <a:gd name="T1" fmla="*/ 0 h 345"/>
+                      <a:gd name="T2" fmla="*/ 0 w 345"/>
+                      <a:gd name="T3" fmla="*/ 0 h 345"/>
+                      <a:gd name="T4" fmla="*/ 0 w 345"/>
+                      <a:gd name="T5" fmla="*/ 294 h 345"/>
+                      <a:gd name="T6" fmla="*/ 345 w 345"/>
+                      <a:gd name="T7" fmla="*/ 345 h 345"/>
+                      <a:gd name="T8" fmla="*/ 345 w 345"/>
+                      <a:gd name="T9" fmla="*/ 0 h 345"/>
+                    </a:gdLst>
+                    <a:ahLst/>
+                    <a:cxnLst>
+                      <a:cxn ang="0">
+                        <a:pos x="T0" y="T1"/>
+                      </a:cxn>
+                      <a:cxn ang="0">
+                        <a:pos x="T2" y="T3"/>
+                      </a:cxn>
+                      <a:cxn ang="0">
+                        <a:pos x="T4" y="T5"/>
+                      </a:cxn>
+                      <a:cxn ang="0">
+                        <a:pos x="T6" y="T7"/>
+                      </a:cxn>
+                      <a:cxn ang="0">
+                        <a:pos x="T8" y="T9"/>
+                      </a:cxn>
+                    </a:cxnLst>
+                    <a:rect l="0" t="0" r="r" b="b"/>
+                    <a:pathLst>
+                      <a:path w="345" h="345">
+                        <a:moveTo>
+                          <a:pt x="345" y="0"/>
+                        </a:moveTo>
+                        <a:lnTo>
+                          <a:pt x="0" y="0"/>
+                        </a:lnTo>
+                        <a:lnTo>
+                          <a:pt x="0" y="294"/>
+                        </a:lnTo>
+                        <a:lnTo>
+                          <a:pt x="345" y="345"/>
+                        </a:lnTo>
+                        <a:lnTo>
+                          <a:pt x="345" y="0"/>
+                        </a:lnTo>
+                        <a:close/>
+                      </a:path>
+                    </a:pathLst>
+                  </a:custGeom>
+                  <a:grpFill/>
+                  <a:ln>
+                    <a:noFill/>
+                  </a:ln>
+                  <a:extLst>
+                    <a:ext uri="{91240B29-F687-4F45-9708-019B960494DF}">
+                      <a14:hiddenLine xmlns:a14="http://schemas.microsoft.com/office/drawing/2010/main" w="9525">
+                        <a:solidFill>
+                          <a:srgbClr val="000000"/>
+                        </a:solidFill>
+                        <a:round/>
+                        <a:headEnd/>
+                        <a:tailEnd/>
+                      </a14:hiddenLine>
+                    </a:ext>
+                  </a:extLst>
+                </p:spPr>
+                <p:txBody>
+                  <a:bodyPr vert="horz" wrap="square" lIns="89617" tIns="44808" rIns="89617" bIns="44808" numCol="1" anchor="t" anchorCtr="0" compatLnSpc="1">
+                    <a:prstTxWarp prst="textNoShape">
+                      <a:avLst/>
+                    </a:prstTxWarp>
+                  </a:bodyPr>
+                  <a:lstStyle/>
+                  <a:p>
+                    <a:pPr defTabSz="914049">
+                      <a:defRPr/>
+                    </a:pPr>
+                    <a:endParaRPr lang="en-US" sz="1765" kern="0">
+                      <a:solidFill>
+                        <a:schemeClr val="tx1">
+                          <a:lumMod val="50000"/>
+                        </a:schemeClr>
+                      </a:solidFill>
+                      <a:latin typeface="Calibri" panose="020F0502020204030204"/>
+                    </a:endParaRPr>
+                  </a:p>
+                </p:txBody>
+              </p:sp>
+              <p:sp>
+                <p:nvSpPr>
+                  <p:cNvPr id="70" name="Freeform 46">
+                    <a:extLst>
+                      <a:ext uri="{FF2B5EF4-FFF2-40B4-BE49-F238E27FC236}">
+                        <a16:creationId xmlns:a16="http://schemas.microsoft.com/office/drawing/2014/main" id="{EE763DFA-A4BC-4F6E-9C16-435E483586C1}"/>
+                      </a:ext>
+                    </a:extLst>
+                  </p:cNvPr>
+                  <p:cNvSpPr>
+                    <a:spLocks/>
+                  </p:cNvSpPr>
+                  <p:nvPr/>
+                </p:nvSpPr>
+                <p:spPr bwMode="auto">
+                  <a:xfrm>
+                    <a:off x="3872" y="2214"/>
+                    <a:ext cx="474" cy="419"/>
+                  </a:xfrm>
+                  <a:custGeom>
+                    <a:avLst/>
+                    <a:gdLst>
+                      <a:gd name="T0" fmla="*/ 0 w 474"/>
+                      <a:gd name="T1" fmla="*/ 0 h 419"/>
+                      <a:gd name="T2" fmla="*/ 0 w 474"/>
+                      <a:gd name="T3" fmla="*/ 349 h 419"/>
+                      <a:gd name="T4" fmla="*/ 474 w 474"/>
+                      <a:gd name="T5" fmla="*/ 419 h 419"/>
+                      <a:gd name="T6" fmla="*/ 474 w 474"/>
+                      <a:gd name="T7" fmla="*/ 0 h 419"/>
+                      <a:gd name="T8" fmla="*/ 0 w 474"/>
+                      <a:gd name="T9" fmla="*/ 0 h 419"/>
+                    </a:gdLst>
+                    <a:ahLst/>
+                    <a:cxnLst>
+                      <a:cxn ang="0">
+                        <a:pos x="T0" y="T1"/>
+                      </a:cxn>
+                      <a:cxn ang="0">
+                        <a:pos x="T2" y="T3"/>
+                      </a:cxn>
+                      <a:cxn ang="0">
+                        <a:pos x="T4" y="T5"/>
+                      </a:cxn>
+                      <a:cxn ang="0">
+                        <a:pos x="T6" y="T7"/>
+                      </a:cxn>
+                      <a:cxn ang="0">
+                        <a:pos x="T8" y="T9"/>
+                      </a:cxn>
+                    </a:cxnLst>
+                    <a:rect l="0" t="0" r="r" b="b"/>
+                    <a:pathLst>
+                      <a:path w="474" h="419">
+                        <a:moveTo>
+                          <a:pt x="0" y="0"/>
+                        </a:moveTo>
+                        <a:lnTo>
+                          <a:pt x="0" y="349"/>
+                        </a:lnTo>
+                        <a:lnTo>
+                          <a:pt x="474" y="419"/>
+                        </a:lnTo>
+                        <a:lnTo>
+                          <a:pt x="474" y="0"/>
+                        </a:lnTo>
+                        <a:lnTo>
+                          <a:pt x="0" y="0"/>
+                        </a:lnTo>
+                        <a:close/>
+                      </a:path>
+                    </a:pathLst>
+                  </a:custGeom>
+                  <a:grpFill/>
+                  <a:ln>
+                    <a:noFill/>
+                  </a:ln>
+                  <a:extLst>
+                    <a:ext uri="{91240B29-F687-4F45-9708-019B960494DF}">
+                      <a14:hiddenLine xmlns:a14="http://schemas.microsoft.com/office/drawing/2010/main" w="9525">
+                        <a:solidFill>
+                          <a:srgbClr val="000000"/>
+                        </a:solidFill>
+                        <a:round/>
+                        <a:headEnd/>
+                        <a:tailEnd/>
+                      </a14:hiddenLine>
+                    </a:ext>
+                  </a:extLst>
+                </p:spPr>
+                <p:txBody>
+                  <a:bodyPr vert="horz" wrap="square" lIns="89617" tIns="44808" rIns="89617" bIns="44808" numCol="1" anchor="t" anchorCtr="0" compatLnSpc="1">
+                    <a:prstTxWarp prst="textNoShape">
+                      <a:avLst/>
+                    </a:prstTxWarp>
+                  </a:bodyPr>
+                  <a:lstStyle/>
+                  <a:p>
+                    <a:pPr defTabSz="914049">
+                      <a:defRPr/>
+                    </a:pPr>
+                    <a:endParaRPr lang="en-US" sz="1765" kern="0">
+                      <a:solidFill>
+                        <a:schemeClr val="tx1">
+                          <a:lumMod val="50000"/>
+                        </a:schemeClr>
+                      </a:solidFill>
+                      <a:latin typeface="Calibri" panose="020F0502020204030204"/>
+                    </a:endParaRPr>
+                  </a:p>
+                </p:txBody>
+              </p:sp>
+            </p:grpSp>
+            <p:pic>
+              <p:nvPicPr>
+                <p:cNvPr id="66" name="Graphic 65" descr="Laptop outline">
+                  <a:extLst>
+                    <a:ext uri="{FF2B5EF4-FFF2-40B4-BE49-F238E27FC236}">
+                      <a16:creationId xmlns:a16="http://schemas.microsoft.com/office/drawing/2014/main" id="{BE1644FC-8087-4A1A-9F15-66B8D09CAA19}"/>
+                    </a:ext>
+                  </a:extLst>
+                </p:cNvPr>
+                <p:cNvPicPr>
+                  <a:picLocks noChangeAspect="1"/>
+                </p:cNvPicPr>
+                <p:nvPr/>
+              </p:nvPicPr>
+              <p:blipFill>
+                <a:blip r:embed="rId5">
+                  <a:extLst>
+                    <a:ext uri="{96DAC541-7B7A-43D3-8B79-37D633B846F1}">
+                      <asvg:svgBlip xmlns:asvg="http://schemas.microsoft.com/office/drawing/2016/SVG/main" r:embed="rId6"/>
+                    </a:ext>
+                  </a:extLst>
+                </a:blip>
+                <a:stretch>
+                  <a:fillRect/>
+                </a:stretch>
+              </p:blipFill>
+              <p:spPr>
+                <a:xfrm>
+                  <a:off x="769916" y="4835245"/>
+                  <a:ext cx="914400" cy="914400"/>
+                </a:xfrm>
+                <a:prstGeom prst="rect">
+                  <a:avLst/>
+                </a:prstGeom>
+              </p:spPr>
+            </p:pic>
+          </p:grpSp>
+        </p:grpSp>
+        <p:grpSp>
+          <p:nvGrpSpPr>
+            <p:cNvPr id="77" name="Group 76">
+              <a:extLst>
+                <a:ext uri="{FF2B5EF4-FFF2-40B4-BE49-F238E27FC236}">
+                  <a16:creationId xmlns:a16="http://schemas.microsoft.com/office/drawing/2014/main" id="{DCCC621F-9C60-473C-B850-2FE1E91961FB}"/>
+                </a:ext>
+              </a:extLst>
+            </p:cNvPr>
+            <p:cNvGrpSpPr/>
+            <p:nvPr/>
+          </p:nvGrpSpPr>
+          <p:grpSpPr>
+            <a:xfrm>
+              <a:off x="1158602" y="4244154"/>
+              <a:ext cx="1366729" cy="591091"/>
+              <a:chOff x="1158602" y="4244154"/>
+              <a:chExt cx="1366729" cy="591091"/>
+            </a:xfrm>
+          </p:grpSpPr>
+          <p:grpSp>
+            <p:nvGrpSpPr>
+              <p:cNvPr id="78" name="Group 77">
+                <a:extLst>
+                  <a:ext uri="{FF2B5EF4-FFF2-40B4-BE49-F238E27FC236}">
+                    <a16:creationId xmlns:a16="http://schemas.microsoft.com/office/drawing/2014/main" id="{D9D6BB3B-91FC-4900-8BD9-674FBB7107D2}"/>
+                  </a:ext>
+                </a:extLst>
+              </p:cNvPr>
+              <p:cNvGrpSpPr/>
+              <p:nvPr/>
+            </p:nvGrpSpPr>
+            <p:grpSpPr>
+              <a:xfrm rot="10800000">
+                <a:off x="1158602" y="4244154"/>
+                <a:ext cx="157022" cy="558777"/>
+                <a:chOff x="1629501" y="2666967"/>
+                <a:chExt cx="125906" cy="558777"/>
+              </a:xfrm>
+            </p:grpSpPr>
+            <p:cxnSp>
+              <p:nvCxnSpPr>
+                <p:cNvPr id="88" name="Straight Connector 87">
+                  <a:extLst>
+                    <a:ext uri="{FF2B5EF4-FFF2-40B4-BE49-F238E27FC236}">
+                      <a16:creationId xmlns:a16="http://schemas.microsoft.com/office/drawing/2014/main" id="{DFC92AE9-249F-4073-B7C7-F0FD867A8272}"/>
+                    </a:ext>
+                    <a:ext uri="{C183D7F6-B498-43B3-948B-1728B52AA6E4}">
+                      <adec:decorative xmlns:adec="http://schemas.microsoft.com/office/drawing/2017/decorative" val="1"/>
+                    </a:ext>
+                  </a:extLst>
+                </p:cNvPr>
+                <p:cNvCxnSpPr>
+                  <a:cxnSpLocks/>
+                </p:cNvCxnSpPr>
+                <p:nvPr/>
+              </p:nvCxnSpPr>
+              <p:spPr>
+                <a:xfrm flipV="1">
+                  <a:off x="1695629" y="2742737"/>
+                  <a:ext cx="0" cy="483007"/>
+                </a:xfrm>
+                <a:prstGeom prst="line">
+                  <a:avLst/>
+                </a:prstGeom>
+                <a:noFill/>
+                <a:ln w="28575" cap="rnd" cmpd="sng" algn="ctr">
+                  <a:solidFill>
+                    <a:srgbClr val="75757A"/>
+                  </a:solidFill>
+                  <a:prstDash val="dash"/>
+                  <a:headEnd type="none"/>
+                  <a:tailEnd type="none"/>
+                </a:ln>
+                <a:effectLst/>
+              </p:spPr>
+            </p:cxnSp>
+            <p:sp>
+              <p:nvSpPr>
+                <p:cNvPr id="89" name="Oval 88">
+                  <a:extLst>
+                    <a:ext uri="{FF2B5EF4-FFF2-40B4-BE49-F238E27FC236}">
+                      <a16:creationId xmlns:a16="http://schemas.microsoft.com/office/drawing/2014/main" id="{154FE067-1573-4304-B184-C6A78F3A99DB}"/>
+                    </a:ext>
+                    <a:ext uri="{C183D7F6-B498-43B3-948B-1728B52AA6E4}">
+                      <adec:decorative xmlns:adec="http://schemas.microsoft.com/office/drawing/2017/decorative" val="1"/>
+                    </a:ext>
+                  </a:extLst>
+                </p:cNvPr>
+                <p:cNvSpPr/>
+                <p:nvPr/>
+              </p:nvSpPr>
+              <p:spPr bwMode="auto">
+                <a:xfrm rot="16200000">
+                  <a:off x="1618367" y="2678101"/>
+                  <a:ext cx="148174" cy="125906"/>
+                </a:xfrm>
+                <a:prstGeom prst="ellipse">
+                  <a:avLst/>
+                </a:prstGeom>
+                <a:solidFill>
+                  <a:srgbClr val="4FE4FF"/>
+                </a:solidFill>
+                <a:ln w="10795" cap="flat" cmpd="sng" algn="ctr">
+                  <a:noFill/>
+                  <a:prstDash val="solid"/>
+                  <a:headEnd type="none" w="med" len="med"/>
+                  <a:tailEnd type="none" w="med" len="med"/>
+                </a:ln>
+                <a:effectLst/>
+              </p:spPr>
+              <p:txBody>
+                <a:bodyPr vert="horz" wrap="square" lIns="0" tIns="43934" rIns="0" bIns="43934" numCol="1" rtlCol="0" anchor="ctr" anchorCtr="0" compatLnSpc="1">
+                  <a:prstTxWarp prst="textNoShape">
+                    <a:avLst/>
+                  </a:prstTxWarp>
+                </a:bodyPr>
+                <a:lstStyle/>
+                <a:p>
+                  <a:pPr algn="ctr" defTabSz="878272" fontAlgn="base">
+                    <a:spcBef>
+                      <a:spcPct val="0"/>
+                    </a:spcBef>
+                    <a:spcAft>
+                      <a:spcPct val="0"/>
+                    </a:spcAft>
+                    <a:defRPr/>
+                  </a:pPr>
+                  <a:endParaRPr lang="en-US" sz="1883" kern="0">
+                    <a:solidFill>
+                      <a:schemeClr val="tx1">
+                        <a:lumMod val="50000"/>
+                      </a:schemeClr>
+                    </a:solidFill>
+                    <a:latin typeface="Segoe UI Semilight"/>
+                  </a:endParaRPr>
+                </a:p>
+              </p:txBody>
+            </p:sp>
+          </p:grpSp>
+          <p:grpSp>
+            <p:nvGrpSpPr>
+              <p:cNvPr id="79" name="Group 78">
+                <a:extLst>
+                  <a:ext uri="{FF2B5EF4-FFF2-40B4-BE49-F238E27FC236}">
+                    <a16:creationId xmlns:a16="http://schemas.microsoft.com/office/drawing/2014/main" id="{7034A226-C8E7-4E65-9E35-C08D0CCAA19E}"/>
+                  </a:ext>
+                </a:extLst>
+              </p:cNvPr>
+              <p:cNvGrpSpPr/>
+              <p:nvPr/>
+            </p:nvGrpSpPr>
+            <p:grpSpPr>
+              <a:xfrm>
+                <a:off x="2368309" y="4267340"/>
+                <a:ext cx="157022" cy="567905"/>
+                <a:chOff x="2368309" y="4267340"/>
+                <a:chExt cx="157022" cy="567905"/>
+              </a:xfrm>
+            </p:grpSpPr>
+            <p:cxnSp>
+              <p:nvCxnSpPr>
+                <p:cNvPr id="86" name="Straight Connector 85">
+                  <a:extLst>
+                    <a:ext uri="{FF2B5EF4-FFF2-40B4-BE49-F238E27FC236}">
+                      <a16:creationId xmlns:a16="http://schemas.microsoft.com/office/drawing/2014/main" id="{7AE81A37-6FEC-4EC8-9F4D-B118E9EDC74A}"/>
+                    </a:ext>
+                    <a:ext uri="{C183D7F6-B498-43B3-948B-1728B52AA6E4}">
+                      <adec:decorative xmlns:adec="http://schemas.microsoft.com/office/drawing/2017/decorative" val="1"/>
+                    </a:ext>
+                  </a:extLst>
+                </p:cNvPr>
+                <p:cNvCxnSpPr>
+                  <a:cxnSpLocks/>
+                </p:cNvCxnSpPr>
+                <p:nvPr/>
+              </p:nvCxnSpPr>
+              <p:spPr>
+                <a:xfrm rot="10800000" flipV="1">
+                  <a:off x="2450057" y="4267340"/>
+                  <a:ext cx="0" cy="483007"/>
+                </a:xfrm>
+                <a:prstGeom prst="line">
+                  <a:avLst/>
+                </a:prstGeom>
+                <a:noFill/>
+                <a:ln w="28575" cap="rnd" cmpd="sng" algn="ctr">
+                  <a:solidFill>
+                    <a:srgbClr val="75757A"/>
+                  </a:solidFill>
+                  <a:prstDash val="dash"/>
+                  <a:headEnd type="none"/>
+                  <a:tailEnd type="none"/>
+                </a:ln>
+                <a:effectLst/>
+              </p:spPr>
+            </p:cxnSp>
+            <p:sp>
+              <p:nvSpPr>
+                <p:cNvPr id="87" name="Oval 86">
+                  <a:extLst>
+                    <a:ext uri="{FF2B5EF4-FFF2-40B4-BE49-F238E27FC236}">
+                      <a16:creationId xmlns:a16="http://schemas.microsoft.com/office/drawing/2014/main" id="{817C3B42-9DA9-4206-AC2C-6F5417DFE3E0}"/>
+                    </a:ext>
+                    <a:ext uri="{C183D7F6-B498-43B3-948B-1728B52AA6E4}">
+                      <adec:decorative xmlns:adec="http://schemas.microsoft.com/office/drawing/2017/decorative" val="1"/>
+                    </a:ext>
+                  </a:extLst>
+                </p:cNvPr>
+                <p:cNvSpPr/>
+                <p:nvPr/>
+              </p:nvSpPr>
+              <p:spPr bwMode="auto">
+                <a:xfrm rot="5400000">
+                  <a:off x="2372733" y="4682647"/>
+                  <a:ext cx="148174" cy="157022"/>
+                </a:xfrm>
+                <a:prstGeom prst="ellipse">
+                  <a:avLst/>
+                </a:prstGeom>
+                <a:solidFill>
+                  <a:srgbClr val="4FE4FF"/>
+                </a:solidFill>
+                <a:ln w="10795" cap="flat" cmpd="sng" algn="ctr">
+                  <a:noFill/>
+                  <a:prstDash val="solid"/>
+                  <a:headEnd type="none" w="med" len="med"/>
+                  <a:tailEnd type="none" w="med" len="med"/>
+                </a:ln>
+                <a:effectLst/>
+              </p:spPr>
+              <p:txBody>
+                <a:bodyPr vert="horz" wrap="square" lIns="0" tIns="43934" rIns="0" bIns="43934" numCol="1" rtlCol="0" anchor="ctr" anchorCtr="0" compatLnSpc="1">
+                  <a:prstTxWarp prst="textNoShape">
+                    <a:avLst/>
+                  </a:prstTxWarp>
+                </a:bodyPr>
+                <a:lstStyle/>
+                <a:p>
+                  <a:pPr algn="ctr" defTabSz="878272" fontAlgn="base">
+                    <a:spcBef>
+                      <a:spcPct val="0"/>
+                    </a:spcBef>
+                    <a:spcAft>
+                      <a:spcPct val="0"/>
+                    </a:spcAft>
+                    <a:defRPr/>
+                  </a:pPr>
+                  <a:endParaRPr lang="en-US" sz="1883" kern="0">
+                    <a:solidFill>
+                      <a:schemeClr val="tx1">
+                        <a:lumMod val="50000"/>
+                      </a:schemeClr>
+                    </a:solidFill>
+                    <a:latin typeface="Segoe UI Semilight"/>
+                  </a:endParaRPr>
+                </a:p>
+              </p:txBody>
+            </p:sp>
+          </p:grpSp>
+        </p:grpSp>
+      </p:grpSp>
+    </p:spTree>
+    <p:extLst>
+      <p:ext uri="{BB962C8B-B14F-4D97-AF65-F5344CB8AC3E}">
+        <p14:creationId xmlns:p14="http://schemas.microsoft.com/office/powerpoint/2010/main" val="3017861383"/>
+      </p:ext>
+    </p:extLst>
+  </p:cSld>
+  <p:clrMapOvr>
+    <a:masterClrMapping/>
+  </p:clrMapOvr>
+  <p:timing>
+    <p:tnLst>
+      <p:par>
+        <p:cTn id="1" dur="indefinite" restart="never" nodeType="tmRoot">
+          <p:childTnLst>
+            <p:seq concurrent="1" nextAc="seek">
+              <p:cTn id="2" dur="indefinite" nodeType="mainSeq">
+                <p:childTnLst>
+                  <p:par>
+                    <p:cTn id="3" fill="hold">
+                      <p:stCondLst>
+                        <p:cond delay="indefinite"/>
+                        <p:cond evt="onBegin" delay="0">
+                          <p:tn val="2"/>
+                        </p:cond>
+                      </p:stCondLst>
+                      <p:childTnLst>
+                        <p:par>
+                          <p:cTn id="4" fill="hold">
+                            <p:stCondLst>
+                              <p:cond delay="0"/>
+                            </p:stCondLst>
+                            <p:childTnLst>
+                              <p:par>
+                                <p:cTn id="5" presetID="10" presetClass="entr" presetSubtype="0" fill="hold" grpId="0" nodeType="afterEffect">
+                                  <p:stCondLst>
+                                    <p:cond delay="0"/>
+                                  </p:stCondLst>
+                                  <p:childTnLst>
+                                    <p:set>
+                                      <p:cBhvr>
+                                        <p:cTn id="6" dur="1" fill="hold">
+                                          <p:stCondLst>
+                                            <p:cond delay="0"/>
+                                          </p:stCondLst>
+                                        </p:cTn>
+                                        <p:tgtEl>
+                                          <p:spTgt spid="27"/>
+                                        </p:tgtEl>
+                                        <p:attrNameLst>
+                                          <p:attrName>style.visibility</p:attrName>
+                                        </p:attrNameLst>
+                                      </p:cBhvr>
+                                      <p:to>
+                                        <p:strVal val="visible"/>
+                                      </p:to>
+                                    </p:set>
+                                    <p:animEffect transition="in" filter="fade">
+                                      <p:cBhvr>
+                                        <p:cTn id="7" dur="500"/>
+                                        <p:tgtEl>
+                                          <p:spTgt spid="27"/>
+                                        </p:tgtEl>
+                                      </p:cBhvr>
+                                    </p:animEffect>
+                                  </p:childTnLst>
+                                </p:cTn>
+                              </p:par>
+                            </p:childTnLst>
+                          </p:cTn>
+                        </p:par>
+                        <p:par>
+                          <p:cTn id="8" fill="hold">
+                            <p:stCondLst>
+                              <p:cond delay="500"/>
+                            </p:stCondLst>
+                            <p:childTnLst>
+                              <p:par>
+                                <p:cTn id="9" presetID="10" presetClass="entr" presetSubtype="0" fill="hold" nodeType="afterEffect">
+                                  <p:stCondLst>
+                                    <p:cond delay="0"/>
+                                  </p:stCondLst>
+                                  <p:childTnLst>
+                                    <p:set>
+                                      <p:cBhvr>
+                                        <p:cTn id="10" dur="1" fill="hold">
+                                          <p:stCondLst>
+                                            <p:cond delay="0"/>
+                                          </p:stCondLst>
+                                        </p:cTn>
+                                        <p:tgtEl>
+                                          <p:spTgt spid="47"/>
+                                        </p:tgtEl>
+                                        <p:attrNameLst>
+                                          <p:attrName>style.visibility</p:attrName>
+                                        </p:attrNameLst>
+                                      </p:cBhvr>
+                                      <p:to>
+                                        <p:strVal val="visible"/>
+                                      </p:to>
+                                    </p:set>
+                                    <p:animEffect transition="in" filter="fade">
+                                      <p:cBhvr>
+                                        <p:cTn id="11" dur="500"/>
+                                        <p:tgtEl>
+                                          <p:spTgt spid="47"/>
+                                        </p:tgtEl>
+                                      </p:cBhvr>
+                                    </p:animEffect>
+                                  </p:childTnLst>
+                                </p:cTn>
+                              </p:par>
+                            </p:childTnLst>
+                          </p:cTn>
+                        </p:par>
+                        <p:par>
+                          <p:cTn id="12" fill="hold">
+                            <p:stCondLst>
+                              <p:cond delay="1000"/>
+                            </p:stCondLst>
+                            <p:childTnLst>
+                              <p:par>
+                                <p:cTn id="13" presetID="10" presetClass="entr" presetSubtype="0" fill="hold" grpId="0" nodeType="afterEffect">
+                                  <p:stCondLst>
+                                    <p:cond delay="0"/>
+                                  </p:stCondLst>
+                                  <p:childTnLst>
+                                    <p:set>
+                                      <p:cBhvr>
+                                        <p:cTn id="14" dur="1" fill="hold">
+                                          <p:stCondLst>
+                                            <p:cond delay="0"/>
+                                          </p:stCondLst>
+                                        </p:cTn>
+                                        <p:tgtEl>
+                                          <p:spTgt spid="59"/>
+                                        </p:tgtEl>
+                                        <p:attrNameLst>
+                                          <p:attrName>style.visibility</p:attrName>
+                                        </p:attrNameLst>
+                                      </p:cBhvr>
+                                      <p:to>
+                                        <p:strVal val="visible"/>
+                                      </p:to>
+                                    </p:set>
+                                    <p:animEffect transition="in" filter="fade">
+                                      <p:cBhvr>
+                                        <p:cTn id="15" dur="500"/>
+                                        <p:tgtEl>
+                                          <p:spTgt spid="59"/>
+                                        </p:tgtEl>
+                                      </p:cBhvr>
+                                    </p:animEffect>
+                                  </p:childTnLst>
+                                </p:cTn>
+                              </p:par>
+                            </p:childTnLst>
+                          </p:cTn>
+                        </p:par>
+                        <p:par>
+                          <p:cTn id="16" fill="hold">
+                            <p:stCondLst>
+                              <p:cond delay="1500"/>
+                            </p:stCondLst>
+                            <p:childTnLst>
+                              <p:par>
+                                <p:cTn id="17" presetID="10" presetClass="entr" presetSubtype="0" fill="hold" grpId="0" nodeType="afterEffect">
+                                  <p:stCondLst>
+                                    <p:cond delay="0"/>
+                                  </p:stCondLst>
+                                  <p:childTnLst>
+                                    <p:set>
+                                      <p:cBhvr>
+                                        <p:cTn id="18" dur="1" fill="hold">
+                                          <p:stCondLst>
+                                            <p:cond delay="0"/>
+                                          </p:stCondLst>
+                                        </p:cTn>
+                                        <p:tgtEl>
+                                          <p:spTgt spid="58">
+                                            <p:txEl>
+                                              <p:pRg st="0" end="0"/>
+                                            </p:txEl>
+                                          </p:spTgt>
+                                        </p:tgtEl>
+                                        <p:attrNameLst>
+                                          <p:attrName>style.visibility</p:attrName>
+                                        </p:attrNameLst>
+                                      </p:cBhvr>
+                                      <p:to>
+                                        <p:strVal val="visible"/>
+                                      </p:to>
+                                    </p:set>
+                                    <p:animEffect transition="in" filter="fade">
+                                      <p:cBhvr>
+                                        <p:cTn id="19" dur="500"/>
+                                        <p:tgtEl>
+                                          <p:spTgt spid="58">
+                                            <p:txEl>
+                                              <p:pRg st="0" end="0"/>
+                                            </p:txEl>
+                                          </p:spTgt>
+                                        </p:tgtEl>
+                                      </p:cBhvr>
+                                    </p:animEffect>
+                                  </p:childTnLst>
+                                </p:cTn>
+                              </p:par>
+                            </p:childTnLst>
+                          </p:cTn>
+                        </p:par>
+                      </p:childTnLst>
+                    </p:cTn>
+                  </p:par>
+                  <p:par>
+                    <p:cTn id="20" fill="hold">
+                      <p:stCondLst>
+                        <p:cond delay="indefinite"/>
+                      </p:stCondLst>
+                      <p:childTnLst>
+                        <p:par>
+                          <p:cTn id="21" fill="hold">
+                            <p:stCondLst>
+                              <p:cond delay="0"/>
+                            </p:stCondLst>
+                            <p:childTnLst>
+                              <p:par>
+                                <p:cTn id="22" presetID="10" presetClass="entr" presetSubtype="0" fill="hold" grpId="0" nodeType="clickEffect">
+                                  <p:stCondLst>
+                                    <p:cond delay="0"/>
+                                  </p:stCondLst>
+                                  <p:childTnLst>
+                                    <p:set>
+                                      <p:cBhvr>
+                                        <p:cTn id="23" dur="1" fill="hold">
+                                          <p:stCondLst>
+                                            <p:cond delay="0"/>
+                                          </p:stCondLst>
+                                        </p:cTn>
+                                        <p:tgtEl>
+                                          <p:spTgt spid="58">
+                                            <p:txEl>
+                                              <p:pRg st="2" end="2"/>
+                                            </p:txEl>
+                                          </p:spTgt>
+                                        </p:tgtEl>
+                                        <p:attrNameLst>
+                                          <p:attrName>style.visibility</p:attrName>
+                                        </p:attrNameLst>
+                                      </p:cBhvr>
+                                      <p:to>
+                                        <p:strVal val="visible"/>
+                                      </p:to>
+                                    </p:set>
+                                    <p:animEffect transition="in" filter="fade">
+                                      <p:cBhvr>
+                                        <p:cTn id="24" dur="500"/>
+                                        <p:tgtEl>
+                                          <p:spTgt spid="58">
+                                            <p:txEl>
+                                              <p:pRg st="2" end="2"/>
+                                            </p:txEl>
+                                          </p:spTgt>
+                                        </p:tgtEl>
+                                      </p:cBhvr>
+                                    </p:animEffect>
+                                  </p:childTnLst>
+                                </p:cTn>
+                              </p:par>
+                            </p:childTnLst>
+                          </p:cTn>
+                        </p:par>
+                      </p:childTnLst>
+                    </p:cTn>
+                  </p:par>
+                  <p:par>
+                    <p:cTn id="25" fill="hold">
+                      <p:stCondLst>
+                        <p:cond delay="indefinite"/>
+                      </p:stCondLst>
+                      <p:childTnLst>
+                        <p:par>
+                          <p:cTn id="26" fill="hold">
+                            <p:stCondLst>
+                              <p:cond delay="0"/>
+                            </p:stCondLst>
+                            <p:childTnLst>
+                              <p:par>
+                                <p:cTn id="27" presetID="10" presetClass="entr" presetSubtype="0" fill="hold" grpId="0" nodeType="clickEffect">
+                                  <p:stCondLst>
+                                    <p:cond delay="0"/>
+                                  </p:stCondLst>
+                                  <p:childTnLst>
+                                    <p:set>
+                                      <p:cBhvr>
+                                        <p:cTn id="28" dur="1" fill="hold">
+                                          <p:stCondLst>
+                                            <p:cond delay="0"/>
+                                          </p:stCondLst>
+                                        </p:cTn>
+                                        <p:tgtEl>
+                                          <p:spTgt spid="58">
+                                            <p:txEl>
+                                              <p:pRg st="4" end="4"/>
+                                            </p:txEl>
+                                          </p:spTgt>
+                                        </p:tgtEl>
+                                        <p:attrNameLst>
+                                          <p:attrName>style.visibility</p:attrName>
+                                        </p:attrNameLst>
+                                      </p:cBhvr>
+                                      <p:to>
+                                        <p:strVal val="visible"/>
+                                      </p:to>
+                                    </p:set>
+                                    <p:animEffect transition="in" filter="fade">
+                                      <p:cBhvr>
+                                        <p:cTn id="29" dur="500"/>
+                                        <p:tgtEl>
+                                          <p:spTgt spid="58">
+                                            <p:txEl>
+                                              <p:pRg st="4" end="4"/>
+                                            </p:txEl>
+                                          </p:spTgt>
+                                        </p:tgtEl>
+                                      </p:cBhvr>
+                                    </p:animEffect>
+                                  </p:childTnLst>
+                                </p:cTn>
+                              </p:par>
+                            </p:childTnLst>
+                          </p:cTn>
+                        </p:par>
+                      </p:childTnLst>
+                    </p:cTn>
+                  </p:par>
+                  <p:par>
+                    <p:cTn id="30" fill="hold">
+                      <p:stCondLst>
+                        <p:cond delay="indefinite"/>
+                      </p:stCondLst>
+                      <p:childTnLst>
+                        <p:par>
+                          <p:cTn id="31" fill="hold">
+                            <p:stCondLst>
+                              <p:cond delay="0"/>
+                            </p:stCondLst>
+                            <p:childTnLst>
+                              <p:par>
+                                <p:cTn id="32" presetID="10" presetClass="entr" presetSubtype="0" fill="hold" grpId="0" nodeType="clickEffect">
+                                  <p:stCondLst>
+                                    <p:cond delay="0"/>
+                                  </p:stCondLst>
+                                  <p:childTnLst>
+                                    <p:set>
+                                      <p:cBhvr>
+                                        <p:cTn id="33" dur="1" fill="hold">
+                                          <p:stCondLst>
+                                            <p:cond delay="0"/>
+                                          </p:stCondLst>
+                                        </p:cTn>
+                                        <p:tgtEl>
+                                          <p:spTgt spid="58">
+                                            <p:txEl>
+                                              <p:pRg st="6" end="6"/>
+                                            </p:txEl>
+                                          </p:spTgt>
+                                        </p:tgtEl>
+                                        <p:attrNameLst>
+                                          <p:attrName>style.visibility</p:attrName>
+                                        </p:attrNameLst>
+                                      </p:cBhvr>
+                                      <p:to>
+                                        <p:strVal val="visible"/>
+                                      </p:to>
+                                    </p:set>
+                                    <p:animEffect transition="in" filter="fade">
+                                      <p:cBhvr>
+                                        <p:cTn id="34" dur="500"/>
+                                        <p:tgtEl>
+                                          <p:spTgt spid="58">
+                                            <p:txEl>
+                                              <p:pRg st="6" end="6"/>
+                                            </p:txEl>
+                                          </p:spTgt>
+                                        </p:tgtEl>
+                                      </p:cBhvr>
+                                    </p:animEffect>
+                                  </p:childTnLst>
+                                </p:cTn>
+                              </p:par>
+                            </p:childTnLst>
+                          </p:cTn>
+                        </p:par>
+                      </p:childTnLst>
+                    </p:cTn>
+                  </p:par>
+                </p:childTnLst>
+              </p:cTn>
+              <p:prevCondLst>
+                <p:cond evt="onPrev" delay="0">
+                  <p:tgtEl>
+                    <p:sldTgt/>
+                  </p:tgtEl>
+                </p:cond>
+              </p:prevCondLst>
+              <p:nextCondLst>
+                <p:cond evt="onNext" delay="0">
+                  <p:tgtEl>
+                    <p:sldTgt/>
+                  </p:tgtEl>
+                </p:cond>
+              </p:nextCondLst>
+            </p:seq>
+          </p:childTnLst>
+        </p:cTn>
+      </p:par>
+    </p:tnLst>
+    <p:bldLst>
+      <p:bldP spid="27" grpId="0" animBg="1"/>
+      <p:bldP spid="58" grpId="0" uiExpand="1" build="p"/>
+      <p:bldP spid="59" grpId="0" animBg="1"/>
+    </p:bldLst>
+  </p:timing>
+</p:sld>
+</file>
+
+<file path=ppt/slides/slide7.xml><?xml version="1.0" encoding="utf-8"?>
+<p:sld xmlns:a="http://schemas.openxmlformats.org/drawingml/2006/main" xmlns:r="http://schemas.openxmlformats.org/officeDocument/2006/relationships" xmlns:p="http://schemas.openxmlformats.org/presentationml/2006/main">
+  <p:cSld>
+    <p:spTree>
+      <p:nvGrpSpPr>
+        <p:cNvPr id="1" name=""/>
+        <p:cNvGrpSpPr/>
+        <p:nvPr/>
+      </p:nvGrpSpPr>
+      <p:grpSpPr>
+        <a:xfrm>
+          <a:off x="0" y="0"/>
+          <a:ext cx="0" cy="0"/>
+          <a:chOff x="0" y="0"/>
+          <a:chExt cx="0" cy="0"/>
+        </a:xfrm>
+      </p:grpSpPr>
+      <p:sp>
+        <p:nvSpPr>
+          <p:cNvPr id="3" name="Title 2">
+            <a:extLst>
+              <a:ext uri="{FF2B5EF4-FFF2-40B4-BE49-F238E27FC236}">
+                <a16:creationId xmlns:a16="http://schemas.microsoft.com/office/drawing/2014/main" id="{652E2BA4-9FC0-4828-A940-3704183398DF}"/>
+              </a:ext>
+            </a:extLst>
+          </p:cNvPr>
+          <p:cNvSpPr>
+            <a:spLocks noGrp="1"/>
+          </p:cNvSpPr>
+          <p:nvPr>
+            <p:ph type="title"/>
+          </p:nvPr>
+        </p:nvSpPr>
+        <p:spPr/>
+        <p:txBody>
+          <a:bodyPr/>
+          <a:lstStyle/>
+          <a:p>
+            <a:r>
+              <a:rPr lang="es-ES" sz="7200" dirty="0">
+                <a:solidFill>
+                  <a:schemeClr val="bg1"/>
+                </a:solidFill>
+              </a:rPr>
+              <a:t>3. Proyecto único</a:t>
+            </a:r>
+            <a:endParaRPr lang="en-US" sz="7200" dirty="0">
+              <a:solidFill>
+                <a:schemeClr val="bg1"/>
+              </a:solidFill>
+            </a:endParaRPr>
+          </a:p>
+        </p:txBody>
+      </p:sp>
+    </p:spTree>
+    <p:extLst>
+      <p:ext uri="{BB962C8B-B14F-4D97-AF65-F5344CB8AC3E}">
+        <p14:creationId xmlns:p14="http://schemas.microsoft.com/office/powerpoint/2010/main" val="1705664951"/>
+      </p:ext>
+    </p:extLst>
+  </p:cSld>
+  <p:clrMapOvr>
+    <a:masterClrMapping/>
+  </p:clrMapOvr>
+  <p:transition spd="med"/>
+</p:sld>
+</file>
+
+<file path=ppt/slides/slide8.xml><?xml version="1.0" encoding="utf-8"?>
+<p:sld xmlns:a="http://schemas.openxmlformats.org/drawingml/2006/main" xmlns:r="http://schemas.openxmlformats.org/officeDocument/2006/relationships" xmlns:p="http://schemas.openxmlformats.org/presentationml/2006/main">
+  <p:cSld>
+    <p:spTree>
+      <p:nvGrpSpPr>
+        <p:cNvPr id="1" name=""/>
+        <p:cNvGrpSpPr/>
+        <p:nvPr/>
+      </p:nvGrpSpPr>
+      <p:grpSpPr>
+        <a:xfrm>
+          <a:off x="0" y="0"/>
+          <a:ext cx="0" cy="0"/>
+          <a:chOff x="0" y="0"/>
+          <a:chExt cx="0" cy="0"/>
+        </a:xfrm>
+      </p:grpSpPr>
+      <p:sp>
+        <p:nvSpPr>
+          <p:cNvPr id="5" name="Title 1">
+            <a:extLst>
+              <a:ext uri="{FF2B5EF4-FFF2-40B4-BE49-F238E27FC236}">
+                <a16:creationId xmlns:a16="http://schemas.microsoft.com/office/drawing/2014/main" id="{01388D49-B47C-45BB-B53B-F6092580BE6E}"/>
+              </a:ext>
+            </a:extLst>
+          </p:cNvPr>
+          <p:cNvSpPr>
+            <a:spLocks noGrp="1"/>
+          </p:cNvSpPr>
+          <p:nvPr>
+            <p:ph type="title"/>
+          </p:nvPr>
+        </p:nvSpPr>
+        <p:spPr>
+          <a:xfrm>
+            <a:off x="457200" y="1123122"/>
+            <a:ext cx="7706412" cy="591378"/>
+          </a:xfrm>
+        </p:spPr>
+        <p:txBody>
+          <a:bodyPr>
+            <a:noAutofit/>
+          </a:bodyPr>
+          <a:lstStyle/>
+          <a:p>
+            <a:r>
+              <a:rPr lang="en-US" sz="3200" dirty="0">
+                <a:latin typeface="Segoe UI Semibold"/>
+                <a:cs typeface="Segoe UI Semibold"/>
+              </a:rPr>
+              <a:t>Un </a:t>
+            </a:r>
+            <a:r>
+              <a:rPr lang="en-US" sz="3200" dirty="0" err="1">
+                <a:latin typeface="Segoe UI Semibold"/>
+                <a:cs typeface="Segoe UI Semibold"/>
+              </a:rPr>
+              <a:t>único</a:t>
+            </a:r>
+            <a:r>
+              <a:rPr lang="en-US" sz="3200" dirty="0">
+                <a:latin typeface="Segoe UI Semibold"/>
+                <a:cs typeface="Segoe UI Semibold"/>
+              </a:rPr>
+              <a:t> </a:t>
+            </a:r>
+            <a:r>
+              <a:rPr lang="en-US" sz="3200" dirty="0" err="1">
+                <a:latin typeface="Segoe UI Semibold"/>
+                <a:cs typeface="Segoe UI Semibold"/>
+              </a:rPr>
+              <a:t>proyecto</a:t>
+            </a:r>
+            <a:r>
+              <a:rPr lang="en-US" sz="3200" dirty="0">
+                <a:latin typeface="Segoe UI Semibold"/>
+                <a:cs typeface="Segoe UI Semibold"/>
+              </a:rPr>
+              <a:t>, multiples </a:t>
+            </a:r>
+            <a:r>
+              <a:rPr lang="en-US" sz="3200" dirty="0" err="1">
+                <a:latin typeface="Segoe UI Semibold"/>
+                <a:cs typeface="Segoe UI Semibold"/>
+              </a:rPr>
+              <a:t>plataformas</a:t>
+            </a:r>
+            <a:endParaRPr lang="en-US" sz="3200" dirty="0"/>
+          </a:p>
+        </p:txBody>
+      </p:sp>
+      <p:sp>
+        <p:nvSpPr>
+          <p:cNvPr id="6" name="Content Placeholder 2">
+            <a:extLst>
+              <a:ext uri="{FF2B5EF4-FFF2-40B4-BE49-F238E27FC236}">
+                <a16:creationId xmlns:a16="http://schemas.microsoft.com/office/drawing/2014/main" id="{AC81F8B9-8203-4DB3-932F-AB15DF79780D}"/>
+              </a:ext>
+            </a:extLst>
+          </p:cNvPr>
+          <p:cNvSpPr txBox="1">
+            <a:spLocks/>
+          </p:cNvSpPr>
+          <p:nvPr/>
+        </p:nvSpPr>
+        <p:spPr>
+          <a:xfrm>
+            <a:off x="457200" y="2142642"/>
+            <a:ext cx="7706412" cy="3761754"/>
+          </a:xfrm>
+          <a:prstGeom prst="rect">
+            <a:avLst/>
+          </a:prstGeom>
+        </p:spPr>
+        <p:txBody>
+          <a:bodyPr vert="horz" lIns="91440" tIns="45720" rIns="91440" bIns="45720" rtlCol="0" anchor="t">
+            <a:normAutofit/>
+          </a:bodyPr>
+          <a:lstStyle>
+            <a:lvl1pPr marL="336145" marR="0" indent="-336145" algn="l" defTabSz="914367" rtl="0" eaLnBrk="1" fontAlgn="auto" latinLnBrk="0" hangingPunct="1">
+              <a:lnSpc>
+                <a:spcPct val="90000"/>
+              </a:lnSpc>
+              <a:spcBef>
+                <a:spcPct val="20000"/>
+              </a:spcBef>
+              <a:spcAft>
+                <a:spcPts val="0"/>
+              </a:spcAft>
+              <a:buClrTx/>
+              <a:buSzPct val="90000"/>
+              <a:buFont typeface="Arial" pitchFamily="34" charset="0"/>
+              <a:buChar char="•"/>
+              <a:tabLst/>
+              <a:defRPr sz="3921" kern="1200" spc="0" baseline="0">
+                <a:gradFill>
+                  <a:gsLst>
+                    <a:gs pos="1250">
+                      <a:schemeClr val="tx1"/>
+                    </a:gs>
+                    <a:gs pos="100000">
+                      <a:schemeClr val="tx1"/>
+                    </a:gs>
+                  </a:gsLst>
+                  <a:lin ang="5400000" scaled="0"/>
+                </a:gradFill>
+                <a:latin typeface="+mj-lt"/>
+                <a:ea typeface="+mn-ea"/>
+                <a:cs typeface="+mn-cs"/>
+              </a:defRPr>
+            </a:lvl1pPr>
+            <a:lvl2pPr marL="572691" marR="0" indent="-236546" algn="l" defTabSz="914367" rtl="0" eaLnBrk="1" fontAlgn="auto" latinLnBrk="0" hangingPunct="1">
+              <a:lnSpc>
+                <a:spcPct val="90000"/>
+              </a:lnSpc>
+              <a:spcBef>
+                <a:spcPct val="20000"/>
+              </a:spcBef>
+              <a:spcAft>
+                <a:spcPts val="0"/>
+              </a:spcAft>
+              <a:buClrTx/>
+              <a:buSzPct val="90000"/>
+              <a:buFont typeface="Arial" pitchFamily="34" charset="0"/>
+              <a:buChar char="•"/>
+              <a:tabLst/>
+              <a:defRPr sz="2353" kern="1200" spc="0" baseline="0">
+                <a:gradFill>
+                  <a:gsLst>
+                    <a:gs pos="1250">
+                      <a:schemeClr val="tx1"/>
+                    </a:gs>
+                    <a:gs pos="100000">
+                      <a:schemeClr val="tx1"/>
+                    </a:gs>
+                  </a:gsLst>
+                  <a:lin ang="5400000" scaled="0"/>
+                </a:gradFill>
+                <a:latin typeface="+mn-lt"/>
+                <a:ea typeface="+mn-ea"/>
+                <a:cs typeface="+mn-cs"/>
+              </a:defRPr>
+            </a:lvl2pPr>
+            <a:lvl3pPr marL="784338" marR="0" indent="-224097" algn="l" defTabSz="914367" rtl="0" eaLnBrk="1" fontAlgn="auto" latinLnBrk="0" hangingPunct="1">
+              <a:lnSpc>
+                <a:spcPct val="90000"/>
+              </a:lnSpc>
+              <a:spcBef>
+                <a:spcPct val="20000"/>
+              </a:spcBef>
+              <a:spcAft>
+                <a:spcPts val="0"/>
+              </a:spcAft>
+              <a:buClrTx/>
+              <a:buSzPct val="90000"/>
+              <a:buFont typeface="Arial" pitchFamily="34" charset="0"/>
+              <a:buChar char="•"/>
+              <a:tabLst/>
+              <a:defRPr sz="1961" kern="1200" spc="0" baseline="0">
+                <a:gradFill>
+                  <a:gsLst>
+                    <a:gs pos="1250">
+                      <a:schemeClr val="tx1"/>
+                    </a:gs>
+                    <a:gs pos="100000">
+                      <a:schemeClr val="tx1"/>
+                    </a:gs>
+                  </a:gsLst>
+                  <a:lin ang="5400000" scaled="0"/>
+                </a:gradFill>
+                <a:latin typeface="+mn-lt"/>
+                <a:ea typeface="+mn-ea"/>
+                <a:cs typeface="+mn-cs"/>
+              </a:defRPr>
+            </a:lvl3pPr>
+            <a:lvl4pPr marL="1008435" marR="0" indent="-224097" algn="l" defTabSz="914367" rtl="0" eaLnBrk="1" fontAlgn="auto" latinLnBrk="0" hangingPunct="1">
+              <a:lnSpc>
+                <a:spcPct val="90000"/>
+              </a:lnSpc>
+              <a:spcBef>
+                <a:spcPct val="20000"/>
+              </a:spcBef>
+              <a:spcAft>
+                <a:spcPts val="0"/>
+              </a:spcAft>
+              <a:buClrTx/>
+              <a:buSzPct val="90000"/>
+              <a:buFont typeface="Arial" pitchFamily="34" charset="0"/>
+              <a:buChar char="•"/>
+              <a:tabLst/>
+              <a:defRPr sz="1765" kern="1200" spc="0" baseline="0">
+                <a:gradFill>
+                  <a:gsLst>
+                    <a:gs pos="1250">
+                      <a:schemeClr val="tx1"/>
+                    </a:gs>
+                    <a:gs pos="100000">
+                      <a:schemeClr val="tx1"/>
+                    </a:gs>
+                  </a:gsLst>
+                  <a:lin ang="5400000" scaled="0"/>
+                </a:gradFill>
+                <a:latin typeface="+mn-lt"/>
+                <a:ea typeface="+mn-ea"/>
+                <a:cs typeface="+mn-cs"/>
+              </a:defRPr>
+            </a:lvl4pPr>
+            <a:lvl5pPr marL="1232531" marR="0" indent="-224097" algn="l" defTabSz="914367" rtl="0" eaLnBrk="1" fontAlgn="auto" latinLnBrk="0" hangingPunct="1">
+              <a:lnSpc>
+                <a:spcPct val="90000"/>
+              </a:lnSpc>
+              <a:spcBef>
+                <a:spcPct val="20000"/>
+              </a:spcBef>
+              <a:spcAft>
+                <a:spcPts val="0"/>
+              </a:spcAft>
+              <a:buClrTx/>
+              <a:buSzPct val="90000"/>
+              <a:buFont typeface="Arial" pitchFamily="34" charset="0"/>
+              <a:buChar char="•"/>
+              <a:tabLst/>
+              <a:defRPr sz="1765" kern="1200" spc="0" baseline="0">
+                <a:gradFill>
+                  <a:gsLst>
+                    <a:gs pos="1250">
+                      <a:schemeClr val="tx1"/>
+                    </a:gs>
+                    <a:gs pos="100000">
+                      <a:schemeClr val="tx1"/>
+                    </a:gs>
+                  </a:gsLst>
+                  <a:lin ang="5400000" scaled="0"/>
+                </a:gradFill>
+                <a:latin typeface="+mn-lt"/>
+                <a:ea typeface="+mn-ea"/>
+                <a:cs typeface="+mn-cs"/>
+              </a:defRPr>
+            </a:lvl5pPr>
+            <a:lvl6pPr marL="2514509" indent="-228592" algn="l" defTabSz="914367" rtl="0" eaLnBrk="1" latinLnBrk="0" hangingPunct="1">
+              <a:spcBef>
+                <a:spcPct val="20000"/>
+              </a:spcBef>
+              <a:buFont typeface="Arial" pitchFamily="34" charset="0"/>
+              <a:buChar char="•"/>
+              <a:defRPr sz="1961" kern="1200">
+                <a:solidFill>
+                  <a:schemeClr val="tx1"/>
+                </a:solidFill>
+                <a:latin typeface="+mn-lt"/>
+                <a:ea typeface="+mn-ea"/>
+                <a:cs typeface="+mn-cs"/>
+              </a:defRPr>
+            </a:lvl6pPr>
+            <a:lvl7pPr marL="2971693" indent="-228592" algn="l" defTabSz="914367" rtl="0" eaLnBrk="1" latinLnBrk="0" hangingPunct="1">
+              <a:spcBef>
+                <a:spcPct val="20000"/>
+              </a:spcBef>
+              <a:buFont typeface="Arial" pitchFamily="34" charset="0"/>
+              <a:buChar char="•"/>
+              <a:defRPr sz="1961" kern="1200">
+                <a:solidFill>
+                  <a:schemeClr val="tx1"/>
+                </a:solidFill>
+                <a:latin typeface="+mn-lt"/>
+                <a:ea typeface="+mn-ea"/>
+                <a:cs typeface="+mn-cs"/>
+              </a:defRPr>
+            </a:lvl7pPr>
+            <a:lvl8pPr marL="3428877" indent="-228592" algn="l" defTabSz="914367" rtl="0" eaLnBrk="1" latinLnBrk="0" hangingPunct="1">
+              <a:spcBef>
+                <a:spcPct val="20000"/>
+              </a:spcBef>
+              <a:buFont typeface="Arial" pitchFamily="34" charset="0"/>
+              <a:buChar char="•"/>
+              <a:defRPr sz="1961" kern="1200">
+                <a:solidFill>
+                  <a:schemeClr val="tx1"/>
+                </a:solidFill>
+                <a:latin typeface="+mn-lt"/>
+                <a:ea typeface="+mn-ea"/>
+                <a:cs typeface="+mn-cs"/>
+              </a:defRPr>
+            </a:lvl8pPr>
+            <a:lvl9pPr marL="3886061" indent="-228592" algn="l" defTabSz="914367" rtl="0" eaLnBrk="1" latinLnBrk="0" hangingPunct="1">
+              <a:spcBef>
+                <a:spcPct val="20000"/>
+              </a:spcBef>
+              <a:buFont typeface="Arial" pitchFamily="34" charset="0"/>
+              <a:buChar char="•"/>
+              <a:defRPr sz="1961" kern="1200">
+                <a:solidFill>
+                  <a:schemeClr val="tx1"/>
+                </a:solidFill>
+                <a:latin typeface="+mn-lt"/>
+                <a:ea typeface="+mn-ea"/>
+                <a:cs typeface="+mn-cs"/>
+              </a:defRPr>
+            </a:lvl9pPr>
+          </a:lstStyle>
+          <a:p>
+            <a:pPr marL="285750" indent="-285750"/>
+            <a:r>
+              <a:rPr lang="en-US" sz="2400" dirty="0" err="1">
+                <a:latin typeface="Segoe UI"/>
+                <a:cs typeface="Segoe UI"/>
+              </a:rPr>
+              <a:t>Carpeta</a:t>
+            </a:r>
+            <a:r>
+              <a:rPr lang="en-US" sz="2400" dirty="0">
+                <a:latin typeface="Segoe UI"/>
+                <a:cs typeface="Segoe UI"/>
+              </a:rPr>
+              <a:t> Platforms</a:t>
+            </a:r>
+            <a:endParaRPr lang="en-US" sz="2400" dirty="0"/>
+          </a:p>
+          <a:p>
+            <a:pPr marL="285750" indent="-285750"/>
+            <a:r>
+              <a:rPr lang="en-US" sz="2400" dirty="0" err="1">
+                <a:latin typeface="Segoe UI"/>
+                <a:cs typeface="Segoe UI"/>
+              </a:rPr>
+              <a:t>Iconos</a:t>
+            </a:r>
+            <a:r>
+              <a:rPr lang="en-US" sz="2400" dirty="0">
+                <a:latin typeface="Segoe UI"/>
+                <a:cs typeface="Segoe UI"/>
+              </a:rPr>
+              <a:t> de App </a:t>
+            </a:r>
+            <a:r>
+              <a:rPr lang="en-US" sz="2400" dirty="0" err="1">
+                <a:latin typeface="Segoe UI"/>
+                <a:cs typeface="Segoe UI"/>
+              </a:rPr>
+              <a:t>compartidos</a:t>
+            </a:r>
+            <a:endParaRPr lang="en-US" sz="2400" dirty="0">
+              <a:latin typeface="Segoe UI"/>
+              <a:cs typeface="Segoe UI"/>
+            </a:endParaRPr>
+          </a:p>
+          <a:p>
+            <a:pPr marL="285750" indent="-285750"/>
+            <a:r>
+              <a:rPr lang="en-US" sz="2400" dirty="0">
+                <a:latin typeface="Segoe UI"/>
+                <a:cs typeface="Segoe UI"/>
+              </a:rPr>
+              <a:t>Splash screen de Apps </a:t>
+            </a:r>
+            <a:r>
+              <a:rPr lang="en-US" sz="2400" dirty="0" err="1">
+                <a:latin typeface="Segoe UI"/>
+                <a:cs typeface="Segoe UI"/>
+              </a:rPr>
+              <a:t>compartidos</a:t>
+            </a:r>
+            <a:endParaRPr lang="en-US" sz="2400" dirty="0">
+              <a:latin typeface="Segoe UI"/>
+              <a:cs typeface="Segoe UI"/>
+            </a:endParaRPr>
+          </a:p>
+          <a:p>
+            <a:pPr marL="285750" indent="-285750"/>
+            <a:r>
+              <a:rPr lang="en-US" sz="2400" dirty="0" err="1">
+                <a:latin typeface="Segoe UI"/>
+                <a:cs typeface="Segoe UI"/>
+              </a:rPr>
+              <a:t>Manifiesto</a:t>
+            </a:r>
+            <a:r>
+              <a:rPr lang="en-US" sz="2400" dirty="0">
+                <a:latin typeface="Segoe UI"/>
+                <a:cs typeface="Segoe UI"/>
+              </a:rPr>
+              <a:t> </a:t>
+            </a:r>
+            <a:r>
+              <a:rPr lang="en-US" sz="2400" dirty="0" err="1">
+                <a:latin typeface="Segoe UI"/>
+                <a:cs typeface="Segoe UI"/>
+              </a:rPr>
+              <a:t>compartido</a:t>
+            </a:r>
+            <a:endParaRPr lang="en-US" sz="2400" dirty="0">
+              <a:latin typeface="Segoe UI"/>
+              <a:cs typeface="Segoe UI"/>
+            </a:endParaRPr>
+          </a:p>
+        </p:txBody>
+      </p:sp>
+      <p:pic>
+        <p:nvPicPr>
+          <p:cNvPr id="7" name="Picture 11" descr="Graphical user interface, application&#10;&#10;Description automatically generated">
+            <a:extLst>
+              <a:ext uri="{FF2B5EF4-FFF2-40B4-BE49-F238E27FC236}">
+                <a16:creationId xmlns:a16="http://schemas.microsoft.com/office/drawing/2014/main" id="{470494EC-A51C-4FDF-97A1-32EC9FEA52D7}"/>
+              </a:ext>
+            </a:extLst>
+          </p:cNvPr>
+          <p:cNvPicPr>
+            <a:picLocks noChangeAspect="1"/>
+          </p:cNvPicPr>
+          <p:nvPr/>
+        </p:nvPicPr>
+        <p:blipFill>
+          <a:blip r:embed="rId2"/>
+          <a:stretch>
+            <a:fillRect/>
+          </a:stretch>
+        </p:blipFill>
+        <p:spPr>
+          <a:xfrm>
+            <a:off x="8424894" y="2142642"/>
+            <a:ext cx="2162432" cy="4114800"/>
+          </a:xfrm>
+          <a:prstGeom prst="rect">
+            <a:avLst/>
+          </a:prstGeom>
+        </p:spPr>
+      </p:pic>
+    </p:spTree>
+    <p:extLst>
+      <p:ext uri="{BB962C8B-B14F-4D97-AF65-F5344CB8AC3E}">
+        <p14:creationId xmlns:p14="http://schemas.microsoft.com/office/powerpoint/2010/main" val="3650361641"/>
+      </p:ext>
+    </p:extLst>
+  </p:cSld>
+  <p:clrMapOvr>
+    <a:masterClrMapping/>
+  </p:clrMapOvr>
+  <p:transition>
+    <p:fade/>
+  </p:transition>
+</p:sld>
+</file>
+
+<file path=ppt/slides/slide9.xml><?xml version="1.0" encoding="utf-8"?>
+<p:sld xmlns:a="http://schemas.openxmlformats.org/drawingml/2006/main" xmlns:r="http://schemas.openxmlformats.org/officeDocument/2006/relationships" xmlns:p="http://schemas.openxmlformats.org/presentationml/2006/main">
+  <p:cSld>
+    <p:spTree>
+      <p:nvGrpSpPr>
+        <p:cNvPr id="1" name=""/>
+        <p:cNvGrpSpPr/>
+        <p:nvPr/>
+      </p:nvGrpSpPr>
+      <p:grpSpPr>
+        <a:xfrm>
+          <a:off x="0" y="0"/>
+          <a:ext cx="0" cy="0"/>
+          <a:chOff x="0" y="0"/>
+          <a:chExt cx="0" cy="0"/>
+        </a:xfrm>
+      </p:grpSpPr>
+      <p:sp>
+        <p:nvSpPr>
+          <p:cNvPr id="3" name="Title 2">
+            <a:extLst>
+              <a:ext uri="{FF2B5EF4-FFF2-40B4-BE49-F238E27FC236}">
+                <a16:creationId xmlns:a16="http://schemas.microsoft.com/office/drawing/2014/main" id="{652E2BA4-9FC0-4828-A940-3704183398DF}"/>
+              </a:ext>
+            </a:extLst>
+          </p:cNvPr>
+          <p:cNvSpPr>
+            <a:spLocks noGrp="1"/>
+          </p:cNvSpPr>
+          <p:nvPr>
+            <p:ph type="title"/>
+          </p:nvPr>
+        </p:nvSpPr>
+        <p:spPr/>
+        <p:txBody>
+          <a:bodyPr/>
+          <a:lstStyle/>
+          <a:p>
+            <a:r>
+              <a:rPr lang="es-ES" sz="7200" dirty="0">
+                <a:solidFill>
+                  <a:schemeClr val="bg1"/>
+                </a:solidFill>
+              </a:rPr>
+              <a:t>4. Hot </a:t>
+            </a:r>
+            <a:r>
+              <a:rPr lang="es-ES" sz="7200" dirty="0" err="1">
+                <a:solidFill>
+                  <a:schemeClr val="bg1"/>
+                </a:solidFill>
+              </a:rPr>
+              <a:t>Reload</a:t>
+            </a:r>
+            <a:endParaRPr lang="en-US" sz="7200" dirty="0">
+              <a:solidFill>
+                <a:schemeClr val="bg1"/>
+              </a:solidFill>
+            </a:endParaRPr>
+          </a:p>
+        </p:txBody>
+      </p:sp>
+    </p:spTree>
+    <p:extLst>
+      <p:ext uri="{BB962C8B-B14F-4D97-AF65-F5344CB8AC3E}">
+        <p14:creationId xmlns:p14="http://schemas.microsoft.com/office/powerpoint/2010/main" val="571390560"/>
+      </p:ext>
+    </p:extLst>
+  </p:cSld>
+  <p:clrMapOvr>
+    <a:masterClrMapping/>
+  </p:clrMapOvr>
+  <p:transition spd="med"/>
 </p:sld>
 </file>
 
